--- a/SQL.pptx
+++ b/SQL.pptx
@@ -1,71 +1,71 @@
 
 <file path=ppt/presentation.xml><?xml version="1.0" encoding="utf-8"?>
-<p:presentation xmlns:a="http://schemas.openxmlformats.org/drawingml/2006/main" xmlns:r="http://schemas.openxmlformats.org/officeDocument/2006/relationships" xmlns:p="http://schemas.openxmlformats.org/presentationml/2006/main" saveSubsetFonts="1">
+<p:presentation xmlns:a="http://schemas.openxmlformats.org/drawingml/2006/main" xmlns:r="http://schemas.openxmlformats.org/officeDocument/2006/relationships" xmlns:p="http://schemas.openxmlformats.org/presentationml/2006/main">
   <p:sldMasterIdLst>
-    <p:sldMasterId id="2147483678" r:id="rId1"/>
+    <p:sldMasterId id="2147483648" r:id="rId1"/>
   </p:sldMasterIdLst>
   <p:sldIdLst>
-    <p:sldId id="256" r:id="rId2"/>
-    <p:sldId id="258" r:id="rId3"/>
-    <p:sldId id="259" r:id="rId4"/>
-    <p:sldId id="260" r:id="rId5"/>
-    <p:sldId id="263" r:id="rId6"/>
-    <p:sldId id="264" r:id="rId7"/>
-    <p:sldId id="268" r:id="rId8"/>
-    <p:sldId id="269" r:id="rId9"/>
-    <p:sldId id="270" r:id="rId10"/>
-    <p:sldId id="267" r:id="rId11"/>
-    <p:sldId id="271" r:id="rId12"/>
-    <p:sldId id="257" r:id="rId13"/>
-    <p:sldId id="286" r:id="rId14"/>
-    <p:sldId id="287" r:id="rId15"/>
-    <p:sldId id="290" r:id="rId16"/>
-    <p:sldId id="274" r:id="rId17"/>
-    <p:sldId id="275" r:id="rId18"/>
-    <p:sldId id="276" r:id="rId19"/>
-    <p:sldId id="277" r:id="rId20"/>
-    <p:sldId id="278" r:id="rId21"/>
-    <p:sldId id="279" r:id="rId22"/>
-    <p:sldId id="280" r:id="rId23"/>
-    <p:sldId id="281" r:id="rId24"/>
-    <p:sldId id="282" r:id="rId25"/>
-    <p:sldId id="288" r:id="rId26"/>
-    <p:sldId id="289" r:id="rId27"/>
-    <p:sldId id="291" r:id="rId28"/>
-    <p:sldId id="292" r:id="rId29"/>
-    <p:sldId id="284" r:id="rId30"/>
-    <p:sldId id="261" r:id="rId31"/>
-    <p:sldId id="262" r:id="rId32"/>
-    <p:sldId id="293" r:id="rId33"/>
-    <p:sldId id="294" r:id="rId34"/>
-    <p:sldId id="265" r:id="rId35"/>
-    <p:sldId id="266" r:id="rId36"/>
-    <p:sldId id="316" r:id="rId37"/>
-    <p:sldId id="317" r:id="rId38"/>
-    <p:sldId id="321" r:id="rId39"/>
-    <p:sldId id="318" r:id="rId40"/>
-    <p:sldId id="319" r:id="rId41"/>
-    <p:sldId id="295" r:id="rId42"/>
-    <p:sldId id="296" r:id="rId43"/>
-    <p:sldId id="297" r:id="rId44"/>
-    <p:sldId id="298" r:id="rId45"/>
-    <p:sldId id="299" r:id="rId46"/>
-    <p:sldId id="283" r:id="rId47"/>
-    <p:sldId id="272" r:id="rId48"/>
-    <p:sldId id="300" r:id="rId49"/>
-    <p:sldId id="273" r:id="rId50"/>
-    <p:sldId id="301" r:id="rId51"/>
-    <p:sldId id="302" r:id="rId52"/>
-    <p:sldId id="303" r:id="rId53"/>
-    <p:sldId id="304" r:id="rId54"/>
-    <p:sldId id="305" r:id="rId55"/>
-    <p:sldId id="306" r:id="rId56"/>
-    <p:sldId id="307" r:id="rId57"/>
-    <p:sldId id="308" r:id="rId58"/>
-    <p:sldId id="309" r:id="rId59"/>
-    <p:sldId id="310" r:id="rId60"/>
-    <p:sldId id="311" r:id="rId61"/>
-    <p:sldId id="315" r:id="rId62"/>
+    <p:sldId id="256" r:id="rId3"/>
+    <p:sldId id="258" r:id="rId4"/>
+    <p:sldId id="259" r:id="rId5"/>
+    <p:sldId id="260" r:id="rId6"/>
+    <p:sldId id="263" r:id="rId7"/>
+    <p:sldId id="264" r:id="rId8"/>
+    <p:sldId id="268" r:id="rId9"/>
+    <p:sldId id="269" r:id="rId10"/>
+    <p:sldId id="270" r:id="rId11"/>
+    <p:sldId id="267" r:id="rId12"/>
+    <p:sldId id="271" r:id="rId13"/>
+    <p:sldId id="257" r:id="rId14"/>
+    <p:sldId id="286" r:id="rId15"/>
+    <p:sldId id="287" r:id="rId16"/>
+    <p:sldId id="290" r:id="rId17"/>
+    <p:sldId id="274" r:id="rId18"/>
+    <p:sldId id="275" r:id="rId19"/>
+    <p:sldId id="276" r:id="rId20"/>
+    <p:sldId id="277" r:id="rId21"/>
+    <p:sldId id="278" r:id="rId22"/>
+    <p:sldId id="279" r:id="rId23"/>
+    <p:sldId id="280" r:id="rId24"/>
+    <p:sldId id="281" r:id="rId25"/>
+    <p:sldId id="282" r:id="rId26"/>
+    <p:sldId id="288" r:id="rId27"/>
+    <p:sldId id="289" r:id="rId28"/>
+    <p:sldId id="291" r:id="rId29"/>
+    <p:sldId id="292" r:id="rId30"/>
+    <p:sldId id="284" r:id="rId31"/>
+    <p:sldId id="261" r:id="rId32"/>
+    <p:sldId id="262" r:id="rId33"/>
+    <p:sldId id="293" r:id="rId34"/>
+    <p:sldId id="294" r:id="rId35"/>
+    <p:sldId id="265" r:id="rId36"/>
+    <p:sldId id="266" r:id="rId37"/>
+    <p:sldId id="316" r:id="rId38"/>
+    <p:sldId id="317" r:id="rId39"/>
+    <p:sldId id="321" r:id="rId40"/>
+    <p:sldId id="318" r:id="rId41"/>
+    <p:sldId id="319" r:id="rId42"/>
+    <p:sldId id="295" r:id="rId43"/>
+    <p:sldId id="296" r:id="rId44"/>
+    <p:sldId id="297" r:id="rId45"/>
+    <p:sldId id="298" r:id="rId46"/>
+    <p:sldId id="299" r:id="rId47"/>
+    <p:sldId id="283" r:id="rId48"/>
+    <p:sldId id="272" r:id="rId49"/>
+    <p:sldId id="300" r:id="rId50"/>
+    <p:sldId id="273" r:id="rId51"/>
+    <p:sldId id="301" r:id="rId52"/>
+    <p:sldId id="302" r:id="rId53"/>
+    <p:sldId id="303" r:id="rId54"/>
+    <p:sldId id="304" r:id="rId55"/>
+    <p:sldId id="305" r:id="rId56"/>
+    <p:sldId id="306" r:id="rId57"/>
+    <p:sldId id="307" r:id="rId58"/>
+    <p:sldId id="308" r:id="rId59"/>
+    <p:sldId id="309" r:id="rId60"/>
+    <p:sldId id="310" r:id="rId61"/>
+    <p:sldId id="311" r:id="rId62"/>
+    <p:sldId id="315" r:id="rId63"/>
   </p:sldIdLst>
   <p:sldSz cx="12192000" cy="6858000"/>
   <p:notesSz cx="6858000" cy="9144000"/>
@@ -164,11 +164,6 @@
       </a:defRPr>
     </a:lvl9pPr>
   </p:defaultTextStyle>
-  <p:extLst>
-    <p:ext uri="{EFAFB233-063F-42B5-8137-9DF3F51BA10A}">
-      <p15:sldGuideLst xmlns:p15="http://schemas.microsoft.com/office/powerpoint/2012/main"/>
-    </p:ext>
-  </p:extLst>
 </p:presentation>
 </file>
 
@@ -179,117 +174,39 @@
   <dgm:catLst>
     <dgm:cat type="accent1" pri="11200"/>
   </dgm:catLst>
-  <dgm:styleLbl name="node0">
+  <dgm:styleLbl name="alignAcc1">
     <dgm:fillClrLst meth="repeat">
-      <a:schemeClr val="accent1"/>
-    </dgm:fillClrLst>
-    <dgm:linClrLst meth="repeat">
-      <a:schemeClr val="lt1"/>
-    </dgm:linClrLst>
-    <dgm:effectClrLst/>
-    <dgm:txLinClrLst/>
-    <dgm:txFillClrLst/>
-    <dgm:txEffectClrLst/>
-  </dgm:styleLbl>
-  <dgm:styleLbl name="alignNode1">
-    <dgm:fillClrLst meth="repeat">
-      <a:schemeClr val="accent1"/>
+      <a:schemeClr val="lt1">
+        <a:alpha val="90000"/>
+      </a:schemeClr>
     </dgm:fillClrLst>
     <dgm:linClrLst meth="repeat">
       <a:schemeClr val="accent1"/>
     </dgm:linClrLst>
     <dgm:effectClrLst/>
     <dgm:txLinClrLst/>
-    <dgm:txFillClrLst/>
+    <dgm:txFillClrLst meth="repeat">
+      <a:schemeClr val="dk1"/>
+    </dgm:txFillClrLst>
     <dgm:txEffectClrLst/>
   </dgm:styleLbl>
-  <dgm:styleLbl name="node1">
-    <dgm:fillClrLst meth="repeat">
-      <a:schemeClr val="accent1"/>
-    </dgm:fillClrLst>
-    <dgm:linClrLst meth="repeat">
-      <a:schemeClr val="lt1"/>
-    </dgm:linClrLst>
-    <dgm:effectClrLst/>
-    <dgm:txLinClrLst/>
-    <dgm:txFillClrLst/>
-    <dgm:txEffectClrLst/>
-  </dgm:styleLbl>
-  <dgm:styleLbl name="lnNode1">
-    <dgm:fillClrLst meth="repeat">
-      <a:schemeClr val="accent1"/>
-    </dgm:fillClrLst>
-    <dgm:linClrLst meth="repeat">
-      <a:schemeClr val="lt1"/>
-    </dgm:linClrLst>
-    <dgm:effectClrLst/>
-    <dgm:txLinClrLst/>
-    <dgm:txFillClrLst/>
-    <dgm:txEffectClrLst/>
-  </dgm:styleLbl>
-  <dgm:styleLbl name="vennNode1">
+  <dgm:styleLbl name="alignAccFollowNode1">
     <dgm:fillClrLst meth="repeat">
       <a:schemeClr val="accent1">
-        <a:alpha val="50000"/>
+        <a:alpha val="90000"/>
+        <a:tint val="40000"/>
       </a:schemeClr>
     </dgm:fillClrLst>
     <dgm:linClrLst meth="repeat">
-      <a:schemeClr val="lt1"/>
-    </dgm:linClrLst>
-    <dgm:effectClrLst/>
-    <dgm:txLinClrLst/>
-    <dgm:txFillClrLst/>
-    <dgm:txEffectClrLst/>
-  </dgm:styleLbl>
-  <dgm:styleLbl name="node2">
-    <dgm:fillClrLst meth="repeat">
-      <a:schemeClr val="accent1"/>
-    </dgm:fillClrLst>
-    <dgm:linClrLst meth="repeat">
-      <a:schemeClr val="lt1"/>
-    </dgm:linClrLst>
-    <dgm:effectClrLst/>
-    <dgm:txLinClrLst/>
-    <dgm:txFillClrLst/>
-    <dgm:txEffectClrLst/>
-  </dgm:styleLbl>
-  <dgm:styleLbl name="node3">
-    <dgm:fillClrLst meth="repeat">
-      <a:schemeClr val="accent1"/>
-    </dgm:fillClrLst>
-    <dgm:linClrLst meth="repeat">
-      <a:schemeClr val="lt1"/>
-    </dgm:linClrLst>
-    <dgm:effectClrLst/>
-    <dgm:txLinClrLst/>
-    <dgm:txFillClrLst/>
-    <dgm:txEffectClrLst/>
-  </dgm:styleLbl>
-  <dgm:styleLbl name="node4">
-    <dgm:fillClrLst meth="repeat">
-      <a:schemeClr val="accent1"/>
-    </dgm:fillClrLst>
-    <dgm:linClrLst meth="repeat">
-      <a:schemeClr val="lt1"/>
-    </dgm:linClrLst>
-    <dgm:effectClrLst/>
-    <dgm:txLinClrLst/>
-    <dgm:txFillClrLst/>
-    <dgm:txEffectClrLst/>
-  </dgm:styleLbl>
-  <dgm:styleLbl name="fgImgPlace1">
-    <dgm:fillClrLst meth="repeat">
       <a:schemeClr val="accent1">
-        <a:tint val="50000"/>
+        <a:alpha val="90000"/>
+        <a:tint val="40000"/>
       </a:schemeClr>
-    </dgm:fillClrLst>
-    <dgm:linClrLst meth="repeat">
-      <a:schemeClr val="lt1"/>
     </dgm:linClrLst>
     <dgm:effectClrLst/>
     <dgm:txLinClrLst/>
     <dgm:txFillClrLst meth="repeat">
-      <a:schemeClr val="lt1"/>
+      <a:schemeClr val="dk1"/>
     </dgm:txFillClrLst>
     <dgm:txEffectClrLst/>
   </dgm:styleLbl>
@@ -309,71 +226,7 @@
     </dgm:txFillClrLst>
     <dgm:txEffectClrLst/>
   </dgm:styleLbl>
-  <dgm:styleLbl name="bgImgPlace1">
-    <dgm:fillClrLst meth="repeat">
-      <a:schemeClr val="accent1">
-        <a:tint val="50000"/>
-      </a:schemeClr>
-    </dgm:fillClrLst>
-    <dgm:linClrLst meth="repeat">
-      <a:schemeClr val="lt1"/>
-    </dgm:linClrLst>
-    <dgm:effectClrLst/>
-    <dgm:txLinClrLst/>
-    <dgm:txFillClrLst meth="repeat">
-      <a:schemeClr val="lt1"/>
-    </dgm:txFillClrLst>
-    <dgm:txEffectClrLst/>
-  </dgm:styleLbl>
-  <dgm:styleLbl name="sibTrans2D1">
-    <dgm:fillClrLst meth="repeat">
-      <a:schemeClr val="accent1">
-        <a:tint val="60000"/>
-      </a:schemeClr>
-    </dgm:fillClrLst>
-    <dgm:linClrLst meth="repeat">
-      <a:schemeClr val="accent1">
-        <a:tint val="60000"/>
-      </a:schemeClr>
-    </dgm:linClrLst>
-    <dgm:effectClrLst/>
-    <dgm:txLinClrLst/>
-    <dgm:txFillClrLst/>
-    <dgm:txEffectClrLst/>
-  </dgm:styleLbl>
-  <dgm:styleLbl name="fgSibTrans2D1">
-    <dgm:fillClrLst meth="repeat">
-      <a:schemeClr val="accent1">
-        <a:tint val="60000"/>
-      </a:schemeClr>
-    </dgm:fillClrLst>
-    <dgm:linClrLst meth="repeat">
-      <a:schemeClr val="accent1">
-        <a:tint val="60000"/>
-      </a:schemeClr>
-    </dgm:linClrLst>
-    <dgm:effectClrLst/>
-    <dgm:txLinClrLst/>
-    <dgm:txFillClrLst/>
-    <dgm:txEffectClrLst/>
-  </dgm:styleLbl>
-  <dgm:styleLbl name="bgSibTrans2D1">
-    <dgm:fillClrLst meth="repeat">
-      <a:schemeClr val="accent1">
-        <a:tint val="60000"/>
-      </a:schemeClr>
-    </dgm:fillClrLst>
-    <dgm:linClrLst meth="repeat">
-      <a:schemeClr val="accent1">
-        <a:tint val="60000"/>
-      </a:schemeClr>
-    </dgm:linClrLst>
-    <dgm:effectClrLst/>
-    <dgm:txLinClrLst/>
-    <dgm:txFillClrLst/>
-    <dgm:txEffectClrLst/>
-  </dgm:styleLbl>
-  <dgm:styleLbl name="sibTrans1D1">
+  <dgm:styleLbl name="alignNode1">
     <dgm:fillClrLst meth="repeat">
       <a:schemeClr val="accent1"/>
     </dgm:fillClrLst>
@@ -382,25 +235,7 @@
     </dgm:linClrLst>
     <dgm:effectClrLst/>
     <dgm:txLinClrLst/>
-    <dgm:txFillClrLst meth="repeat">
-      <a:schemeClr val="tx1"/>
-    </dgm:txFillClrLst>
-    <dgm:txEffectClrLst/>
-  </dgm:styleLbl>
-  <dgm:styleLbl name="callout">
-    <dgm:fillClrLst meth="repeat">
-      <a:schemeClr val="accent1"/>
-    </dgm:fillClrLst>
-    <dgm:linClrLst meth="repeat">
-      <a:schemeClr val="accent1">
-        <a:tint val="50000"/>
-      </a:schemeClr>
-    </dgm:linClrLst>
-    <dgm:effectClrLst/>
-    <dgm:txLinClrLst/>
-    <dgm:txFillClrLst meth="repeat">
-      <a:schemeClr val="tx1"/>
-    </dgm:txFillClrLst>
+    <dgm:txFillClrLst/>
     <dgm:txEffectClrLst/>
   </dgm:styleLbl>
   <dgm:styleLbl name="asst0">
@@ -463,7 +298,75 @@
     <dgm:txFillClrLst/>
     <dgm:txEffectClrLst/>
   </dgm:styleLbl>
-  <dgm:styleLbl name="parChTrans2D1">
+  <dgm:styleLbl name="bgAcc1">
+    <dgm:fillClrLst meth="repeat">
+      <a:schemeClr val="lt1">
+        <a:alpha val="90000"/>
+      </a:schemeClr>
+    </dgm:fillClrLst>
+    <dgm:linClrLst meth="repeat">
+      <a:schemeClr val="accent1"/>
+    </dgm:linClrLst>
+    <dgm:effectClrLst/>
+    <dgm:txLinClrLst/>
+    <dgm:txFillClrLst meth="repeat">
+      <a:schemeClr val="dk1"/>
+    </dgm:txFillClrLst>
+    <dgm:txEffectClrLst/>
+  </dgm:styleLbl>
+  <dgm:styleLbl name="bgAccFollowNode1">
+    <dgm:fillClrLst meth="repeat">
+      <a:schemeClr val="accent1">
+        <a:alpha val="90000"/>
+        <a:tint val="40000"/>
+      </a:schemeClr>
+    </dgm:fillClrLst>
+    <dgm:linClrLst meth="repeat">
+      <a:schemeClr val="accent1">
+        <a:alpha val="90000"/>
+        <a:tint val="40000"/>
+      </a:schemeClr>
+    </dgm:linClrLst>
+    <dgm:effectClrLst/>
+    <dgm:txLinClrLst/>
+    <dgm:txFillClrLst meth="repeat">
+      <a:schemeClr val="dk1"/>
+    </dgm:txFillClrLst>
+    <dgm:txEffectClrLst/>
+  </dgm:styleLbl>
+  <dgm:styleLbl name="bgImgPlace1">
+    <dgm:fillClrLst meth="repeat">
+      <a:schemeClr val="accent1">
+        <a:tint val="50000"/>
+      </a:schemeClr>
+    </dgm:fillClrLst>
+    <dgm:linClrLst meth="repeat">
+      <a:schemeClr val="lt1"/>
+    </dgm:linClrLst>
+    <dgm:effectClrLst/>
+    <dgm:txLinClrLst/>
+    <dgm:txFillClrLst meth="repeat">
+      <a:schemeClr val="lt1"/>
+    </dgm:txFillClrLst>
+    <dgm:txEffectClrLst/>
+  </dgm:styleLbl>
+  <dgm:styleLbl name="bgShp">
+    <dgm:fillClrLst meth="repeat">
+      <a:schemeClr val="accent1">
+        <a:tint val="40000"/>
+      </a:schemeClr>
+    </dgm:fillClrLst>
+    <dgm:linClrLst meth="repeat">
+      <a:schemeClr val="accent1"/>
+    </dgm:linClrLst>
+    <dgm:effectClrLst/>
+    <dgm:txLinClrLst/>
+    <dgm:txFillClrLst meth="repeat">
+      <a:schemeClr val="dk1"/>
+    </dgm:txFillClrLst>
+    <dgm:txEffectClrLst/>
+  </dgm:styleLbl>
+  <dgm:styleLbl name="bgSibTrans2D1">
     <dgm:fillClrLst meth="repeat">
       <a:schemeClr val="accent1">
         <a:tint val="60000"/>
@@ -476,14 +379,46 @@
     </dgm:linClrLst>
     <dgm:effectClrLst/>
     <dgm:txLinClrLst/>
+    <dgm:txFillClrLst/>
+    <dgm:txEffectClrLst/>
+  </dgm:styleLbl>
+  <dgm:styleLbl name="callout">
+    <dgm:fillClrLst meth="repeat">
+      <a:schemeClr val="accent1"/>
+    </dgm:fillClrLst>
+    <dgm:linClrLst meth="repeat">
+      <a:schemeClr val="accent1">
+        <a:tint val="50000"/>
+      </a:schemeClr>
+    </dgm:linClrLst>
+    <dgm:effectClrLst/>
+    <dgm:txLinClrLst/>
     <dgm:txFillClrLst meth="repeat">
-      <a:schemeClr val="lt1"/>
+      <a:schemeClr val="tx1"/>
     </dgm:txFillClrLst>
     <dgm:txEffectClrLst/>
   </dgm:styleLbl>
-  <dgm:styleLbl name="parChTrans2D2">
+  <dgm:styleLbl name="conFgAcc1">
     <dgm:fillClrLst meth="repeat">
+      <a:schemeClr val="lt1">
+        <a:alpha val="90000"/>
+      </a:schemeClr>
+    </dgm:fillClrLst>
+    <dgm:linClrLst meth="repeat">
       <a:schemeClr val="accent1"/>
+    </dgm:linClrLst>
+    <dgm:effectClrLst/>
+    <dgm:txLinClrLst/>
+    <dgm:txFillClrLst meth="repeat">
+      <a:schemeClr val="dk1"/>
+    </dgm:txFillClrLst>
+    <dgm:txEffectClrLst/>
+  </dgm:styleLbl>
+  <dgm:styleLbl name="dkBgShp">
+    <dgm:fillClrLst meth="repeat">
+      <a:schemeClr val="accent1">
+        <a:shade val="80000"/>
+      </a:schemeClr>
     </dgm:fillClrLst>
     <dgm:linClrLst meth="repeat">
       <a:schemeClr val="accent1"/>
@@ -495,12 +430,114 @@
     </dgm:txFillClrLst>
     <dgm:txEffectClrLst/>
   </dgm:styleLbl>
-  <dgm:styleLbl name="parChTrans2D3">
+  <dgm:styleLbl name="fgAcc0">
     <dgm:fillClrLst meth="repeat">
-      <a:schemeClr val="accent1"/>
+      <a:schemeClr val="lt1">
+        <a:alpha val="90000"/>
+      </a:schemeClr>
     </dgm:fillClrLst>
     <dgm:linClrLst meth="repeat">
       <a:schemeClr val="accent1"/>
+    </dgm:linClrLst>
+    <dgm:effectClrLst/>
+    <dgm:txLinClrLst/>
+    <dgm:txFillClrLst meth="repeat">
+      <a:schemeClr val="dk1"/>
+    </dgm:txFillClrLst>
+    <dgm:txEffectClrLst/>
+  </dgm:styleLbl>
+  <dgm:styleLbl name="fgAcc1">
+    <dgm:fillClrLst meth="repeat">
+      <a:schemeClr val="lt1">
+        <a:alpha val="90000"/>
+      </a:schemeClr>
+    </dgm:fillClrLst>
+    <dgm:linClrLst meth="repeat">
+      <a:schemeClr val="accent1"/>
+    </dgm:linClrLst>
+    <dgm:effectClrLst/>
+    <dgm:txLinClrLst/>
+    <dgm:txFillClrLst meth="repeat">
+      <a:schemeClr val="dk1"/>
+    </dgm:txFillClrLst>
+    <dgm:txEffectClrLst/>
+  </dgm:styleLbl>
+  <dgm:styleLbl name="fgAcc2">
+    <dgm:fillClrLst meth="repeat">
+      <a:schemeClr val="lt1">
+        <a:alpha val="90000"/>
+      </a:schemeClr>
+    </dgm:fillClrLst>
+    <dgm:linClrLst meth="repeat">
+      <a:schemeClr val="accent1"/>
+    </dgm:linClrLst>
+    <dgm:effectClrLst/>
+    <dgm:txLinClrLst/>
+    <dgm:txFillClrLst meth="repeat">
+      <a:schemeClr val="dk1"/>
+    </dgm:txFillClrLst>
+    <dgm:txEffectClrLst/>
+  </dgm:styleLbl>
+  <dgm:styleLbl name="fgAcc3">
+    <dgm:fillClrLst meth="repeat">
+      <a:schemeClr val="lt1">
+        <a:alpha val="90000"/>
+      </a:schemeClr>
+    </dgm:fillClrLst>
+    <dgm:linClrLst meth="repeat">
+      <a:schemeClr val="accent1"/>
+    </dgm:linClrLst>
+    <dgm:effectClrLst/>
+    <dgm:txLinClrLst/>
+    <dgm:txFillClrLst meth="repeat">
+      <a:schemeClr val="dk1"/>
+    </dgm:txFillClrLst>
+    <dgm:txEffectClrLst/>
+  </dgm:styleLbl>
+  <dgm:styleLbl name="fgAcc4">
+    <dgm:fillClrLst meth="repeat">
+      <a:schemeClr val="lt1">
+        <a:alpha val="90000"/>
+      </a:schemeClr>
+    </dgm:fillClrLst>
+    <dgm:linClrLst meth="repeat">
+      <a:schemeClr val="accent1"/>
+    </dgm:linClrLst>
+    <dgm:effectClrLst/>
+    <dgm:txLinClrLst/>
+    <dgm:txFillClrLst meth="repeat">
+      <a:schemeClr val="dk1"/>
+    </dgm:txFillClrLst>
+    <dgm:txEffectClrLst/>
+  </dgm:styleLbl>
+  <dgm:styleLbl name="fgAccFollowNode1">
+    <dgm:fillClrLst meth="repeat">
+      <a:schemeClr val="accent1">
+        <a:alpha val="90000"/>
+        <a:tint val="40000"/>
+      </a:schemeClr>
+    </dgm:fillClrLst>
+    <dgm:linClrLst meth="repeat">
+      <a:schemeClr val="accent1">
+        <a:alpha val="90000"/>
+        <a:tint val="40000"/>
+      </a:schemeClr>
+    </dgm:linClrLst>
+    <dgm:effectClrLst/>
+    <dgm:txLinClrLst/>
+    <dgm:txFillClrLst meth="repeat">
+      <a:schemeClr val="dk1"/>
+    </dgm:txFillClrLst>
+    <dgm:txEffectClrLst/>
+  </dgm:styleLbl>
+  <dgm:styleLbl name="fgImgPlace1">
+    <dgm:fillClrLst meth="repeat">
+      <a:schemeClr val="accent1">
+        <a:tint val="50000"/>
+      </a:schemeClr>
+    </dgm:fillClrLst>
+    <dgm:linClrLst meth="repeat">
+      <a:schemeClr val="lt1"/>
     </dgm:linClrLst>
     <dgm:effectClrLst/>
     <dgm:txLinClrLst/>
@@ -509,18 +546,108 @@
     </dgm:txFillClrLst>
     <dgm:txEffectClrLst/>
   </dgm:styleLbl>
-  <dgm:styleLbl name="parChTrans2D4">
+  <dgm:styleLbl name="fgShp">
+    <dgm:fillClrLst meth="repeat">
+      <a:schemeClr val="accent1">
+        <a:tint val="60000"/>
+      </a:schemeClr>
+    </dgm:fillClrLst>
+    <dgm:linClrLst meth="repeat">
+      <a:schemeClr val="lt1"/>
+    </dgm:linClrLst>
+    <dgm:effectClrLst/>
+    <dgm:txLinClrLst/>
+    <dgm:txFillClrLst meth="repeat">
+      <a:schemeClr val="dk1"/>
+    </dgm:txFillClrLst>
+    <dgm:txEffectClrLst/>
+  </dgm:styleLbl>
+  <dgm:styleLbl name="fgSibTrans2D1">
+    <dgm:fillClrLst meth="repeat">
+      <a:schemeClr val="accent1">
+        <a:tint val="60000"/>
+      </a:schemeClr>
+    </dgm:fillClrLst>
+    <dgm:linClrLst meth="repeat">
+      <a:schemeClr val="accent1">
+        <a:tint val="60000"/>
+      </a:schemeClr>
+    </dgm:linClrLst>
+    <dgm:effectClrLst/>
+    <dgm:txLinClrLst/>
+    <dgm:txFillClrLst/>
+    <dgm:txEffectClrLst/>
+  </dgm:styleLbl>
+  <dgm:styleLbl name="lnNode1">
     <dgm:fillClrLst meth="repeat">
       <a:schemeClr val="accent1"/>
     </dgm:fillClrLst>
     <dgm:linClrLst meth="repeat">
-      <a:schemeClr val="accent1"/>
+      <a:schemeClr val="lt1"/>
     </dgm:linClrLst>
     <dgm:effectClrLst/>
     <dgm:txLinClrLst/>
-    <dgm:txFillClrLst meth="repeat">
+    <dgm:txFillClrLst/>
+    <dgm:txEffectClrLst/>
+  </dgm:styleLbl>
+  <dgm:styleLbl name="node0">
+    <dgm:fillClrLst meth="repeat">
+      <a:schemeClr val="accent1"/>
+    </dgm:fillClrLst>
+    <dgm:linClrLst meth="repeat">
       <a:schemeClr val="lt1"/>
-    </dgm:txFillClrLst>
+    </dgm:linClrLst>
+    <dgm:effectClrLst/>
+    <dgm:txLinClrLst/>
+    <dgm:txFillClrLst/>
+    <dgm:txEffectClrLst/>
+  </dgm:styleLbl>
+  <dgm:styleLbl name="node1">
+    <dgm:fillClrLst meth="repeat">
+      <a:schemeClr val="accent1"/>
+    </dgm:fillClrLst>
+    <dgm:linClrLst meth="repeat">
+      <a:schemeClr val="lt1"/>
+    </dgm:linClrLst>
+    <dgm:effectClrLst/>
+    <dgm:txLinClrLst/>
+    <dgm:txFillClrLst/>
+    <dgm:txEffectClrLst/>
+  </dgm:styleLbl>
+  <dgm:styleLbl name="node2">
+    <dgm:fillClrLst meth="repeat">
+      <a:schemeClr val="accent1"/>
+    </dgm:fillClrLst>
+    <dgm:linClrLst meth="repeat">
+      <a:schemeClr val="lt1"/>
+    </dgm:linClrLst>
+    <dgm:effectClrLst/>
+    <dgm:txLinClrLst/>
+    <dgm:txFillClrLst/>
+    <dgm:txEffectClrLst/>
+  </dgm:styleLbl>
+  <dgm:styleLbl name="node3">
+    <dgm:fillClrLst meth="repeat">
+      <a:schemeClr val="accent1"/>
+    </dgm:fillClrLst>
+    <dgm:linClrLst meth="repeat">
+      <a:schemeClr val="lt1"/>
+    </dgm:linClrLst>
+    <dgm:effectClrLst/>
+    <dgm:txLinClrLst/>
+    <dgm:txFillClrLst/>
+    <dgm:txEffectClrLst/>
+  </dgm:styleLbl>
+  <dgm:styleLbl name="node4">
+    <dgm:fillClrLst meth="repeat">
+      <a:schemeClr val="accent1"/>
+    </dgm:fillClrLst>
+    <dgm:linClrLst meth="repeat">
+      <a:schemeClr val="lt1"/>
+    </dgm:linClrLst>
+    <dgm:effectClrLst/>
+    <dgm:txLinClrLst/>
+    <dgm:txFillClrLst/>
     <dgm:txEffectClrLst/>
   </dgm:styleLbl>
   <dgm:styleLbl name="parChTrans1D1">
@@ -587,11 +714,27 @@
     </dgm:txFillClrLst>
     <dgm:txEffectClrLst/>
   </dgm:styleLbl>
-  <dgm:styleLbl name="fgAcc1">
+  <dgm:styleLbl name="parChTrans2D1">
     <dgm:fillClrLst meth="repeat">
-      <a:schemeClr val="lt1">
-        <a:alpha val="90000"/>
+      <a:schemeClr val="accent1">
+        <a:tint val="60000"/>
       </a:schemeClr>
+    </dgm:fillClrLst>
+    <dgm:linClrLst meth="repeat">
+      <a:schemeClr val="accent1">
+        <a:tint val="60000"/>
+      </a:schemeClr>
+    </dgm:linClrLst>
+    <dgm:effectClrLst/>
+    <dgm:txLinClrLst/>
+    <dgm:txFillClrLst meth="repeat">
+      <a:schemeClr val="lt1"/>
+    </dgm:txFillClrLst>
+    <dgm:txEffectClrLst/>
+  </dgm:styleLbl>
+  <dgm:styleLbl name="parChTrans2D2">
+    <dgm:fillClrLst meth="repeat">
+      <a:schemeClr val="accent1"/>
     </dgm:fillClrLst>
     <dgm:linClrLst meth="repeat">
       <a:schemeClr val="accent1"/>
@@ -599,15 +742,13 @@
     <dgm:effectClrLst/>
     <dgm:txLinClrLst/>
     <dgm:txFillClrLst meth="repeat">
-      <a:schemeClr val="dk1"/>
+      <a:schemeClr val="lt1"/>
     </dgm:txFillClrLst>
     <dgm:txEffectClrLst/>
   </dgm:styleLbl>
-  <dgm:styleLbl name="conFgAcc1">
+  <dgm:styleLbl name="parChTrans2D3">
     <dgm:fillClrLst meth="repeat">
-      <a:schemeClr val="lt1">
-        <a:alpha val="90000"/>
-      </a:schemeClr>
+      <a:schemeClr val="accent1"/>
     </dgm:fillClrLst>
     <dgm:linClrLst meth="repeat">
       <a:schemeClr val="accent1"/>
@@ -615,15 +756,13 @@
     <dgm:effectClrLst/>
     <dgm:txLinClrLst/>
     <dgm:txFillClrLst meth="repeat">
-      <a:schemeClr val="dk1"/>
+      <a:schemeClr val="lt1"/>
     </dgm:txFillClrLst>
     <dgm:txEffectClrLst/>
   </dgm:styleLbl>
-  <dgm:styleLbl name="alignAcc1">
+  <dgm:styleLbl name="parChTrans2D4">
     <dgm:fillClrLst meth="repeat">
-      <a:schemeClr val="lt1">
-        <a:alpha val="90000"/>
-      </a:schemeClr>
+      <a:schemeClr val="accent1"/>
     </dgm:fillClrLst>
     <dgm:linClrLst meth="repeat">
       <a:schemeClr val="accent1"/>
@@ -631,15 +770,31 @@
     <dgm:effectClrLst/>
     <dgm:txLinClrLst/>
     <dgm:txFillClrLst meth="repeat">
-      <a:schemeClr val="dk1"/>
+      <a:schemeClr val="lt1"/>
     </dgm:txFillClrLst>
     <dgm:txEffectClrLst/>
   </dgm:styleLbl>
-  <dgm:styleLbl name="trAlignAcc1">
+  <dgm:styleLbl name="revTx">
     <dgm:fillClrLst meth="repeat">
       <a:schemeClr val="lt1">
-        <a:alpha val="40000"/>
+        <a:alpha val="0"/>
       </a:schemeClr>
+    </dgm:fillClrLst>
+    <dgm:linClrLst meth="repeat">
+      <a:schemeClr val="dk1">
+        <a:alpha val="0"/>
+      </a:schemeClr>
+    </dgm:linClrLst>
+    <dgm:effectClrLst/>
+    <dgm:txLinClrLst/>
+    <dgm:txFillClrLst meth="repeat">
+      <a:schemeClr val="tx1"/>
+    </dgm:txFillClrLst>
+    <dgm:txEffectClrLst/>
+  </dgm:styleLbl>
+  <dgm:styleLbl name="sibTrans1D1">
+    <dgm:fillClrLst meth="repeat">
+      <a:schemeClr val="accent1"/>
     </dgm:fillClrLst>
     <dgm:linClrLst meth="repeat">
       <a:schemeClr val="accent1"/>
@@ -647,38 +802,24 @@
     <dgm:effectClrLst/>
     <dgm:txLinClrLst/>
     <dgm:txFillClrLst meth="repeat">
-      <a:schemeClr val="dk1"/>
+      <a:schemeClr val="tx1"/>
     </dgm:txFillClrLst>
     <dgm:txEffectClrLst/>
   </dgm:styleLbl>
-  <dgm:styleLbl name="bgAcc1">
+  <dgm:styleLbl name="sibTrans2D1">
     <dgm:fillClrLst meth="repeat">
-      <a:schemeClr val="lt1">
-        <a:alpha val="90000"/>
+      <a:schemeClr val="accent1">
+        <a:tint val="60000"/>
       </a:schemeClr>
     </dgm:fillClrLst>
     <dgm:linClrLst meth="repeat">
-      <a:schemeClr val="accent1"/>
+      <a:schemeClr val="accent1">
+        <a:tint val="60000"/>
+      </a:schemeClr>
     </dgm:linClrLst>
     <dgm:effectClrLst/>
     <dgm:txLinClrLst/>
-    <dgm:txFillClrLst meth="repeat">
-      <a:schemeClr val="dk1"/>
-    </dgm:txFillClrLst>
-    <dgm:txEffectClrLst/>
-  </dgm:styleLbl>
-  <dgm:styleLbl name="solidFgAcc1">
-    <dgm:fillClrLst meth="repeat">
-      <a:schemeClr val="lt1"/>
-    </dgm:fillClrLst>
-    <dgm:linClrLst meth="repeat">
-      <a:schemeClr val="accent1"/>
-    </dgm:linClrLst>
-    <dgm:effectClrLst/>
-    <dgm:txLinClrLst/>
-    <dgm:txFillClrLst meth="repeat">
-      <a:schemeClr val="dk1"/>
-    </dgm:txFillClrLst>
+    <dgm:txFillClrLst/>
     <dgm:txEffectClrLst/>
   </dgm:styleLbl>
   <dgm:styleLbl name="solidAlignAcc1">
@@ -709,71 +850,9 @@
     </dgm:txFillClrLst>
     <dgm:txEffectClrLst/>
   </dgm:styleLbl>
-  <dgm:styleLbl name="fgAccFollowNode1">
+  <dgm:styleLbl name="solidFgAcc1">
     <dgm:fillClrLst meth="repeat">
-      <a:schemeClr val="accent1">
-        <a:alpha val="90000"/>
-        <a:tint val="40000"/>
-      </a:schemeClr>
-    </dgm:fillClrLst>
-    <dgm:linClrLst meth="repeat">
-      <a:schemeClr val="accent1">
-        <a:alpha val="90000"/>
-        <a:tint val="40000"/>
-      </a:schemeClr>
-    </dgm:linClrLst>
-    <dgm:effectClrLst/>
-    <dgm:txLinClrLst/>
-    <dgm:txFillClrLst meth="repeat">
-      <a:schemeClr val="dk1"/>
-    </dgm:txFillClrLst>
-    <dgm:txEffectClrLst/>
-  </dgm:styleLbl>
-  <dgm:styleLbl name="alignAccFollowNode1">
-    <dgm:fillClrLst meth="repeat">
-      <a:schemeClr val="accent1">
-        <a:alpha val="90000"/>
-        <a:tint val="40000"/>
-      </a:schemeClr>
-    </dgm:fillClrLst>
-    <dgm:linClrLst meth="repeat">
-      <a:schemeClr val="accent1">
-        <a:alpha val="90000"/>
-        <a:tint val="40000"/>
-      </a:schemeClr>
-    </dgm:linClrLst>
-    <dgm:effectClrLst/>
-    <dgm:txLinClrLst/>
-    <dgm:txFillClrLst meth="repeat">
-      <a:schemeClr val="dk1"/>
-    </dgm:txFillClrLst>
-    <dgm:txEffectClrLst/>
-  </dgm:styleLbl>
-  <dgm:styleLbl name="bgAccFollowNode1">
-    <dgm:fillClrLst meth="repeat">
-      <a:schemeClr val="accent1">
-        <a:alpha val="90000"/>
-        <a:tint val="40000"/>
-      </a:schemeClr>
-    </dgm:fillClrLst>
-    <dgm:linClrLst meth="repeat">
-      <a:schemeClr val="accent1">
-        <a:alpha val="90000"/>
-        <a:tint val="40000"/>
-      </a:schemeClr>
-    </dgm:linClrLst>
-    <dgm:effectClrLst/>
-    <dgm:txLinClrLst/>
-    <dgm:txFillClrLst meth="repeat">
-      <a:schemeClr val="dk1"/>
-    </dgm:txFillClrLst>
-    <dgm:txEffectClrLst/>
-  </dgm:styleLbl>
-  <dgm:styleLbl name="fgAcc0">
-    <dgm:fillClrLst meth="repeat">
-      <a:schemeClr val="lt1">
-        <a:alpha val="90000"/>
-      </a:schemeClr>
+      <a:schemeClr val="lt1"/>
     </dgm:fillClrLst>
     <dgm:linClrLst meth="repeat">
       <a:schemeClr val="accent1"/>
@@ -785,10 +864,10 @@
     </dgm:txFillClrLst>
     <dgm:txEffectClrLst/>
   </dgm:styleLbl>
-  <dgm:styleLbl name="fgAcc2">
+  <dgm:styleLbl name="trAlignAcc1">
     <dgm:fillClrLst meth="repeat">
       <a:schemeClr val="lt1">
-        <a:alpha val="90000"/>
+        <a:alpha val="40000"/>
       </a:schemeClr>
     </dgm:fillClrLst>
     <dgm:linClrLst meth="repeat">
@@ -798,70 +877,6 @@
     <dgm:txLinClrLst/>
     <dgm:txFillClrLst meth="repeat">
       <a:schemeClr val="dk1"/>
-    </dgm:txFillClrLst>
-    <dgm:txEffectClrLst/>
-  </dgm:styleLbl>
-  <dgm:styleLbl name="fgAcc3">
-    <dgm:fillClrLst meth="repeat">
-      <a:schemeClr val="lt1">
-        <a:alpha val="90000"/>
-      </a:schemeClr>
-    </dgm:fillClrLst>
-    <dgm:linClrLst meth="repeat">
-      <a:schemeClr val="accent1"/>
-    </dgm:linClrLst>
-    <dgm:effectClrLst/>
-    <dgm:txLinClrLst/>
-    <dgm:txFillClrLst meth="repeat">
-      <a:schemeClr val="dk1"/>
-    </dgm:txFillClrLst>
-    <dgm:txEffectClrLst/>
-  </dgm:styleLbl>
-  <dgm:styleLbl name="fgAcc4">
-    <dgm:fillClrLst meth="repeat">
-      <a:schemeClr val="lt1">
-        <a:alpha val="90000"/>
-      </a:schemeClr>
-    </dgm:fillClrLst>
-    <dgm:linClrLst meth="repeat">
-      <a:schemeClr val="accent1"/>
-    </dgm:linClrLst>
-    <dgm:effectClrLst/>
-    <dgm:txLinClrLst/>
-    <dgm:txFillClrLst meth="repeat">
-      <a:schemeClr val="dk1"/>
-    </dgm:txFillClrLst>
-    <dgm:txEffectClrLst/>
-  </dgm:styleLbl>
-  <dgm:styleLbl name="bgShp">
-    <dgm:fillClrLst meth="repeat">
-      <a:schemeClr val="accent1">
-        <a:tint val="40000"/>
-      </a:schemeClr>
-    </dgm:fillClrLst>
-    <dgm:linClrLst meth="repeat">
-      <a:schemeClr val="accent1"/>
-    </dgm:linClrLst>
-    <dgm:effectClrLst/>
-    <dgm:txLinClrLst/>
-    <dgm:txFillClrLst meth="repeat">
-      <a:schemeClr val="dk1"/>
-    </dgm:txFillClrLst>
-    <dgm:txEffectClrLst/>
-  </dgm:styleLbl>
-  <dgm:styleLbl name="dkBgShp">
-    <dgm:fillClrLst meth="repeat">
-      <a:schemeClr val="accent1">
-        <a:shade val="80000"/>
-      </a:schemeClr>
-    </dgm:fillClrLst>
-    <dgm:linClrLst meth="repeat">
-      <a:schemeClr val="accent1"/>
-    </dgm:linClrLst>
-    <dgm:effectClrLst/>
-    <dgm:txLinClrLst/>
-    <dgm:txFillClrLst meth="repeat">
-      <a:schemeClr val="lt1"/>
     </dgm:txFillClrLst>
     <dgm:txEffectClrLst/>
   </dgm:styleLbl>
@@ -882,10 +897,10 @@
     </dgm:txFillClrLst>
     <dgm:txEffectClrLst/>
   </dgm:styleLbl>
-  <dgm:styleLbl name="fgShp">
+  <dgm:styleLbl name="vennNode1">
     <dgm:fillClrLst meth="repeat">
       <a:schemeClr val="accent1">
-        <a:tint val="60000"/>
+        <a:alpha val="50000"/>
       </a:schemeClr>
     </dgm:fillClrLst>
     <dgm:linClrLst meth="repeat">
@@ -893,27 +908,7 @@
     </dgm:linClrLst>
     <dgm:effectClrLst/>
     <dgm:txLinClrLst/>
-    <dgm:txFillClrLst meth="repeat">
-      <a:schemeClr val="dk1"/>
-    </dgm:txFillClrLst>
-    <dgm:txEffectClrLst/>
-  </dgm:styleLbl>
-  <dgm:styleLbl name="revTx">
-    <dgm:fillClrLst meth="repeat">
-      <a:schemeClr val="lt1">
-        <a:alpha val="0"/>
-      </a:schemeClr>
-    </dgm:fillClrLst>
-    <dgm:linClrLst meth="repeat">
-      <a:schemeClr val="dk1">
-        <a:alpha val="0"/>
-      </a:schemeClr>
-    </dgm:linClrLst>
-    <dgm:effectClrLst/>
-    <dgm:txLinClrLst/>
-    <dgm:txFillClrLst meth="repeat">
-      <a:schemeClr val="tx1"/>
-    </dgm:txFillClrLst>
+    <dgm:txFillClrLst/>
     <dgm:txEffectClrLst/>
   </dgm:styleLbl>
 </dgm:colorsDef>
@@ -947,7 +942,7 @@
         </a:p>
       </dgm:t>
     </dgm:pt>
-    <dgm:pt modelId="{E3C52918-5CCF-41C8-BC9A-1E7EAD80D49C}" type="parTrans" cxnId="{1196C428-43F1-4904-B418-47388D1FE544}">
+    <dgm:pt modelId="{E3C52918-5CCF-41C8-BC9A-1E7EAD80D49C}" cxnId="{1196C428-43F1-4904-B418-47388D1FE544}" type="parTrans">
       <dgm:prSet/>
       <dgm:spPr/>
       <dgm:t>
@@ -958,7 +953,7 @@
         </a:p>
       </dgm:t>
     </dgm:pt>
-    <dgm:pt modelId="{B4600186-6B78-46AF-80A3-A43E9D4D2AB2}" type="sibTrans" cxnId="{1196C428-43F1-4904-B418-47388D1FE544}">
+    <dgm:pt modelId="{B4600186-6B78-46AF-80A3-A43E9D4D2AB2}" cxnId="{1196C428-43F1-4904-B418-47388D1FE544}" type="sibTrans">
       <dgm:prSet/>
       <dgm:spPr/>
       <dgm:t>
@@ -983,7 +978,7 @@
         </a:p>
       </dgm:t>
     </dgm:pt>
-    <dgm:pt modelId="{B1E2BE8A-BE6B-4466-9418-85BCE7595262}" type="parTrans" cxnId="{7336F2A7-938A-4452-9561-8F6E9F941E52}">
+    <dgm:pt modelId="{B1E2BE8A-BE6B-4466-9418-85BCE7595262}" cxnId="{7336F2A7-938A-4452-9561-8F6E9F941E52}" type="parTrans">
       <dgm:prSet/>
       <dgm:spPr/>
       <dgm:t>
@@ -994,7 +989,7 @@
         </a:p>
       </dgm:t>
     </dgm:pt>
-    <dgm:pt modelId="{61FD71DD-0026-464B-B36A-0D6B6A010C21}" type="sibTrans" cxnId="{7336F2A7-938A-4452-9561-8F6E9F941E52}">
+    <dgm:pt modelId="{61FD71DD-0026-464B-B36A-0D6B6A010C21}" cxnId="{7336F2A7-938A-4452-9561-8F6E9F941E52}" type="sibTrans">
       <dgm:prSet/>
       <dgm:spPr/>
       <dgm:t>
@@ -1051,82 +1046,47 @@
   <dgm:whole/>
   <dgm:extLst>
     <a:ext uri="http://schemas.microsoft.com/office/drawing/2008/diagram">
-      <dsp:dataModelExt xmlns:dsp="http://schemas.microsoft.com/office/drawing/2008/diagram" relId="rId6" minVer="http://schemas.openxmlformats.org/drawingml/2006/diagram"/>
+      <dsp:dataModelExt xmlns:dsp="http://schemas.microsoft.com/office/drawing/2008/diagram" relId="rId5" minVer="http://schemas.openxmlformats.org/drawingml/2006/diagram"/>
     </a:ext>
   </dgm:extLst>
 </dgm:dataModel>
 </file>
 
 <file path=ppt/diagrams/drawing1.xml><?xml version="1.0" encoding="utf-8"?>
-<dsp:drawing xmlns:dgm="http://schemas.openxmlformats.org/drawingml/2006/diagram" xmlns:dsp="http://schemas.microsoft.com/office/drawing/2008/diagram" xmlns:a="http://schemas.openxmlformats.org/drawingml/2006/main">
+<dsp:drawing xmlns:dgm="http://schemas.openxmlformats.org/drawingml/2006/diagram" xmlns:dsp="http://schemas.microsoft.com/office/drawing/2008/diagram" xmlns:a="http://schemas.openxmlformats.org/drawingml/2006/main" xmlns:r="http://schemas.openxmlformats.org/officeDocument/2006/relationships">
   <dsp:spTree>
     <dsp:nvGrpSpPr>
-      <dsp:cNvPr id="0" name=""/>
+      <dsp:cNvPr id="2" name="Group 1"/>
       <dsp:cNvGrpSpPr/>
     </dsp:nvGrpSpPr>
-    <dsp:grpSpPr/>
+    <dsp:grpSpPr>
+      <a:xfrm>
+        <a:off x="0" y="0"/>
+        <a:ext cx="10659110" cy="4351338"/>
+        <a:chOff x="0" y="0"/>
+        <a:chExt cx="10659110" cy="4351338"/>
+      </a:xfrm>
+    </dsp:grpSpPr>
     <dsp:sp modelId="{9916E557-9C79-4CCD-8F56-54A9F058F580}">
       <dsp:nvSpPr>
-        <dsp:cNvPr id="0" name=""/>
+        <dsp:cNvPr id="3" name="Rounded Rectangle 2"/>
         <dsp:cNvSpPr/>
       </dsp:nvSpPr>
-      <dsp:spPr>
+      <dsp:spPr bwMode="white">
         <a:xfrm>
-          <a:off x="0" y="320768"/>
-          <a:ext cx="10659110" cy="1790100"/>
+          <a:off x="0" y="203329"/>
+          <a:ext cx="10659110" cy="1907540"/>
         </a:xfrm>
         <a:prstGeom prst="roundRect">
           <a:avLst/>
         </a:prstGeom>
-        <a:gradFill rotWithShape="0">
-          <a:gsLst>
-            <a:gs pos="0">
-              <a:schemeClr val="accent1">
-                <a:hueOff val="0"/>
-                <a:satOff val="0"/>
-                <a:lumOff val="0"/>
-                <a:alphaOff val="0"/>
-                <a:satMod val="103000"/>
-                <a:lumMod val="102000"/>
-                <a:tint val="94000"/>
-              </a:schemeClr>
-            </a:gs>
-            <a:gs pos="50000">
-              <a:schemeClr val="accent1">
-                <a:hueOff val="0"/>
-                <a:satOff val="0"/>
-                <a:lumOff val="0"/>
-                <a:alphaOff val="0"/>
-                <a:satMod val="110000"/>
-                <a:lumMod val="100000"/>
-                <a:shade val="100000"/>
-              </a:schemeClr>
-            </a:gs>
-            <a:gs pos="100000">
-              <a:schemeClr val="accent1">
-                <a:hueOff val="0"/>
-                <a:satOff val="0"/>
-                <a:lumOff val="0"/>
-                <a:alphaOff val="0"/>
-                <a:lumMod val="99000"/>
-                <a:satMod val="120000"/>
-                <a:shade val="78000"/>
-              </a:schemeClr>
-            </a:gs>
-          </a:gsLst>
-          <a:lin ang="5400000" scaled="0"/>
-        </a:gradFill>
-        <a:ln>
-          <a:noFill/>
-        </a:ln>
-        <a:effectLst/>
       </dsp:spPr>
       <dsp:style>
         <a:lnRef idx="0">
-          <a:scrgbClr r="0" g="0" b="0"/>
+          <a:schemeClr val="lt1"/>
         </a:lnRef>
         <a:fillRef idx="3">
-          <a:scrgbClr r="0" g="0" b="0"/>
+          <a:schemeClr val="accent1"/>
         </a:fillRef>
         <a:effectRef idx="2">
           <a:scrgbClr r="0" g="0" b="0"/>
@@ -1136,14 +1096,40 @@
         </a:fontRef>
       </dsp:style>
       <dsp:txBody>
-        <a:bodyPr spcFirstLastPara="0" vert="horz" wrap="square" lIns="171450" tIns="171450" rIns="171450" bIns="171450" numCol="1" spcCol="1270" anchor="ctr" anchorCtr="0">
-          <a:noAutofit/>
-        </a:bodyPr>
-        <a:lstStyle/>
+        <a:bodyPr lIns="171450" tIns="171450" rIns="171450" bIns="171450" anchor="ctr"/>
+        <a:lstStyle>
+          <a:lvl1pPr algn="l">
+            <a:defRPr sz="4500"/>
+          </a:lvl1pPr>
+          <a:lvl2pPr marL="285750" indent="-285750" algn="l">
+            <a:defRPr sz="3500"/>
+          </a:lvl2pPr>
+          <a:lvl3pPr marL="571500" indent="-285750" algn="l">
+            <a:defRPr sz="3500"/>
+          </a:lvl3pPr>
+          <a:lvl4pPr marL="857250" indent="-285750" algn="l">
+            <a:defRPr sz="3500"/>
+          </a:lvl4pPr>
+          <a:lvl5pPr marL="1143000" indent="-285750" algn="l">
+            <a:defRPr sz="3500"/>
+          </a:lvl5pPr>
+          <a:lvl6pPr marL="1428750" indent="-285750" algn="l">
+            <a:defRPr sz="3500"/>
+          </a:lvl6pPr>
+          <a:lvl7pPr marL="1714500" indent="-285750" algn="l">
+            <a:defRPr sz="3500"/>
+          </a:lvl7pPr>
+          <a:lvl8pPr marL="2000250" indent="-285750" algn="l">
+            <a:defRPr sz="3500"/>
+          </a:lvl8pPr>
+          <a:lvl9pPr marL="2286000" indent="-285750" algn="l">
+            <a:defRPr sz="3500"/>
+          </a:lvl9pPr>
+        </a:lstStyle>
         <a:p>
-          <a:pPr marL="0" lvl="0" indent="0" algn="l" defTabSz="2000250">
+          <a:pPr lvl="0">
             <a:lnSpc>
-              <a:spcPct val="90000"/>
+              <a:spcPct val="100000"/>
             </a:lnSpc>
             <a:spcBef>
               <a:spcPct val="0"/>
@@ -1151,81 +1137,38 @@
             <a:spcAft>
               <a:spcPct val="35000"/>
             </a:spcAft>
-            <a:buNone/>
           </a:pPr>
           <a:r>
-            <a:rPr lang="en-US" sz="4500" kern="1200"/>
+            <a:rPr lang="en-US"/>
             <a:t>DataGrip aracılığı ile oluşturmuş olduğumu DB’I SQL sorgusu yardımı ile silebiliriz.</a:t>
           </a:r>
         </a:p>
       </dsp:txBody>
       <dsp:txXfrm>
-        <a:off x="87385" y="408153"/>
-        <a:ext cx="10484340" cy="1615330"/>
+        <a:off x="0" y="203329"/>
+        <a:ext cx="10659110" cy="1907540"/>
       </dsp:txXfrm>
     </dsp:sp>
     <dsp:sp modelId="{0F54ED42-96A8-4EE7-A505-816F5F5A5E5E}">
       <dsp:nvSpPr>
-        <dsp:cNvPr id="0" name=""/>
+        <dsp:cNvPr id="4" name="Rounded Rectangle 3"/>
         <dsp:cNvSpPr/>
       </dsp:nvSpPr>
-      <dsp:spPr>
+      <dsp:spPr bwMode="white">
         <a:xfrm>
           <a:off x="0" y="2240469"/>
-          <a:ext cx="10659110" cy="1790100"/>
+          <a:ext cx="10659110" cy="1907540"/>
         </a:xfrm>
         <a:prstGeom prst="roundRect">
           <a:avLst/>
         </a:prstGeom>
-        <a:gradFill rotWithShape="0">
-          <a:gsLst>
-            <a:gs pos="0">
-              <a:schemeClr val="accent1">
-                <a:hueOff val="0"/>
-                <a:satOff val="0"/>
-                <a:lumOff val="0"/>
-                <a:alphaOff val="0"/>
-                <a:satMod val="103000"/>
-                <a:lumMod val="102000"/>
-                <a:tint val="94000"/>
-              </a:schemeClr>
-            </a:gs>
-            <a:gs pos="50000">
-              <a:schemeClr val="accent1">
-                <a:hueOff val="0"/>
-                <a:satOff val="0"/>
-                <a:lumOff val="0"/>
-                <a:alphaOff val="0"/>
-                <a:satMod val="110000"/>
-                <a:lumMod val="100000"/>
-                <a:shade val="100000"/>
-              </a:schemeClr>
-            </a:gs>
-            <a:gs pos="100000">
-              <a:schemeClr val="accent1">
-                <a:hueOff val="0"/>
-                <a:satOff val="0"/>
-                <a:lumOff val="0"/>
-                <a:alphaOff val="0"/>
-                <a:lumMod val="99000"/>
-                <a:satMod val="120000"/>
-                <a:shade val="78000"/>
-              </a:schemeClr>
-            </a:gs>
-          </a:gsLst>
-          <a:lin ang="5400000" scaled="0"/>
-        </a:gradFill>
-        <a:ln>
-          <a:noFill/>
-        </a:ln>
-        <a:effectLst/>
       </dsp:spPr>
       <dsp:style>
         <a:lnRef idx="0">
-          <a:scrgbClr r="0" g="0" b="0"/>
+          <a:schemeClr val="lt1"/>
         </a:lnRef>
         <a:fillRef idx="3">
-          <a:scrgbClr r="0" g="0" b="0"/>
+          <a:schemeClr val="accent1"/>
         </a:fillRef>
         <a:effectRef idx="2">
           <a:scrgbClr r="0" g="0" b="0"/>
@@ -1235,14 +1178,40 @@
         </a:fontRef>
       </dsp:style>
       <dsp:txBody>
-        <a:bodyPr spcFirstLastPara="0" vert="horz" wrap="square" lIns="171450" tIns="171450" rIns="171450" bIns="171450" numCol="1" spcCol="1270" anchor="ctr" anchorCtr="0">
-          <a:noAutofit/>
-        </a:bodyPr>
-        <a:lstStyle/>
+        <a:bodyPr lIns="171450" tIns="171450" rIns="171450" bIns="171450" anchor="ctr"/>
+        <a:lstStyle>
+          <a:lvl1pPr algn="l">
+            <a:defRPr sz="4500"/>
+          </a:lvl1pPr>
+          <a:lvl2pPr marL="285750" indent="-285750" algn="l">
+            <a:defRPr sz="3500"/>
+          </a:lvl2pPr>
+          <a:lvl3pPr marL="571500" indent="-285750" algn="l">
+            <a:defRPr sz="3500"/>
+          </a:lvl3pPr>
+          <a:lvl4pPr marL="857250" indent="-285750" algn="l">
+            <a:defRPr sz="3500"/>
+          </a:lvl4pPr>
+          <a:lvl5pPr marL="1143000" indent="-285750" algn="l">
+            <a:defRPr sz="3500"/>
+          </a:lvl5pPr>
+          <a:lvl6pPr marL="1428750" indent="-285750" algn="l">
+            <a:defRPr sz="3500"/>
+          </a:lvl6pPr>
+          <a:lvl7pPr marL="1714500" indent="-285750" algn="l">
+            <a:defRPr sz="3500"/>
+          </a:lvl7pPr>
+          <a:lvl8pPr marL="2000250" indent="-285750" algn="l">
+            <a:defRPr sz="3500"/>
+          </a:lvl8pPr>
+          <a:lvl9pPr marL="2286000" indent="-285750" algn="l">
+            <a:defRPr sz="3500"/>
+          </a:lvl9pPr>
+        </a:lstStyle>
         <a:p>
-          <a:pPr marL="0" lvl="0" indent="0" algn="l" defTabSz="2000250">
+          <a:pPr lvl="0">
             <a:lnSpc>
-              <a:spcPct val="90000"/>
+              <a:spcPct val="100000"/>
             </a:lnSpc>
             <a:spcBef>
               <a:spcPct val="0"/>
@@ -1250,17 +1219,16 @@
             <a:spcAft>
               <a:spcPct val="35000"/>
             </a:spcAft>
-            <a:buNone/>
           </a:pPr>
           <a:r>
-            <a:rPr lang="en-US" sz="4500" kern="1200"/>
+            <a:rPr lang="en-US"/>
             <a:t>“drop database test” komutu ile database silinebilir.</a:t>
           </a:r>
         </a:p>
       </dsp:txBody>
       <dsp:txXfrm>
-        <a:off x="87385" y="2327854"/>
-        <a:ext cx="10484340" cy="1615330"/>
+        <a:off x="0" y="2240469"/>
+        <a:ext cx="10659110" cy="1907540"/>
       </dsp:txXfrm>
     </dsp:sp>
   </dsp:spTree>
@@ -1393,8 +1361,8 @@
               <dgm:bulletEnabled val="1"/>
             </dgm:varLst>
             <dgm:alg type="tx">
+              <dgm:param type="lnSpAfChP" val="20"/>
               <dgm:param type="stBulletLvl" val="1"/>
-              <dgm:param type="lnSpAfChP" val="20"/>
             </dgm:alg>
             <dgm:shape xmlns:r="http://schemas.openxmlformats.org/officeDocument/2006/relationships" type="rect" r:blip="">
               <dgm:adjLst/>
@@ -1445,12 +1413,500 @@
     <a:camera prst="orthographicFront"/>
     <a:lightRig rig="threePt" dir="t"/>
   </dgm:scene3d>
-  <dgm:styleLbl name="node0">
+  <dgm:styleLbl name="alignAcc1">
     <dgm:scene3d>
       <a:camera prst="orthographicFront"/>
       <a:lightRig rig="threePt" dir="t"/>
     </dgm:scene3d>
-    <dgm:sp3d/>
+    <dgm:txPr/>
+    <dgm:style>
+      <a:lnRef idx="1">
+        <a:scrgbClr r="0" g="0" b="0"/>
+      </a:lnRef>
+      <a:fillRef idx="1">
+        <a:scrgbClr r="0" g="0" b="0"/>
+      </a:fillRef>
+      <a:effectRef idx="0">
+        <a:scrgbClr r="0" g="0" b="0"/>
+      </a:effectRef>
+      <a:fontRef idx="minor"/>
+    </dgm:style>
+  </dgm:styleLbl>
+  <dgm:styleLbl name="alignAccFollowNode1">
+    <dgm:scene3d>
+      <a:camera prst="orthographicFront"/>
+      <a:lightRig rig="threePt" dir="t"/>
+    </dgm:scene3d>
+    <dgm:txPr/>
+    <dgm:style>
+      <a:lnRef idx="1">
+        <a:scrgbClr r="0" g="0" b="0"/>
+      </a:lnRef>
+      <a:fillRef idx="1">
+        <a:scrgbClr r="0" g="0" b="0"/>
+      </a:fillRef>
+      <a:effectRef idx="0">
+        <a:scrgbClr r="0" g="0" b="0"/>
+      </a:effectRef>
+      <a:fontRef idx="minor"/>
+    </dgm:style>
+  </dgm:styleLbl>
+  <dgm:styleLbl name="alignImgPlace1">
+    <dgm:scene3d>
+      <a:camera prst="orthographicFront"/>
+      <a:lightRig rig="threePt" dir="t"/>
+    </dgm:scene3d>
+    <dgm:txPr/>
+    <dgm:style>
+      <a:lnRef idx="0">
+        <a:scrgbClr r="0" g="0" b="0"/>
+      </a:lnRef>
+      <a:fillRef idx="1">
+        <a:scrgbClr r="0" g="0" b="0"/>
+      </a:fillRef>
+      <a:effectRef idx="2">
+        <a:scrgbClr r="0" g="0" b="0"/>
+      </a:effectRef>
+      <a:fontRef idx="minor"/>
+    </dgm:style>
+  </dgm:styleLbl>
+  <dgm:styleLbl name="alignNode1">
+    <dgm:scene3d>
+      <a:camera prst="orthographicFront"/>
+      <a:lightRig rig="threePt" dir="t"/>
+    </dgm:scene3d>
+    <dgm:txPr/>
+    <dgm:style>
+      <a:lnRef idx="1">
+        <a:scrgbClr r="0" g="0" b="0"/>
+      </a:lnRef>
+      <a:fillRef idx="3">
+        <a:scrgbClr r="0" g="0" b="0"/>
+      </a:fillRef>
+      <a:effectRef idx="2">
+        <a:scrgbClr r="0" g="0" b="0"/>
+      </a:effectRef>
+      <a:fontRef idx="minor">
+        <a:schemeClr val="lt1"/>
+      </a:fontRef>
+    </dgm:style>
+  </dgm:styleLbl>
+  <dgm:styleLbl name="asst0">
+    <dgm:scene3d>
+      <a:camera prst="orthographicFront"/>
+      <a:lightRig rig="threePt" dir="t"/>
+    </dgm:scene3d>
+    <dgm:txPr/>
+    <dgm:style>
+      <a:lnRef idx="0">
+        <a:scrgbClr r="0" g="0" b="0"/>
+      </a:lnRef>
+      <a:fillRef idx="3">
+        <a:scrgbClr r="0" g="0" b="0"/>
+      </a:fillRef>
+      <a:effectRef idx="2">
+        <a:scrgbClr r="0" g="0" b="0"/>
+      </a:effectRef>
+      <a:fontRef idx="minor">
+        <a:schemeClr val="lt1"/>
+      </a:fontRef>
+    </dgm:style>
+  </dgm:styleLbl>
+  <dgm:styleLbl name="asst1">
+    <dgm:scene3d>
+      <a:camera prst="orthographicFront"/>
+      <a:lightRig rig="threePt" dir="t"/>
+    </dgm:scene3d>
+    <dgm:txPr/>
+    <dgm:style>
+      <a:lnRef idx="0">
+        <a:scrgbClr r="0" g="0" b="0"/>
+      </a:lnRef>
+      <a:fillRef idx="3">
+        <a:scrgbClr r="0" g="0" b="0"/>
+      </a:fillRef>
+      <a:effectRef idx="2">
+        <a:scrgbClr r="0" g="0" b="0"/>
+      </a:effectRef>
+      <a:fontRef idx="minor">
+        <a:schemeClr val="lt1"/>
+      </a:fontRef>
+    </dgm:style>
+  </dgm:styleLbl>
+  <dgm:styleLbl name="asst2">
+    <dgm:scene3d>
+      <a:camera prst="orthographicFront"/>
+      <a:lightRig rig="threePt" dir="t"/>
+    </dgm:scene3d>
+    <dgm:txPr/>
+    <dgm:style>
+      <a:lnRef idx="0">
+        <a:scrgbClr r="0" g="0" b="0"/>
+      </a:lnRef>
+      <a:fillRef idx="3">
+        <a:scrgbClr r="0" g="0" b="0"/>
+      </a:fillRef>
+      <a:effectRef idx="2">
+        <a:scrgbClr r="0" g="0" b="0"/>
+      </a:effectRef>
+      <a:fontRef idx="minor">
+        <a:schemeClr val="lt1"/>
+      </a:fontRef>
+    </dgm:style>
+  </dgm:styleLbl>
+  <dgm:styleLbl name="asst3">
+    <dgm:scene3d>
+      <a:camera prst="orthographicFront"/>
+      <a:lightRig rig="threePt" dir="t"/>
+    </dgm:scene3d>
+    <dgm:txPr/>
+    <dgm:style>
+      <a:lnRef idx="0">
+        <a:scrgbClr r="0" g="0" b="0"/>
+      </a:lnRef>
+      <a:fillRef idx="3">
+        <a:scrgbClr r="0" g="0" b="0"/>
+      </a:fillRef>
+      <a:effectRef idx="2">
+        <a:scrgbClr r="0" g="0" b="0"/>
+      </a:effectRef>
+      <a:fontRef idx="minor">
+        <a:schemeClr val="lt1"/>
+      </a:fontRef>
+    </dgm:style>
+  </dgm:styleLbl>
+  <dgm:styleLbl name="asst4">
+    <dgm:scene3d>
+      <a:camera prst="orthographicFront"/>
+      <a:lightRig rig="threePt" dir="t"/>
+    </dgm:scene3d>
+    <dgm:txPr/>
+    <dgm:style>
+      <a:lnRef idx="0">
+        <a:scrgbClr r="0" g="0" b="0"/>
+      </a:lnRef>
+      <a:fillRef idx="3">
+        <a:scrgbClr r="0" g="0" b="0"/>
+      </a:fillRef>
+      <a:effectRef idx="2">
+        <a:scrgbClr r="0" g="0" b="0"/>
+      </a:effectRef>
+      <a:fontRef idx="minor">
+        <a:schemeClr val="lt1"/>
+      </a:fontRef>
+    </dgm:style>
+  </dgm:styleLbl>
+  <dgm:styleLbl name="bgAcc1">
+    <dgm:scene3d>
+      <a:camera prst="orthographicFront"/>
+      <a:lightRig rig="threePt" dir="t"/>
+    </dgm:scene3d>
+    <dgm:txPr/>
+    <dgm:style>
+      <a:lnRef idx="1">
+        <a:scrgbClr r="0" g="0" b="0"/>
+      </a:lnRef>
+      <a:fillRef idx="1">
+        <a:scrgbClr r="0" g="0" b="0"/>
+      </a:fillRef>
+      <a:effectRef idx="0">
+        <a:scrgbClr r="0" g="0" b="0"/>
+      </a:effectRef>
+      <a:fontRef idx="minor"/>
+    </dgm:style>
+  </dgm:styleLbl>
+  <dgm:styleLbl name="bgAccFollowNode1">
+    <dgm:scene3d>
+      <a:camera prst="orthographicFront"/>
+      <a:lightRig rig="threePt" dir="t"/>
+    </dgm:scene3d>
+    <dgm:txPr/>
+    <dgm:style>
+      <a:lnRef idx="1">
+        <a:scrgbClr r="0" g="0" b="0"/>
+      </a:lnRef>
+      <a:fillRef idx="1">
+        <a:scrgbClr r="0" g="0" b="0"/>
+      </a:fillRef>
+      <a:effectRef idx="0">
+        <a:scrgbClr r="0" g="0" b="0"/>
+      </a:effectRef>
+      <a:fontRef idx="minor"/>
+    </dgm:style>
+  </dgm:styleLbl>
+  <dgm:styleLbl name="bgImgPlace1">
+    <dgm:scene3d>
+      <a:camera prst="orthographicFront"/>
+      <a:lightRig rig="threePt" dir="t"/>
+    </dgm:scene3d>
+    <dgm:txPr/>
+    <dgm:style>
+      <a:lnRef idx="0">
+        <a:scrgbClr r="0" g="0" b="0"/>
+      </a:lnRef>
+      <a:fillRef idx="1">
+        <a:scrgbClr r="0" g="0" b="0"/>
+      </a:fillRef>
+      <a:effectRef idx="2">
+        <a:scrgbClr r="0" g="0" b="0"/>
+      </a:effectRef>
+      <a:fontRef idx="minor"/>
+    </dgm:style>
+  </dgm:styleLbl>
+  <dgm:styleLbl name="bgShp">
+    <dgm:scene3d>
+      <a:camera prst="orthographicFront"/>
+      <a:lightRig rig="threePt" dir="t"/>
+    </dgm:scene3d>
+    <dgm:txPr/>
+    <dgm:style>
+      <a:lnRef idx="0">
+        <a:scrgbClr r="0" g="0" b="0"/>
+      </a:lnRef>
+      <a:fillRef idx="1">
+        <a:scrgbClr r="0" g="0" b="0"/>
+      </a:fillRef>
+      <a:effectRef idx="2">
+        <a:scrgbClr r="0" g="0" b="0"/>
+      </a:effectRef>
+      <a:fontRef idx="minor"/>
+    </dgm:style>
+  </dgm:styleLbl>
+  <dgm:styleLbl name="bgSibTrans2D1">
+    <dgm:scene3d>
+      <a:camera prst="orthographicFront"/>
+      <a:lightRig rig="threePt" dir="t"/>
+    </dgm:scene3d>
+    <dgm:txPr/>
+    <dgm:style>
+      <a:lnRef idx="0">
+        <a:scrgbClr r="0" g="0" b="0"/>
+      </a:lnRef>
+      <a:fillRef idx="3">
+        <a:scrgbClr r="0" g="0" b="0"/>
+      </a:fillRef>
+      <a:effectRef idx="2">
+        <a:scrgbClr r="0" g="0" b="0"/>
+      </a:effectRef>
+      <a:fontRef idx="minor">
+        <a:schemeClr val="lt1"/>
+      </a:fontRef>
+    </dgm:style>
+  </dgm:styleLbl>
+  <dgm:styleLbl name="callout">
+    <dgm:scene3d>
+      <a:camera prst="orthographicFront"/>
+      <a:lightRig rig="threePt" dir="t"/>
+    </dgm:scene3d>
+    <dgm:txPr/>
+    <dgm:style>
+      <a:lnRef idx="2">
+        <a:scrgbClr r="0" g="0" b="0"/>
+      </a:lnRef>
+      <a:fillRef idx="1">
+        <a:scrgbClr r="0" g="0" b="0"/>
+      </a:fillRef>
+      <a:effectRef idx="1">
+        <a:scrgbClr r="0" g="0" b="0"/>
+      </a:effectRef>
+      <a:fontRef idx="minor"/>
+    </dgm:style>
+  </dgm:styleLbl>
+  <dgm:styleLbl name="conFgAcc1">
+    <dgm:scene3d>
+      <a:camera prst="orthographicFront"/>
+      <a:lightRig rig="threePt" dir="t"/>
+    </dgm:scene3d>
+    <dgm:txPr/>
+    <dgm:style>
+      <a:lnRef idx="1">
+        <a:scrgbClr r="0" g="0" b="0"/>
+      </a:lnRef>
+      <a:fillRef idx="1">
+        <a:scrgbClr r="0" g="0" b="0"/>
+      </a:fillRef>
+      <a:effectRef idx="0">
+        <a:scrgbClr r="0" g="0" b="0"/>
+      </a:effectRef>
+      <a:fontRef idx="minor"/>
+    </dgm:style>
+  </dgm:styleLbl>
+  <dgm:styleLbl name="dkBgShp">
+    <dgm:scene3d>
+      <a:camera prst="orthographicFront"/>
+      <a:lightRig rig="threePt" dir="t"/>
+    </dgm:scene3d>
+    <dgm:txPr/>
+    <dgm:style>
+      <a:lnRef idx="0">
+        <a:scrgbClr r="0" g="0" b="0"/>
+      </a:lnRef>
+      <a:fillRef idx="1">
+        <a:scrgbClr r="0" g="0" b="0"/>
+      </a:fillRef>
+      <a:effectRef idx="2">
+        <a:scrgbClr r="0" g="0" b="0"/>
+      </a:effectRef>
+      <a:fontRef idx="minor"/>
+    </dgm:style>
+  </dgm:styleLbl>
+  <dgm:styleLbl name="fgAcc0">
+    <dgm:scene3d>
+      <a:camera prst="orthographicFront"/>
+      <a:lightRig rig="threePt" dir="t"/>
+    </dgm:scene3d>
+    <dgm:txPr/>
+    <dgm:style>
+      <a:lnRef idx="1">
+        <a:scrgbClr r="0" g="0" b="0"/>
+      </a:lnRef>
+      <a:fillRef idx="1">
+        <a:scrgbClr r="0" g="0" b="0"/>
+      </a:fillRef>
+      <a:effectRef idx="0">
+        <a:scrgbClr r="0" g="0" b="0"/>
+      </a:effectRef>
+      <a:fontRef idx="minor"/>
+    </dgm:style>
+  </dgm:styleLbl>
+  <dgm:styleLbl name="fgAcc1">
+    <dgm:scene3d>
+      <a:camera prst="orthographicFront"/>
+      <a:lightRig rig="threePt" dir="t"/>
+    </dgm:scene3d>
+    <dgm:txPr/>
+    <dgm:style>
+      <a:lnRef idx="1">
+        <a:scrgbClr r="0" g="0" b="0"/>
+      </a:lnRef>
+      <a:fillRef idx="1">
+        <a:scrgbClr r="0" g="0" b="0"/>
+      </a:fillRef>
+      <a:effectRef idx="0">
+        <a:scrgbClr r="0" g="0" b="0"/>
+      </a:effectRef>
+      <a:fontRef idx="minor"/>
+    </dgm:style>
+  </dgm:styleLbl>
+  <dgm:styleLbl name="fgAcc2">
+    <dgm:scene3d>
+      <a:camera prst="orthographicFront"/>
+      <a:lightRig rig="threePt" dir="t"/>
+    </dgm:scene3d>
+    <dgm:txPr/>
+    <dgm:style>
+      <a:lnRef idx="1">
+        <a:scrgbClr r="0" g="0" b="0"/>
+      </a:lnRef>
+      <a:fillRef idx="1">
+        <a:scrgbClr r="0" g="0" b="0"/>
+      </a:fillRef>
+      <a:effectRef idx="0">
+        <a:scrgbClr r="0" g="0" b="0"/>
+      </a:effectRef>
+      <a:fontRef idx="minor"/>
+    </dgm:style>
+  </dgm:styleLbl>
+  <dgm:styleLbl name="fgAcc3">
+    <dgm:scene3d>
+      <a:camera prst="orthographicFront"/>
+      <a:lightRig rig="threePt" dir="t"/>
+    </dgm:scene3d>
+    <dgm:txPr/>
+    <dgm:style>
+      <a:lnRef idx="1">
+        <a:scrgbClr r="0" g="0" b="0"/>
+      </a:lnRef>
+      <a:fillRef idx="1">
+        <a:scrgbClr r="0" g="0" b="0"/>
+      </a:fillRef>
+      <a:effectRef idx="0">
+        <a:scrgbClr r="0" g="0" b="0"/>
+      </a:effectRef>
+      <a:fontRef idx="minor"/>
+    </dgm:style>
+  </dgm:styleLbl>
+  <dgm:styleLbl name="fgAcc4">
+    <dgm:scene3d>
+      <a:camera prst="orthographicFront"/>
+      <a:lightRig rig="threePt" dir="t"/>
+    </dgm:scene3d>
+    <dgm:txPr/>
+    <dgm:style>
+      <a:lnRef idx="1">
+        <a:scrgbClr r="0" g="0" b="0"/>
+      </a:lnRef>
+      <a:fillRef idx="1">
+        <a:scrgbClr r="0" g="0" b="0"/>
+      </a:fillRef>
+      <a:effectRef idx="0">
+        <a:scrgbClr r="0" g="0" b="0"/>
+      </a:effectRef>
+      <a:fontRef idx="minor"/>
+    </dgm:style>
+  </dgm:styleLbl>
+  <dgm:styleLbl name="fgAccFollowNode1">
+    <dgm:scene3d>
+      <a:camera prst="orthographicFront"/>
+      <a:lightRig rig="threePt" dir="t"/>
+    </dgm:scene3d>
+    <dgm:txPr/>
+    <dgm:style>
+      <a:lnRef idx="1">
+        <a:scrgbClr r="0" g="0" b="0"/>
+      </a:lnRef>
+      <a:fillRef idx="1">
+        <a:scrgbClr r="0" g="0" b="0"/>
+      </a:fillRef>
+      <a:effectRef idx="0">
+        <a:scrgbClr r="0" g="0" b="0"/>
+      </a:effectRef>
+      <a:fontRef idx="minor"/>
+    </dgm:style>
+  </dgm:styleLbl>
+  <dgm:styleLbl name="fgImgPlace1">
+    <dgm:scene3d>
+      <a:camera prst="orthographicFront"/>
+      <a:lightRig rig="threePt" dir="t"/>
+    </dgm:scene3d>
+    <dgm:txPr/>
+    <dgm:style>
+      <a:lnRef idx="0">
+        <a:scrgbClr r="0" g="0" b="0"/>
+      </a:lnRef>
+      <a:fillRef idx="1">
+        <a:scrgbClr r="0" g="0" b="0"/>
+      </a:fillRef>
+      <a:effectRef idx="2">
+        <a:scrgbClr r="0" g="0" b="0"/>
+      </a:effectRef>
+      <a:fontRef idx="minor"/>
+    </dgm:style>
+  </dgm:styleLbl>
+  <dgm:styleLbl name="fgShp">
+    <dgm:scene3d>
+      <a:camera prst="orthographicFront"/>
+      <a:lightRig rig="threePt" dir="t"/>
+    </dgm:scene3d>
+    <dgm:txPr/>
+    <dgm:style>
+      <a:lnRef idx="0">
+        <a:scrgbClr r="0" g="0" b="0"/>
+      </a:lnRef>
+      <a:fillRef idx="3">
+        <a:scrgbClr r="0" g="0" b="0"/>
+      </a:fillRef>
+      <a:effectRef idx="2">
+        <a:scrgbClr r="0" g="0" b="0"/>
+      </a:effectRef>
+      <a:fontRef idx="minor"/>
+    </dgm:style>
+  </dgm:styleLbl>
+  <dgm:styleLbl name="fgSibTrans2D1">
+    <dgm:scene3d>
+      <a:camera prst="orthographicFront"/>
+      <a:lightRig rig="threePt" dir="t"/>
+    </dgm:scene3d>
     <dgm:txPr/>
     <dgm:style>
       <a:lnRef idx="0">
@@ -1472,7 +1928,6 @@
       <a:camera prst="orthographicFront"/>
       <a:lightRig rig="threePt" dir="t"/>
     </dgm:scene3d>
-    <dgm:sp3d/>
     <dgm:txPr/>
     <dgm:style>
       <a:lnRef idx="1">
@@ -1489,37 +1944,14 @@
       </a:fontRef>
     </dgm:style>
   </dgm:styleLbl>
-  <dgm:styleLbl name="vennNode1">
+  <dgm:styleLbl name="node0">
     <dgm:scene3d>
       <a:camera prst="orthographicFront"/>
       <a:lightRig rig="threePt" dir="t"/>
     </dgm:scene3d>
-    <dgm:sp3d/>
     <dgm:txPr/>
     <dgm:style>
       <a:lnRef idx="0">
-        <a:scrgbClr r="0" g="0" b="0"/>
-      </a:lnRef>
-      <a:fillRef idx="3">
-        <a:scrgbClr r="0" g="0" b="0"/>
-      </a:fillRef>
-      <a:effectRef idx="0">
-        <a:scrgbClr r="0" g="0" b="0"/>
-      </a:effectRef>
-      <a:fontRef idx="minor">
-        <a:schemeClr val="tx1"/>
-      </a:fontRef>
-    </dgm:style>
-  </dgm:styleLbl>
-  <dgm:styleLbl name="alignNode1">
-    <dgm:scene3d>
-      <a:camera prst="orthographicFront"/>
-      <a:lightRig rig="threePt" dir="t"/>
-    </dgm:scene3d>
-    <dgm:sp3d/>
-    <dgm:txPr/>
-    <dgm:style>
-      <a:lnRef idx="1">
         <a:scrgbClr r="0" g="0" b="0"/>
       </a:lnRef>
       <a:fillRef idx="3">
@@ -1538,7 +1970,6 @@
       <a:camera prst="orthographicFront"/>
       <a:lightRig rig="threePt" dir="t"/>
     </dgm:scene3d>
-    <dgm:sp3d/>
     <dgm:txPr/>
     <dgm:style>
       <a:lnRef idx="0">
@@ -1560,7 +1991,6 @@
       <a:camera prst="orthographicFront"/>
       <a:lightRig rig="threePt" dir="t"/>
     </dgm:scene3d>
-    <dgm:sp3d/>
     <dgm:txPr/>
     <dgm:style>
       <a:lnRef idx="0">
@@ -1582,7 +2012,6 @@
       <a:camera prst="orthographicFront"/>
       <a:lightRig rig="threePt" dir="t"/>
     </dgm:scene3d>
-    <dgm:sp3d/>
     <dgm:txPr/>
     <dgm:style>
       <a:lnRef idx="0">
@@ -1604,7 +2033,6 @@
       <a:camera prst="orthographicFront"/>
       <a:lightRig rig="threePt" dir="t"/>
     </dgm:scene3d>
-    <dgm:sp3d/>
     <dgm:txPr/>
     <dgm:style>
       <a:lnRef idx="0">
@@ -1621,138 +2049,11 @@
       </a:fontRef>
     </dgm:style>
   </dgm:styleLbl>
-  <dgm:styleLbl name="fgImgPlace1">
+  <dgm:styleLbl name="parChTrans1D1">
     <dgm:scene3d>
       <a:camera prst="orthographicFront"/>
       <a:lightRig rig="threePt" dir="t"/>
     </dgm:scene3d>
-    <dgm:sp3d/>
-    <dgm:txPr/>
-    <dgm:style>
-      <a:lnRef idx="0">
-        <a:scrgbClr r="0" g="0" b="0"/>
-      </a:lnRef>
-      <a:fillRef idx="1">
-        <a:scrgbClr r="0" g="0" b="0"/>
-      </a:fillRef>
-      <a:effectRef idx="2">
-        <a:scrgbClr r="0" g="0" b="0"/>
-      </a:effectRef>
-      <a:fontRef idx="minor"/>
-    </dgm:style>
-  </dgm:styleLbl>
-  <dgm:styleLbl name="alignImgPlace1">
-    <dgm:scene3d>
-      <a:camera prst="orthographicFront"/>
-      <a:lightRig rig="threePt" dir="t"/>
-    </dgm:scene3d>
-    <dgm:sp3d/>
-    <dgm:txPr/>
-    <dgm:style>
-      <a:lnRef idx="0">
-        <a:scrgbClr r="0" g="0" b="0"/>
-      </a:lnRef>
-      <a:fillRef idx="1">
-        <a:scrgbClr r="0" g="0" b="0"/>
-      </a:fillRef>
-      <a:effectRef idx="2">
-        <a:scrgbClr r="0" g="0" b="0"/>
-      </a:effectRef>
-      <a:fontRef idx="minor"/>
-    </dgm:style>
-  </dgm:styleLbl>
-  <dgm:styleLbl name="bgImgPlace1">
-    <dgm:scene3d>
-      <a:camera prst="orthographicFront"/>
-      <a:lightRig rig="threePt" dir="t"/>
-    </dgm:scene3d>
-    <dgm:sp3d/>
-    <dgm:txPr/>
-    <dgm:style>
-      <a:lnRef idx="0">
-        <a:scrgbClr r="0" g="0" b="0"/>
-      </a:lnRef>
-      <a:fillRef idx="1">
-        <a:scrgbClr r="0" g="0" b="0"/>
-      </a:fillRef>
-      <a:effectRef idx="2">
-        <a:scrgbClr r="0" g="0" b="0"/>
-      </a:effectRef>
-      <a:fontRef idx="minor"/>
-    </dgm:style>
-  </dgm:styleLbl>
-  <dgm:styleLbl name="sibTrans2D1">
-    <dgm:scene3d>
-      <a:camera prst="orthographicFront"/>
-      <a:lightRig rig="threePt" dir="t"/>
-    </dgm:scene3d>
-    <dgm:sp3d/>
-    <dgm:txPr/>
-    <dgm:style>
-      <a:lnRef idx="0">
-        <a:scrgbClr r="0" g="0" b="0"/>
-      </a:lnRef>
-      <a:fillRef idx="3">
-        <a:scrgbClr r="0" g="0" b="0"/>
-      </a:fillRef>
-      <a:effectRef idx="2">
-        <a:scrgbClr r="0" g="0" b="0"/>
-      </a:effectRef>
-      <a:fontRef idx="minor">
-        <a:schemeClr val="lt1"/>
-      </a:fontRef>
-    </dgm:style>
-  </dgm:styleLbl>
-  <dgm:styleLbl name="fgSibTrans2D1">
-    <dgm:scene3d>
-      <a:camera prst="orthographicFront"/>
-      <a:lightRig rig="threePt" dir="t"/>
-    </dgm:scene3d>
-    <dgm:sp3d/>
-    <dgm:txPr/>
-    <dgm:style>
-      <a:lnRef idx="0">
-        <a:scrgbClr r="0" g="0" b="0"/>
-      </a:lnRef>
-      <a:fillRef idx="3">
-        <a:scrgbClr r="0" g="0" b="0"/>
-      </a:fillRef>
-      <a:effectRef idx="2">
-        <a:scrgbClr r="0" g="0" b="0"/>
-      </a:effectRef>
-      <a:fontRef idx="minor">
-        <a:schemeClr val="lt1"/>
-      </a:fontRef>
-    </dgm:style>
-  </dgm:styleLbl>
-  <dgm:styleLbl name="bgSibTrans2D1">
-    <dgm:scene3d>
-      <a:camera prst="orthographicFront"/>
-      <a:lightRig rig="threePt" dir="t"/>
-    </dgm:scene3d>
-    <dgm:sp3d/>
-    <dgm:txPr/>
-    <dgm:style>
-      <a:lnRef idx="0">
-        <a:scrgbClr r="0" g="0" b="0"/>
-      </a:lnRef>
-      <a:fillRef idx="3">
-        <a:scrgbClr r="0" g="0" b="0"/>
-      </a:fillRef>
-      <a:effectRef idx="2">
-        <a:scrgbClr r="0" g="0" b="0"/>
-      </a:effectRef>
-      <a:fontRef idx="minor">
-        <a:schemeClr val="lt1"/>
-      </a:fontRef>
-    </dgm:style>
-  </dgm:styleLbl>
-  <dgm:styleLbl name="sibTrans1D1">
-    <dgm:scene3d>
-      <a:camera prst="orthographicFront"/>
-      <a:lightRig rig="threePt" dir="t"/>
-    </dgm:scene3d>
-    <dgm:sp3d/>
     <dgm:txPr/>
     <dgm:style>
       <a:lnRef idx="1">
@@ -1767,134 +2068,61 @@
       <a:fontRef idx="minor"/>
     </dgm:style>
   </dgm:styleLbl>
-  <dgm:styleLbl name="callout">
+  <dgm:styleLbl name="parChTrans1D2">
     <dgm:scene3d>
       <a:camera prst="orthographicFront"/>
       <a:lightRig rig="threePt" dir="t"/>
     </dgm:scene3d>
-    <dgm:sp3d/>
     <dgm:txPr/>
     <dgm:style>
-      <a:lnRef idx="2">
+      <a:lnRef idx="1">
         <a:scrgbClr r="0" g="0" b="0"/>
       </a:lnRef>
-      <a:fillRef idx="1">
+      <a:fillRef idx="0">
         <a:scrgbClr r="0" g="0" b="0"/>
       </a:fillRef>
-      <a:effectRef idx="1">
+      <a:effectRef idx="0">
         <a:scrgbClr r="0" g="0" b="0"/>
       </a:effectRef>
       <a:fontRef idx="minor"/>
     </dgm:style>
   </dgm:styleLbl>
-  <dgm:styleLbl name="asst0">
+  <dgm:styleLbl name="parChTrans1D3">
     <dgm:scene3d>
       <a:camera prst="orthographicFront"/>
       <a:lightRig rig="threePt" dir="t"/>
     </dgm:scene3d>
-    <dgm:sp3d/>
     <dgm:txPr/>
     <dgm:style>
-      <a:lnRef idx="0">
+      <a:lnRef idx="1">
         <a:scrgbClr r="0" g="0" b="0"/>
       </a:lnRef>
-      <a:fillRef idx="3">
+      <a:fillRef idx="0">
         <a:scrgbClr r="0" g="0" b="0"/>
       </a:fillRef>
-      <a:effectRef idx="2">
+      <a:effectRef idx="0">
         <a:scrgbClr r="0" g="0" b="0"/>
       </a:effectRef>
-      <a:fontRef idx="minor">
-        <a:schemeClr val="lt1"/>
-      </a:fontRef>
+      <a:fontRef idx="minor"/>
     </dgm:style>
   </dgm:styleLbl>
-  <dgm:styleLbl name="asst1">
+  <dgm:styleLbl name="parChTrans1D4">
     <dgm:scene3d>
       <a:camera prst="orthographicFront"/>
       <a:lightRig rig="threePt" dir="t"/>
     </dgm:scene3d>
-    <dgm:sp3d/>
     <dgm:txPr/>
     <dgm:style>
-      <a:lnRef idx="0">
+      <a:lnRef idx="1">
         <a:scrgbClr r="0" g="0" b="0"/>
       </a:lnRef>
-      <a:fillRef idx="3">
+      <a:fillRef idx="0">
         <a:scrgbClr r="0" g="0" b="0"/>
       </a:fillRef>
-      <a:effectRef idx="2">
+      <a:effectRef idx="0">
         <a:scrgbClr r="0" g="0" b="0"/>
       </a:effectRef>
-      <a:fontRef idx="minor">
-        <a:schemeClr val="lt1"/>
-      </a:fontRef>
-    </dgm:style>
-  </dgm:styleLbl>
-  <dgm:styleLbl name="asst2">
-    <dgm:scene3d>
-      <a:camera prst="orthographicFront"/>
-      <a:lightRig rig="threePt" dir="t"/>
-    </dgm:scene3d>
-    <dgm:sp3d/>
-    <dgm:txPr/>
-    <dgm:style>
-      <a:lnRef idx="0">
-        <a:scrgbClr r="0" g="0" b="0"/>
-      </a:lnRef>
-      <a:fillRef idx="3">
-        <a:scrgbClr r="0" g="0" b="0"/>
-      </a:fillRef>
-      <a:effectRef idx="2">
-        <a:scrgbClr r="0" g="0" b="0"/>
-      </a:effectRef>
-      <a:fontRef idx="minor">
-        <a:schemeClr val="lt1"/>
-      </a:fontRef>
-    </dgm:style>
-  </dgm:styleLbl>
-  <dgm:styleLbl name="asst3">
-    <dgm:scene3d>
-      <a:camera prst="orthographicFront"/>
-      <a:lightRig rig="threePt" dir="t"/>
-    </dgm:scene3d>
-    <dgm:sp3d/>
-    <dgm:txPr/>
-    <dgm:style>
-      <a:lnRef idx="0">
-        <a:scrgbClr r="0" g="0" b="0"/>
-      </a:lnRef>
-      <a:fillRef idx="3">
-        <a:scrgbClr r="0" g="0" b="0"/>
-      </a:fillRef>
-      <a:effectRef idx="2">
-        <a:scrgbClr r="0" g="0" b="0"/>
-      </a:effectRef>
-      <a:fontRef idx="minor">
-        <a:schemeClr val="lt1"/>
-      </a:fontRef>
-    </dgm:style>
-  </dgm:styleLbl>
-  <dgm:styleLbl name="asst4">
-    <dgm:scene3d>
-      <a:camera prst="orthographicFront"/>
-      <a:lightRig rig="threePt" dir="t"/>
-    </dgm:scene3d>
-    <dgm:sp3d/>
-    <dgm:txPr/>
-    <dgm:style>
-      <a:lnRef idx="0">
-        <a:scrgbClr r="0" g="0" b="0"/>
-      </a:lnRef>
-      <a:fillRef idx="3">
-        <a:scrgbClr r="0" g="0" b="0"/>
-      </a:fillRef>
-      <a:effectRef idx="2">
-        <a:scrgbClr r="0" g="0" b="0"/>
-      </a:effectRef>
-      <a:fontRef idx="minor">
-        <a:schemeClr val="lt1"/>
-      </a:fontRef>
+      <a:fontRef idx="minor"/>
     </dgm:style>
   </dgm:styleLbl>
   <dgm:styleLbl name="parChTrans2D1">
@@ -1902,7 +2130,6 @@
       <a:camera prst="orthographicFront"/>
       <a:lightRig rig="threePt" dir="t"/>
     </dgm:scene3d>
-    <dgm:sp3d/>
     <dgm:txPr/>
     <dgm:style>
       <a:lnRef idx="0">
@@ -1924,7 +2151,6 @@
       <a:camera prst="orthographicFront"/>
       <a:lightRig rig="threePt" dir="t"/>
     </dgm:scene3d>
-    <dgm:sp3d/>
     <dgm:txPr/>
     <dgm:style>
       <a:lnRef idx="0">
@@ -1946,7 +2172,6 @@
       <a:camera prst="orthographicFront"/>
       <a:lightRig rig="threePt" dir="t"/>
     </dgm:scene3d>
-    <dgm:sp3d/>
     <dgm:txPr/>
     <dgm:style>
       <a:lnRef idx="1">
@@ -1968,7 +2193,6 @@
       <a:camera prst="orthographicFront"/>
       <a:lightRig rig="threePt" dir="t"/>
     </dgm:scene3d>
-    <dgm:sp3d/>
     <dgm:txPr/>
     <dgm:style>
       <a:lnRef idx="1">
@@ -1985,12 +2209,30 @@
       </a:fontRef>
     </dgm:style>
   </dgm:styleLbl>
-  <dgm:styleLbl name="parChTrans1D1">
+  <dgm:styleLbl name="revTx">
     <dgm:scene3d>
       <a:camera prst="orthographicFront"/>
       <a:lightRig rig="threePt" dir="t"/>
     </dgm:scene3d>
-    <dgm:sp3d/>
+    <dgm:txPr/>
+    <dgm:style>
+      <a:lnRef idx="0">
+        <a:scrgbClr r="0" g="0" b="0"/>
+      </a:lnRef>
+      <a:fillRef idx="0">
+        <a:scrgbClr r="0" g="0" b="0"/>
+      </a:fillRef>
+      <a:effectRef idx="0">
+        <a:scrgbClr r="0" g="0" b="0"/>
+      </a:effectRef>
+      <a:fontRef idx="minor"/>
+    </dgm:style>
+  </dgm:styleLbl>
+  <dgm:styleLbl name="sibTrans1D1">
+    <dgm:scene3d>
+      <a:camera prst="orthographicFront"/>
+      <a:lightRig rig="threePt" dir="t"/>
+    </dgm:scene3d>
     <dgm:txPr/>
     <dgm:style>
       <a:lnRef idx="1">
@@ -2005,72 +2247,32 @@
       <a:fontRef idx="minor"/>
     </dgm:style>
   </dgm:styleLbl>
-  <dgm:styleLbl name="parChTrans1D2">
+  <dgm:styleLbl name="sibTrans2D1">
     <dgm:scene3d>
       <a:camera prst="orthographicFront"/>
       <a:lightRig rig="threePt" dir="t"/>
     </dgm:scene3d>
-    <dgm:sp3d/>
     <dgm:txPr/>
     <dgm:style>
-      <a:lnRef idx="1">
+      <a:lnRef idx="0">
         <a:scrgbClr r="0" g="0" b="0"/>
       </a:lnRef>
-      <a:fillRef idx="0">
+      <a:fillRef idx="3">
         <a:scrgbClr r="0" g="0" b="0"/>
       </a:fillRef>
-      <a:effectRef idx="0">
+      <a:effectRef idx="2">
         <a:scrgbClr r="0" g="0" b="0"/>
       </a:effectRef>
-      <a:fontRef idx="minor"/>
+      <a:fontRef idx="minor">
+        <a:schemeClr val="lt1"/>
+      </a:fontRef>
     </dgm:style>
   </dgm:styleLbl>
-  <dgm:styleLbl name="parChTrans1D3">
+  <dgm:styleLbl name="solidAlignAcc1">
     <dgm:scene3d>
       <a:camera prst="orthographicFront"/>
       <a:lightRig rig="threePt" dir="t"/>
     </dgm:scene3d>
-    <dgm:sp3d/>
-    <dgm:txPr/>
-    <dgm:style>
-      <a:lnRef idx="1">
-        <a:scrgbClr r="0" g="0" b="0"/>
-      </a:lnRef>
-      <a:fillRef idx="0">
-        <a:scrgbClr r="0" g="0" b="0"/>
-      </a:fillRef>
-      <a:effectRef idx="0">
-        <a:scrgbClr r="0" g="0" b="0"/>
-      </a:effectRef>
-      <a:fontRef idx="minor"/>
-    </dgm:style>
-  </dgm:styleLbl>
-  <dgm:styleLbl name="parChTrans1D4">
-    <dgm:scene3d>
-      <a:camera prst="orthographicFront"/>
-      <a:lightRig rig="threePt" dir="t"/>
-    </dgm:scene3d>
-    <dgm:sp3d/>
-    <dgm:txPr/>
-    <dgm:style>
-      <a:lnRef idx="1">
-        <a:scrgbClr r="0" g="0" b="0"/>
-      </a:lnRef>
-      <a:fillRef idx="0">
-        <a:scrgbClr r="0" g="0" b="0"/>
-      </a:fillRef>
-      <a:effectRef idx="0">
-        <a:scrgbClr r="0" g="0" b="0"/>
-      </a:effectRef>
-      <a:fontRef idx="minor"/>
-    </dgm:style>
-  </dgm:styleLbl>
-  <dgm:styleLbl name="fgAcc1">
-    <dgm:scene3d>
-      <a:camera prst="orthographicFront"/>
-      <a:lightRig rig="threePt" dir="t"/>
-    </dgm:scene3d>
-    <dgm:sp3d/>
     <dgm:txPr/>
     <dgm:style>
       <a:lnRef idx="1">
@@ -2085,12 +2287,11 @@
       <a:fontRef idx="minor"/>
     </dgm:style>
   </dgm:styleLbl>
-  <dgm:styleLbl name="conFgAcc1">
+  <dgm:styleLbl name="solidBgAcc1">
     <dgm:scene3d>
       <a:camera prst="orthographicFront"/>
       <a:lightRig rig="threePt" dir="t"/>
     </dgm:scene3d>
-    <dgm:sp3d/>
     <dgm:txPr/>
     <dgm:style>
       <a:lnRef idx="1">
@@ -2105,12 +2306,11 @@
       <a:fontRef idx="minor"/>
     </dgm:style>
   </dgm:styleLbl>
-  <dgm:styleLbl name="alignAcc1">
+  <dgm:styleLbl name="solidFgAcc1">
     <dgm:scene3d>
       <a:camera prst="orthographicFront"/>
       <a:lightRig rig="threePt" dir="t"/>
     </dgm:scene3d>
-    <dgm:sp3d/>
     <dgm:txPr/>
     <dgm:style>
       <a:lnRef idx="1">
@@ -2130,7 +2330,6 @@
       <a:camera prst="orthographicFront"/>
       <a:lightRig rig="threePt" dir="t"/>
     </dgm:scene3d>
-    <dgm:sp3d/>
     <dgm:txPr/>
     <dgm:style>
       <a:lnRef idx="1">
@@ -2145,272 +2344,11 @@
       <a:fontRef idx="minor"/>
     </dgm:style>
   </dgm:styleLbl>
-  <dgm:styleLbl name="bgAcc1">
-    <dgm:scene3d>
-      <a:camera prst="orthographicFront"/>
-      <a:lightRig rig="threePt" dir="t"/>
-    </dgm:scene3d>
-    <dgm:sp3d/>
-    <dgm:txPr/>
-    <dgm:style>
-      <a:lnRef idx="1">
-        <a:scrgbClr r="0" g="0" b="0"/>
-      </a:lnRef>
-      <a:fillRef idx="1">
-        <a:scrgbClr r="0" g="0" b="0"/>
-      </a:fillRef>
-      <a:effectRef idx="0">
-        <a:scrgbClr r="0" g="0" b="0"/>
-      </a:effectRef>
-      <a:fontRef idx="minor"/>
-    </dgm:style>
-  </dgm:styleLbl>
-  <dgm:styleLbl name="solidFgAcc1">
-    <dgm:scene3d>
-      <a:camera prst="orthographicFront"/>
-      <a:lightRig rig="threePt" dir="t"/>
-    </dgm:scene3d>
-    <dgm:sp3d/>
-    <dgm:txPr/>
-    <dgm:style>
-      <a:lnRef idx="1">
-        <a:scrgbClr r="0" g="0" b="0"/>
-      </a:lnRef>
-      <a:fillRef idx="1">
-        <a:scrgbClr r="0" g="0" b="0"/>
-      </a:fillRef>
-      <a:effectRef idx="0">
-        <a:scrgbClr r="0" g="0" b="0"/>
-      </a:effectRef>
-      <a:fontRef idx="minor"/>
-    </dgm:style>
-  </dgm:styleLbl>
-  <dgm:styleLbl name="solidAlignAcc1">
-    <dgm:scene3d>
-      <a:camera prst="orthographicFront"/>
-      <a:lightRig rig="threePt" dir="t"/>
-    </dgm:scene3d>
-    <dgm:sp3d/>
-    <dgm:txPr/>
-    <dgm:style>
-      <a:lnRef idx="1">
-        <a:scrgbClr r="0" g="0" b="0"/>
-      </a:lnRef>
-      <a:fillRef idx="1">
-        <a:scrgbClr r="0" g="0" b="0"/>
-      </a:fillRef>
-      <a:effectRef idx="0">
-        <a:scrgbClr r="0" g="0" b="0"/>
-      </a:effectRef>
-      <a:fontRef idx="minor"/>
-    </dgm:style>
-  </dgm:styleLbl>
-  <dgm:styleLbl name="solidBgAcc1">
-    <dgm:scene3d>
-      <a:camera prst="orthographicFront"/>
-      <a:lightRig rig="threePt" dir="t"/>
-    </dgm:scene3d>
-    <dgm:sp3d/>
-    <dgm:txPr/>
-    <dgm:style>
-      <a:lnRef idx="1">
-        <a:scrgbClr r="0" g="0" b="0"/>
-      </a:lnRef>
-      <a:fillRef idx="1">
-        <a:scrgbClr r="0" g="0" b="0"/>
-      </a:fillRef>
-      <a:effectRef idx="0">
-        <a:scrgbClr r="0" g="0" b="0"/>
-      </a:effectRef>
-      <a:fontRef idx="minor"/>
-    </dgm:style>
-  </dgm:styleLbl>
-  <dgm:styleLbl name="fgAccFollowNode1">
-    <dgm:scene3d>
-      <a:camera prst="orthographicFront"/>
-      <a:lightRig rig="threePt" dir="t"/>
-    </dgm:scene3d>
-    <dgm:sp3d/>
-    <dgm:txPr/>
-    <dgm:style>
-      <a:lnRef idx="1">
-        <a:scrgbClr r="0" g="0" b="0"/>
-      </a:lnRef>
-      <a:fillRef idx="1">
-        <a:scrgbClr r="0" g="0" b="0"/>
-      </a:fillRef>
-      <a:effectRef idx="0">
-        <a:scrgbClr r="0" g="0" b="0"/>
-      </a:effectRef>
-      <a:fontRef idx="minor"/>
-    </dgm:style>
-  </dgm:styleLbl>
-  <dgm:styleLbl name="alignAccFollowNode1">
-    <dgm:scene3d>
-      <a:camera prst="orthographicFront"/>
-      <a:lightRig rig="threePt" dir="t"/>
-    </dgm:scene3d>
-    <dgm:sp3d/>
-    <dgm:txPr/>
-    <dgm:style>
-      <a:lnRef idx="1">
-        <a:scrgbClr r="0" g="0" b="0"/>
-      </a:lnRef>
-      <a:fillRef idx="1">
-        <a:scrgbClr r="0" g="0" b="0"/>
-      </a:fillRef>
-      <a:effectRef idx="0">
-        <a:scrgbClr r="0" g="0" b="0"/>
-      </a:effectRef>
-      <a:fontRef idx="minor"/>
-    </dgm:style>
-  </dgm:styleLbl>
-  <dgm:styleLbl name="bgAccFollowNode1">
-    <dgm:scene3d>
-      <a:camera prst="orthographicFront"/>
-      <a:lightRig rig="threePt" dir="t"/>
-    </dgm:scene3d>
-    <dgm:sp3d/>
-    <dgm:txPr/>
-    <dgm:style>
-      <a:lnRef idx="1">
-        <a:scrgbClr r="0" g="0" b="0"/>
-      </a:lnRef>
-      <a:fillRef idx="1">
-        <a:scrgbClr r="0" g="0" b="0"/>
-      </a:fillRef>
-      <a:effectRef idx="0">
-        <a:scrgbClr r="0" g="0" b="0"/>
-      </a:effectRef>
-      <a:fontRef idx="minor"/>
-    </dgm:style>
-  </dgm:styleLbl>
-  <dgm:styleLbl name="fgAcc0">
-    <dgm:scene3d>
-      <a:camera prst="orthographicFront"/>
-      <a:lightRig rig="threePt" dir="t"/>
-    </dgm:scene3d>
-    <dgm:sp3d/>
-    <dgm:txPr/>
-    <dgm:style>
-      <a:lnRef idx="1">
-        <a:scrgbClr r="0" g="0" b="0"/>
-      </a:lnRef>
-      <a:fillRef idx="1">
-        <a:scrgbClr r="0" g="0" b="0"/>
-      </a:fillRef>
-      <a:effectRef idx="0">
-        <a:scrgbClr r="0" g="0" b="0"/>
-      </a:effectRef>
-      <a:fontRef idx="minor"/>
-    </dgm:style>
-  </dgm:styleLbl>
-  <dgm:styleLbl name="fgAcc2">
-    <dgm:scene3d>
-      <a:camera prst="orthographicFront"/>
-      <a:lightRig rig="threePt" dir="t"/>
-    </dgm:scene3d>
-    <dgm:sp3d/>
-    <dgm:txPr/>
-    <dgm:style>
-      <a:lnRef idx="1">
-        <a:scrgbClr r="0" g="0" b="0"/>
-      </a:lnRef>
-      <a:fillRef idx="1">
-        <a:scrgbClr r="0" g="0" b="0"/>
-      </a:fillRef>
-      <a:effectRef idx="0">
-        <a:scrgbClr r="0" g="0" b="0"/>
-      </a:effectRef>
-      <a:fontRef idx="minor"/>
-    </dgm:style>
-  </dgm:styleLbl>
-  <dgm:styleLbl name="fgAcc3">
-    <dgm:scene3d>
-      <a:camera prst="orthographicFront"/>
-      <a:lightRig rig="threePt" dir="t"/>
-    </dgm:scene3d>
-    <dgm:sp3d/>
-    <dgm:txPr/>
-    <dgm:style>
-      <a:lnRef idx="1">
-        <a:scrgbClr r="0" g="0" b="0"/>
-      </a:lnRef>
-      <a:fillRef idx="1">
-        <a:scrgbClr r="0" g="0" b="0"/>
-      </a:fillRef>
-      <a:effectRef idx="0">
-        <a:scrgbClr r="0" g="0" b="0"/>
-      </a:effectRef>
-      <a:fontRef idx="minor"/>
-    </dgm:style>
-  </dgm:styleLbl>
-  <dgm:styleLbl name="fgAcc4">
-    <dgm:scene3d>
-      <a:camera prst="orthographicFront"/>
-      <a:lightRig rig="threePt" dir="t"/>
-    </dgm:scene3d>
-    <dgm:sp3d/>
-    <dgm:txPr/>
-    <dgm:style>
-      <a:lnRef idx="1">
-        <a:scrgbClr r="0" g="0" b="0"/>
-      </a:lnRef>
-      <a:fillRef idx="1">
-        <a:scrgbClr r="0" g="0" b="0"/>
-      </a:fillRef>
-      <a:effectRef idx="0">
-        <a:scrgbClr r="0" g="0" b="0"/>
-      </a:effectRef>
-      <a:fontRef idx="minor"/>
-    </dgm:style>
-  </dgm:styleLbl>
-  <dgm:styleLbl name="bgShp">
-    <dgm:scene3d>
-      <a:camera prst="orthographicFront"/>
-      <a:lightRig rig="threePt" dir="t"/>
-    </dgm:scene3d>
-    <dgm:sp3d/>
-    <dgm:txPr/>
-    <dgm:style>
-      <a:lnRef idx="0">
-        <a:scrgbClr r="0" g="0" b="0"/>
-      </a:lnRef>
-      <a:fillRef idx="1">
-        <a:scrgbClr r="0" g="0" b="0"/>
-      </a:fillRef>
-      <a:effectRef idx="2">
-        <a:scrgbClr r="0" g="0" b="0"/>
-      </a:effectRef>
-      <a:fontRef idx="minor"/>
-    </dgm:style>
-  </dgm:styleLbl>
-  <dgm:styleLbl name="dkBgShp">
-    <dgm:scene3d>
-      <a:camera prst="orthographicFront"/>
-      <a:lightRig rig="threePt" dir="t"/>
-    </dgm:scene3d>
-    <dgm:sp3d/>
-    <dgm:txPr/>
-    <dgm:style>
-      <a:lnRef idx="0">
-        <a:scrgbClr r="0" g="0" b="0"/>
-      </a:lnRef>
-      <a:fillRef idx="1">
-        <a:scrgbClr r="0" g="0" b="0"/>
-      </a:fillRef>
-      <a:effectRef idx="2">
-        <a:scrgbClr r="0" g="0" b="0"/>
-      </a:effectRef>
-      <a:fontRef idx="minor"/>
-    </dgm:style>
-  </dgm:styleLbl>
   <dgm:styleLbl name="trBgShp">
     <dgm:scene3d>
       <a:camera prst="orthographicFront"/>
       <a:lightRig rig="threePt" dir="t"/>
     </dgm:scene3d>
-    <dgm:sp3d/>
     <dgm:txPr/>
     <dgm:style>
       <a:lnRef idx="0">
@@ -2425,12 +2363,11 @@
       <a:fontRef idx="minor"/>
     </dgm:style>
   </dgm:styleLbl>
-  <dgm:styleLbl name="fgShp">
+  <dgm:styleLbl name="vennNode1">
     <dgm:scene3d>
       <a:camera prst="orthographicFront"/>
       <a:lightRig rig="threePt" dir="t"/>
     </dgm:scene3d>
-    <dgm:sp3d/>
     <dgm:txPr/>
     <dgm:style>
       <a:lnRef idx="0">
@@ -2439,30 +2376,12 @@
       <a:fillRef idx="3">
         <a:scrgbClr r="0" g="0" b="0"/>
       </a:fillRef>
-      <a:effectRef idx="2">
-        <a:scrgbClr r="0" g="0" b="0"/>
-      </a:effectRef>
-      <a:fontRef idx="minor"/>
-    </dgm:style>
-  </dgm:styleLbl>
-  <dgm:styleLbl name="revTx">
-    <dgm:scene3d>
-      <a:camera prst="orthographicFront"/>
-      <a:lightRig rig="threePt" dir="t"/>
-    </dgm:scene3d>
-    <dgm:sp3d/>
-    <dgm:txPr/>
-    <dgm:style>
-      <a:lnRef idx="0">
-        <a:scrgbClr r="0" g="0" b="0"/>
-      </a:lnRef>
-      <a:fillRef idx="0">
-        <a:scrgbClr r="0" g="0" b="0"/>
-      </a:fillRef>
       <a:effectRef idx="0">
         <a:scrgbClr r="0" g="0" b="0"/>
       </a:effectRef>
-      <a:fontRef idx="minor"/>
+      <a:fontRef idx="minor">
+        <a:schemeClr val="tx1"/>
+      </a:fontRef>
     </dgm:style>
   </dgm:styleLbl>
 </dgm:styleDef>
@@ -2487,18 +2406,12 @@
       </p:grpSpPr>
       <p:sp>
         <p:nvSpPr>
-          <p:cNvPr id="2" name="Title 1">
-            <a:extLst>
-              <a:ext uri="{FF2B5EF4-FFF2-40B4-BE49-F238E27FC236}">
-                <a16:creationId xmlns:a16="http://schemas.microsoft.com/office/drawing/2014/main" id="{D21058BF-C5E1-4B52-BD8A-FD1AD5779347}"/>
-              </a:ext>
-            </a:extLst>
-          </p:cNvPr>
+          <p:cNvPr id="2" name="Title 1"/>
           <p:cNvSpPr>
             <a:spLocks noGrp="1"/>
           </p:cNvSpPr>
           <p:nvPr>
-            <p:ph type="ctrTitle"/>
+            <p:ph type="ctrTitle" hasCustomPrompt="1"/>
           </p:nvPr>
         </p:nvSpPr>
         <p:spPr>
@@ -2525,18 +2438,12 @@
       </p:sp>
       <p:sp>
         <p:nvSpPr>
-          <p:cNvPr id="3" name="Subtitle 2">
-            <a:extLst>
-              <a:ext uri="{FF2B5EF4-FFF2-40B4-BE49-F238E27FC236}">
-                <a16:creationId xmlns:a16="http://schemas.microsoft.com/office/drawing/2014/main" id="{DFCD51F7-3CC3-4BB7-8291-B1789482E863}"/>
-              </a:ext>
-            </a:extLst>
-          </p:cNvPr>
+          <p:cNvPr id="3" name="Subtitle 2"/>
           <p:cNvSpPr>
             <a:spLocks noGrp="1"/>
           </p:cNvSpPr>
           <p:nvPr>
-            <p:ph type="subTitle" idx="1"/>
+            <p:ph type="subTitle" idx="1" hasCustomPrompt="1"/>
           </p:nvPr>
         </p:nvSpPr>
         <p:spPr>
@@ -2596,13 +2503,7 @@
       </p:sp>
       <p:sp>
         <p:nvSpPr>
-          <p:cNvPr id="4" name="Date Placeholder 3">
-            <a:extLst>
-              <a:ext uri="{FF2B5EF4-FFF2-40B4-BE49-F238E27FC236}">
-                <a16:creationId xmlns:a16="http://schemas.microsoft.com/office/drawing/2014/main" id="{FD320447-D6C7-43E1-AE88-1FB66CC9C55E}"/>
-              </a:ext>
-            </a:extLst>
-          </p:cNvPr>
+          <p:cNvPr id="4" name="Date Placeholder 3"/>
           <p:cNvSpPr>
             <a:spLocks noGrp="1"/>
           </p:cNvSpPr>
@@ -2617,7 +2518,6 @@
           <a:p>
             <a:fld id="{C038239F-46F2-440C-87B3-439CF39309D8}" type="datetimeFigureOut">
               <a:rPr lang="en-US" smtClean="0"/>
-              <a:t>4/28/2022</a:t>
             </a:fld>
             <a:endParaRPr lang="en-US"/>
           </a:p>
@@ -2625,13 +2525,7 @@
       </p:sp>
       <p:sp>
         <p:nvSpPr>
-          <p:cNvPr id="5" name="Footer Placeholder 4">
-            <a:extLst>
-              <a:ext uri="{FF2B5EF4-FFF2-40B4-BE49-F238E27FC236}">
-                <a16:creationId xmlns:a16="http://schemas.microsoft.com/office/drawing/2014/main" id="{6F5E17B6-E7FC-473A-8D5F-0E6B838EA754}"/>
-              </a:ext>
-            </a:extLst>
-          </p:cNvPr>
+          <p:cNvPr id="5" name="Footer Placeholder 4"/>
           <p:cNvSpPr>
             <a:spLocks noGrp="1"/>
           </p:cNvSpPr>
@@ -2650,13 +2544,7 @@
       </p:sp>
       <p:sp>
         <p:nvSpPr>
-          <p:cNvPr id="6" name="Slide Number Placeholder 5">
-            <a:extLst>
-              <a:ext uri="{FF2B5EF4-FFF2-40B4-BE49-F238E27FC236}">
-                <a16:creationId xmlns:a16="http://schemas.microsoft.com/office/drawing/2014/main" id="{464AF4E0-FDDB-42B9-862C-7BBC501CDAC5}"/>
-              </a:ext>
-            </a:extLst>
-          </p:cNvPr>
+          <p:cNvPr id="6" name="Slide Number Placeholder 5"/>
           <p:cNvSpPr>
             <a:spLocks noGrp="1"/>
           </p:cNvSpPr>
@@ -2671,18 +2559,12 @@
           <a:p>
             <a:fld id="{D44166A1-4052-4BFE-909D-8B73B201D64E}" type="slidenum">
               <a:rPr lang="en-US" smtClean="0"/>
-              <a:t>‹#›</a:t>
             </a:fld>
             <a:endParaRPr lang="en-US"/>
           </a:p>
         </p:txBody>
       </p:sp>
     </p:spTree>
-    <p:extLst>
-      <p:ext uri="{BB962C8B-B14F-4D97-AF65-F5344CB8AC3E}">
-        <p14:creationId xmlns:p14="http://schemas.microsoft.com/office/powerpoint/2010/main" val="3546088924"/>
-      </p:ext>
-    </p:extLst>
   </p:cSld>
   <p:clrMapOvr>
     <a:masterClrMapping/>
@@ -2709,18 +2591,12 @@
       </p:grpSpPr>
       <p:sp>
         <p:nvSpPr>
-          <p:cNvPr id="2" name="Title 1">
-            <a:extLst>
-              <a:ext uri="{FF2B5EF4-FFF2-40B4-BE49-F238E27FC236}">
-                <a16:creationId xmlns:a16="http://schemas.microsoft.com/office/drawing/2014/main" id="{4D8E922F-6166-4009-A42D-027DC7180715}"/>
-              </a:ext>
-            </a:extLst>
-          </p:cNvPr>
+          <p:cNvPr id="2" name="Title 1"/>
           <p:cNvSpPr>
             <a:spLocks noGrp="1"/>
           </p:cNvSpPr>
           <p:nvPr>
-            <p:ph type="title"/>
+            <p:ph type="title" hasCustomPrompt="1"/>
           </p:nvPr>
         </p:nvSpPr>
         <p:spPr/>
@@ -2738,18 +2614,12 @@
       </p:sp>
       <p:sp>
         <p:nvSpPr>
-          <p:cNvPr id="3" name="Vertical Text Placeholder 2">
-            <a:extLst>
-              <a:ext uri="{FF2B5EF4-FFF2-40B4-BE49-F238E27FC236}">
-                <a16:creationId xmlns:a16="http://schemas.microsoft.com/office/drawing/2014/main" id="{FF7791CF-167D-446D-9F99-6976C986E2FB}"/>
-              </a:ext>
-            </a:extLst>
-          </p:cNvPr>
+          <p:cNvPr id="3" name="Vertical Text Placeholder 2"/>
           <p:cNvSpPr>
             <a:spLocks noGrp="1"/>
           </p:cNvSpPr>
           <p:nvPr>
-            <p:ph type="body" orient="vert" idx="1"/>
+            <p:ph type="body" orient="vert" idx="1" hasCustomPrompt="1"/>
           </p:nvPr>
         </p:nvSpPr>
         <p:spPr/>
@@ -2762,6 +2632,7 @@
               <a:rPr lang="tr-TR"/>
               <a:t>Asıl metin stillerini düzenlemek için tıklayın</a:t>
             </a:r>
+            <a:endParaRPr lang="tr-TR"/>
           </a:p>
           <a:p>
             <a:pPr lvl="1"/>
@@ -2769,6 +2640,7 @@
               <a:rPr lang="tr-TR"/>
               <a:t>İkinci düzey</a:t>
             </a:r>
+            <a:endParaRPr lang="tr-TR"/>
           </a:p>
           <a:p>
             <a:pPr lvl="2"/>
@@ -2776,6 +2648,7 @@
               <a:rPr lang="tr-TR"/>
               <a:t>Üçüncü düzey</a:t>
             </a:r>
+            <a:endParaRPr lang="tr-TR"/>
           </a:p>
           <a:p>
             <a:pPr lvl="3"/>
@@ -2783,6 +2656,7 @@
               <a:rPr lang="tr-TR"/>
               <a:t>Dördüncü düzey</a:t>
             </a:r>
+            <a:endParaRPr lang="tr-TR"/>
           </a:p>
           <a:p>
             <a:pPr lvl="4"/>
@@ -2796,13 +2670,7 @@
       </p:sp>
       <p:sp>
         <p:nvSpPr>
-          <p:cNvPr id="4" name="Date Placeholder 3">
-            <a:extLst>
-              <a:ext uri="{FF2B5EF4-FFF2-40B4-BE49-F238E27FC236}">
-                <a16:creationId xmlns:a16="http://schemas.microsoft.com/office/drawing/2014/main" id="{D83CA422-E040-4DE1-9DA5-C8D37C116A7B}"/>
-              </a:ext>
-            </a:extLst>
-          </p:cNvPr>
+          <p:cNvPr id="4" name="Date Placeholder 3"/>
           <p:cNvSpPr>
             <a:spLocks noGrp="1"/>
           </p:cNvSpPr>
@@ -2817,7 +2685,6 @@
           <a:p>
             <a:fld id="{C038239F-46F2-440C-87B3-439CF39309D8}" type="datetimeFigureOut">
               <a:rPr lang="en-US" smtClean="0"/>
-              <a:t>4/28/2022</a:t>
             </a:fld>
             <a:endParaRPr lang="en-US"/>
           </a:p>
@@ -2825,13 +2692,7 @@
       </p:sp>
       <p:sp>
         <p:nvSpPr>
-          <p:cNvPr id="5" name="Footer Placeholder 4">
-            <a:extLst>
-              <a:ext uri="{FF2B5EF4-FFF2-40B4-BE49-F238E27FC236}">
-                <a16:creationId xmlns:a16="http://schemas.microsoft.com/office/drawing/2014/main" id="{6C813B0B-60E7-494E-91CB-055BC26906BC}"/>
-              </a:ext>
-            </a:extLst>
-          </p:cNvPr>
+          <p:cNvPr id="5" name="Footer Placeholder 4"/>
           <p:cNvSpPr>
             <a:spLocks noGrp="1"/>
           </p:cNvSpPr>
@@ -2850,13 +2711,7 @@
       </p:sp>
       <p:sp>
         <p:nvSpPr>
-          <p:cNvPr id="6" name="Slide Number Placeholder 5">
-            <a:extLst>
-              <a:ext uri="{FF2B5EF4-FFF2-40B4-BE49-F238E27FC236}">
-                <a16:creationId xmlns:a16="http://schemas.microsoft.com/office/drawing/2014/main" id="{7B48C554-7C1B-4D8F-9B6B-04492656904B}"/>
-              </a:ext>
-            </a:extLst>
-          </p:cNvPr>
+          <p:cNvPr id="6" name="Slide Number Placeholder 5"/>
           <p:cNvSpPr>
             <a:spLocks noGrp="1"/>
           </p:cNvSpPr>
@@ -2871,18 +2726,12 @@
           <a:p>
             <a:fld id="{D44166A1-4052-4BFE-909D-8B73B201D64E}" type="slidenum">
               <a:rPr lang="en-US" smtClean="0"/>
-              <a:t>‹#›</a:t>
             </a:fld>
             <a:endParaRPr lang="en-US"/>
           </a:p>
         </p:txBody>
       </p:sp>
     </p:spTree>
-    <p:extLst>
-      <p:ext uri="{BB962C8B-B14F-4D97-AF65-F5344CB8AC3E}">
-        <p14:creationId xmlns:p14="http://schemas.microsoft.com/office/powerpoint/2010/main" val="1788677929"/>
-      </p:ext>
-    </p:extLst>
   </p:cSld>
   <p:clrMapOvr>
     <a:masterClrMapping/>
@@ -2909,18 +2758,12 @@
       </p:grpSpPr>
       <p:sp>
         <p:nvSpPr>
-          <p:cNvPr id="2" name="Vertical Title 1">
-            <a:extLst>
-              <a:ext uri="{FF2B5EF4-FFF2-40B4-BE49-F238E27FC236}">
-                <a16:creationId xmlns:a16="http://schemas.microsoft.com/office/drawing/2014/main" id="{EEC66EF0-6ED8-49A7-BDAD-E20A143FAEAC}"/>
-              </a:ext>
-            </a:extLst>
-          </p:cNvPr>
+          <p:cNvPr id="2" name="Vertical Title 1"/>
           <p:cNvSpPr>
             <a:spLocks noGrp="1"/>
           </p:cNvSpPr>
           <p:nvPr>
-            <p:ph type="title" orient="vert"/>
+            <p:ph type="title" orient="vert" hasCustomPrompt="1"/>
           </p:nvPr>
         </p:nvSpPr>
         <p:spPr>
@@ -2943,18 +2786,12 @@
       </p:sp>
       <p:sp>
         <p:nvSpPr>
-          <p:cNvPr id="3" name="Vertical Text Placeholder 2">
-            <a:extLst>
-              <a:ext uri="{FF2B5EF4-FFF2-40B4-BE49-F238E27FC236}">
-                <a16:creationId xmlns:a16="http://schemas.microsoft.com/office/drawing/2014/main" id="{90FCE9CD-90A9-44BA-B293-0662E077DDE9}"/>
-              </a:ext>
-            </a:extLst>
-          </p:cNvPr>
+          <p:cNvPr id="3" name="Vertical Text Placeholder 2"/>
           <p:cNvSpPr>
             <a:spLocks noGrp="1"/>
           </p:cNvSpPr>
           <p:nvPr>
-            <p:ph type="body" orient="vert" idx="1"/>
+            <p:ph type="body" orient="vert" idx="1" hasCustomPrompt="1"/>
           </p:nvPr>
         </p:nvSpPr>
         <p:spPr>
@@ -2972,6 +2809,7 @@
               <a:rPr lang="tr-TR"/>
               <a:t>Asıl metin stillerini düzenlemek için tıklayın</a:t>
             </a:r>
+            <a:endParaRPr lang="tr-TR"/>
           </a:p>
           <a:p>
             <a:pPr lvl="1"/>
@@ -2979,6 +2817,7 @@
               <a:rPr lang="tr-TR"/>
               <a:t>İkinci düzey</a:t>
             </a:r>
+            <a:endParaRPr lang="tr-TR"/>
           </a:p>
           <a:p>
             <a:pPr lvl="2"/>
@@ -2986,6 +2825,7 @@
               <a:rPr lang="tr-TR"/>
               <a:t>Üçüncü düzey</a:t>
             </a:r>
+            <a:endParaRPr lang="tr-TR"/>
           </a:p>
           <a:p>
             <a:pPr lvl="3"/>
@@ -2993,6 +2833,7 @@
               <a:rPr lang="tr-TR"/>
               <a:t>Dördüncü düzey</a:t>
             </a:r>
+            <a:endParaRPr lang="tr-TR"/>
           </a:p>
           <a:p>
             <a:pPr lvl="4"/>
@@ -3006,13 +2847,7 @@
       </p:sp>
       <p:sp>
         <p:nvSpPr>
-          <p:cNvPr id="4" name="Date Placeholder 3">
-            <a:extLst>
-              <a:ext uri="{FF2B5EF4-FFF2-40B4-BE49-F238E27FC236}">
-                <a16:creationId xmlns:a16="http://schemas.microsoft.com/office/drawing/2014/main" id="{0857DAE0-05C4-460B-B96D-BD183ED030C4}"/>
-              </a:ext>
-            </a:extLst>
-          </p:cNvPr>
+          <p:cNvPr id="4" name="Date Placeholder 3"/>
           <p:cNvSpPr>
             <a:spLocks noGrp="1"/>
           </p:cNvSpPr>
@@ -3027,7 +2862,6 @@
           <a:p>
             <a:fld id="{C038239F-46F2-440C-87B3-439CF39309D8}" type="datetimeFigureOut">
               <a:rPr lang="en-US" smtClean="0"/>
-              <a:t>4/28/2022</a:t>
             </a:fld>
             <a:endParaRPr lang="en-US"/>
           </a:p>
@@ -3035,13 +2869,7 @@
       </p:sp>
       <p:sp>
         <p:nvSpPr>
-          <p:cNvPr id="5" name="Footer Placeholder 4">
-            <a:extLst>
-              <a:ext uri="{FF2B5EF4-FFF2-40B4-BE49-F238E27FC236}">
-                <a16:creationId xmlns:a16="http://schemas.microsoft.com/office/drawing/2014/main" id="{33B3CA93-55C9-4AA3-89A0-55490F745B11}"/>
-              </a:ext>
-            </a:extLst>
-          </p:cNvPr>
+          <p:cNvPr id="5" name="Footer Placeholder 4"/>
           <p:cNvSpPr>
             <a:spLocks noGrp="1"/>
           </p:cNvSpPr>
@@ -3060,13 +2888,7 @@
       </p:sp>
       <p:sp>
         <p:nvSpPr>
-          <p:cNvPr id="6" name="Slide Number Placeholder 5">
-            <a:extLst>
-              <a:ext uri="{FF2B5EF4-FFF2-40B4-BE49-F238E27FC236}">
-                <a16:creationId xmlns:a16="http://schemas.microsoft.com/office/drawing/2014/main" id="{46BFD820-FF26-4325-816F-310C30F80ACC}"/>
-              </a:ext>
-            </a:extLst>
-          </p:cNvPr>
+          <p:cNvPr id="6" name="Slide Number Placeholder 5"/>
           <p:cNvSpPr>
             <a:spLocks noGrp="1"/>
           </p:cNvSpPr>
@@ -3081,18 +2903,12 @@
           <a:p>
             <a:fld id="{D44166A1-4052-4BFE-909D-8B73B201D64E}" type="slidenum">
               <a:rPr lang="en-US" smtClean="0"/>
-              <a:t>‹#›</a:t>
             </a:fld>
             <a:endParaRPr lang="en-US"/>
           </a:p>
         </p:txBody>
       </p:sp>
     </p:spTree>
-    <p:extLst>
-      <p:ext uri="{BB962C8B-B14F-4D97-AF65-F5344CB8AC3E}">
-        <p14:creationId xmlns:p14="http://schemas.microsoft.com/office/powerpoint/2010/main" val="1956446249"/>
-      </p:ext>
-    </p:extLst>
   </p:cSld>
   <p:clrMapOvr>
     <a:masterClrMapping/>
@@ -3119,18 +2935,12 @@
       </p:grpSpPr>
       <p:sp>
         <p:nvSpPr>
-          <p:cNvPr id="2" name="Title 1">
-            <a:extLst>
-              <a:ext uri="{FF2B5EF4-FFF2-40B4-BE49-F238E27FC236}">
-                <a16:creationId xmlns:a16="http://schemas.microsoft.com/office/drawing/2014/main" id="{3B1736C8-0B4F-4655-A630-0B1D2540B7DD}"/>
-              </a:ext>
-            </a:extLst>
-          </p:cNvPr>
+          <p:cNvPr id="2" name="Title 1"/>
           <p:cNvSpPr>
             <a:spLocks noGrp="1"/>
           </p:cNvSpPr>
           <p:nvPr>
-            <p:ph type="title"/>
+            <p:ph type="title" hasCustomPrompt="1"/>
           </p:nvPr>
         </p:nvSpPr>
         <p:spPr/>
@@ -3148,18 +2958,12 @@
       </p:sp>
       <p:sp>
         <p:nvSpPr>
-          <p:cNvPr id="3" name="Content Placeholder 2">
-            <a:extLst>
-              <a:ext uri="{FF2B5EF4-FFF2-40B4-BE49-F238E27FC236}">
-                <a16:creationId xmlns:a16="http://schemas.microsoft.com/office/drawing/2014/main" id="{5378B888-85E0-4D92-903E-C3FE7E870DE7}"/>
-              </a:ext>
-            </a:extLst>
-          </p:cNvPr>
+          <p:cNvPr id="3" name="Content Placeholder 2"/>
           <p:cNvSpPr>
             <a:spLocks noGrp="1"/>
           </p:cNvSpPr>
           <p:nvPr>
-            <p:ph idx="1"/>
+            <p:ph idx="1" hasCustomPrompt="1"/>
           </p:nvPr>
         </p:nvSpPr>
         <p:spPr/>
@@ -3172,6 +2976,7 @@
               <a:rPr lang="tr-TR"/>
               <a:t>Asıl metin stillerini düzenlemek için tıklayın</a:t>
             </a:r>
+            <a:endParaRPr lang="tr-TR"/>
           </a:p>
           <a:p>
             <a:pPr lvl="1"/>
@@ -3179,6 +2984,7 @@
               <a:rPr lang="tr-TR"/>
               <a:t>İkinci düzey</a:t>
             </a:r>
+            <a:endParaRPr lang="tr-TR"/>
           </a:p>
           <a:p>
             <a:pPr lvl="2"/>
@@ -3186,6 +2992,7 @@
               <a:rPr lang="tr-TR"/>
               <a:t>Üçüncü düzey</a:t>
             </a:r>
+            <a:endParaRPr lang="tr-TR"/>
           </a:p>
           <a:p>
             <a:pPr lvl="3"/>
@@ -3193,6 +3000,7 @@
               <a:rPr lang="tr-TR"/>
               <a:t>Dördüncü düzey</a:t>
             </a:r>
+            <a:endParaRPr lang="tr-TR"/>
           </a:p>
           <a:p>
             <a:pPr lvl="4"/>
@@ -3206,13 +3014,7 @@
       </p:sp>
       <p:sp>
         <p:nvSpPr>
-          <p:cNvPr id="4" name="Date Placeholder 3">
-            <a:extLst>
-              <a:ext uri="{FF2B5EF4-FFF2-40B4-BE49-F238E27FC236}">
-                <a16:creationId xmlns:a16="http://schemas.microsoft.com/office/drawing/2014/main" id="{FC648916-250B-4232-BD7D-571FDE79F5E7}"/>
-              </a:ext>
-            </a:extLst>
-          </p:cNvPr>
+          <p:cNvPr id="4" name="Date Placeholder 3"/>
           <p:cNvSpPr>
             <a:spLocks noGrp="1"/>
           </p:cNvSpPr>
@@ -3227,7 +3029,6 @@
           <a:p>
             <a:fld id="{C038239F-46F2-440C-87B3-439CF39309D8}" type="datetimeFigureOut">
               <a:rPr lang="en-US" smtClean="0"/>
-              <a:t>4/28/2022</a:t>
             </a:fld>
             <a:endParaRPr lang="en-US"/>
           </a:p>
@@ -3235,13 +3036,7 @@
       </p:sp>
       <p:sp>
         <p:nvSpPr>
-          <p:cNvPr id="5" name="Footer Placeholder 4">
-            <a:extLst>
-              <a:ext uri="{FF2B5EF4-FFF2-40B4-BE49-F238E27FC236}">
-                <a16:creationId xmlns:a16="http://schemas.microsoft.com/office/drawing/2014/main" id="{B6A8BFB4-647C-4104-B6D4-3346051C36D4}"/>
-              </a:ext>
-            </a:extLst>
-          </p:cNvPr>
+          <p:cNvPr id="5" name="Footer Placeholder 4"/>
           <p:cNvSpPr>
             <a:spLocks noGrp="1"/>
           </p:cNvSpPr>
@@ -3260,13 +3055,7 @@
       </p:sp>
       <p:sp>
         <p:nvSpPr>
-          <p:cNvPr id="6" name="Slide Number Placeholder 5">
-            <a:extLst>
-              <a:ext uri="{FF2B5EF4-FFF2-40B4-BE49-F238E27FC236}">
-                <a16:creationId xmlns:a16="http://schemas.microsoft.com/office/drawing/2014/main" id="{2E0FA73F-2BE8-4370-AE90-58F4CE51FC51}"/>
-              </a:ext>
-            </a:extLst>
-          </p:cNvPr>
+          <p:cNvPr id="6" name="Slide Number Placeholder 5"/>
           <p:cNvSpPr>
             <a:spLocks noGrp="1"/>
           </p:cNvSpPr>
@@ -3281,18 +3070,12 @@
           <a:p>
             <a:fld id="{D44166A1-4052-4BFE-909D-8B73B201D64E}" type="slidenum">
               <a:rPr lang="en-US" smtClean="0"/>
-              <a:t>‹#›</a:t>
             </a:fld>
             <a:endParaRPr lang="en-US"/>
           </a:p>
         </p:txBody>
       </p:sp>
     </p:spTree>
-    <p:extLst>
-      <p:ext uri="{BB962C8B-B14F-4D97-AF65-F5344CB8AC3E}">
-        <p14:creationId xmlns:p14="http://schemas.microsoft.com/office/powerpoint/2010/main" val="3408886486"/>
-      </p:ext>
-    </p:extLst>
   </p:cSld>
   <p:clrMapOvr>
     <a:masterClrMapping/>
@@ -3319,18 +3102,12 @@
       </p:grpSpPr>
       <p:sp>
         <p:nvSpPr>
-          <p:cNvPr id="2" name="Title 1">
-            <a:extLst>
-              <a:ext uri="{FF2B5EF4-FFF2-40B4-BE49-F238E27FC236}">
-                <a16:creationId xmlns:a16="http://schemas.microsoft.com/office/drawing/2014/main" id="{A9B1446D-9FAC-4157-A41A-51675C8BE929}"/>
-              </a:ext>
-            </a:extLst>
-          </p:cNvPr>
+          <p:cNvPr id="2" name="Title 1"/>
           <p:cNvSpPr>
             <a:spLocks noGrp="1"/>
           </p:cNvSpPr>
           <p:nvPr>
-            <p:ph type="title"/>
+            <p:ph type="title" hasCustomPrompt="1"/>
           </p:nvPr>
         </p:nvSpPr>
         <p:spPr>
@@ -3359,18 +3136,12 @@
       </p:sp>
       <p:sp>
         <p:nvSpPr>
-          <p:cNvPr id="3" name="Text Placeholder 2">
-            <a:extLst>
-              <a:ext uri="{FF2B5EF4-FFF2-40B4-BE49-F238E27FC236}">
-                <a16:creationId xmlns:a16="http://schemas.microsoft.com/office/drawing/2014/main" id="{92AF8D4A-8F93-4399-9546-64F286400D24}"/>
-              </a:ext>
-            </a:extLst>
-          </p:cNvPr>
+          <p:cNvPr id="3" name="Text Placeholder 2"/>
           <p:cNvSpPr>
             <a:spLocks noGrp="1"/>
           </p:cNvSpPr>
           <p:nvPr>
-            <p:ph type="body" idx="1"/>
+            <p:ph type="body" idx="1" hasCustomPrompt="1"/>
           </p:nvPr>
         </p:nvSpPr>
         <p:spPr>
@@ -3477,18 +3248,13 @@
               <a:rPr lang="tr-TR"/>
               <a:t>Asıl metin stillerini düzenlemek için tıklayın</a:t>
             </a:r>
+            <a:endParaRPr lang="tr-TR"/>
           </a:p>
         </p:txBody>
       </p:sp>
       <p:sp>
         <p:nvSpPr>
-          <p:cNvPr id="4" name="Date Placeholder 3">
-            <a:extLst>
-              <a:ext uri="{FF2B5EF4-FFF2-40B4-BE49-F238E27FC236}">
-                <a16:creationId xmlns:a16="http://schemas.microsoft.com/office/drawing/2014/main" id="{819C2FD4-BF96-470C-8247-20DFAE1CF870}"/>
-              </a:ext>
-            </a:extLst>
-          </p:cNvPr>
+          <p:cNvPr id="4" name="Date Placeholder 3"/>
           <p:cNvSpPr>
             <a:spLocks noGrp="1"/>
           </p:cNvSpPr>
@@ -3503,7 +3269,6 @@
           <a:p>
             <a:fld id="{C038239F-46F2-440C-87B3-439CF39309D8}" type="datetimeFigureOut">
               <a:rPr lang="en-US" smtClean="0"/>
-              <a:t>4/28/2022</a:t>
             </a:fld>
             <a:endParaRPr lang="en-US"/>
           </a:p>
@@ -3511,13 +3276,7 @@
       </p:sp>
       <p:sp>
         <p:nvSpPr>
-          <p:cNvPr id="5" name="Footer Placeholder 4">
-            <a:extLst>
-              <a:ext uri="{FF2B5EF4-FFF2-40B4-BE49-F238E27FC236}">
-                <a16:creationId xmlns:a16="http://schemas.microsoft.com/office/drawing/2014/main" id="{27175A2D-86C4-4467-BAB8-E9ED004D2C8B}"/>
-              </a:ext>
-            </a:extLst>
-          </p:cNvPr>
+          <p:cNvPr id="5" name="Footer Placeholder 4"/>
           <p:cNvSpPr>
             <a:spLocks noGrp="1"/>
           </p:cNvSpPr>
@@ -3536,13 +3295,7 @@
       </p:sp>
       <p:sp>
         <p:nvSpPr>
-          <p:cNvPr id="6" name="Slide Number Placeholder 5">
-            <a:extLst>
-              <a:ext uri="{FF2B5EF4-FFF2-40B4-BE49-F238E27FC236}">
-                <a16:creationId xmlns:a16="http://schemas.microsoft.com/office/drawing/2014/main" id="{DE442A4D-D9B2-4C82-95E4-B86F9F5F3802}"/>
-              </a:ext>
-            </a:extLst>
-          </p:cNvPr>
+          <p:cNvPr id="6" name="Slide Number Placeholder 5"/>
           <p:cNvSpPr>
             <a:spLocks noGrp="1"/>
           </p:cNvSpPr>
@@ -3557,18 +3310,12 @@
           <a:p>
             <a:fld id="{D44166A1-4052-4BFE-909D-8B73B201D64E}" type="slidenum">
               <a:rPr lang="en-US" smtClean="0"/>
-              <a:t>‹#›</a:t>
             </a:fld>
             <a:endParaRPr lang="en-US"/>
           </a:p>
         </p:txBody>
       </p:sp>
     </p:spTree>
-    <p:extLst>
-      <p:ext uri="{BB962C8B-B14F-4D97-AF65-F5344CB8AC3E}">
-        <p14:creationId xmlns:p14="http://schemas.microsoft.com/office/powerpoint/2010/main" val="2051571310"/>
-      </p:ext>
-    </p:extLst>
   </p:cSld>
   <p:clrMapOvr>
     <a:masterClrMapping/>
@@ -3595,18 +3342,12 @@
       </p:grpSpPr>
       <p:sp>
         <p:nvSpPr>
-          <p:cNvPr id="2" name="Title 1">
-            <a:extLst>
-              <a:ext uri="{FF2B5EF4-FFF2-40B4-BE49-F238E27FC236}">
-                <a16:creationId xmlns:a16="http://schemas.microsoft.com/office/drawing/2014/main" id="{B0E6B3AA-8C30-429E-B934-AF12204387B9}"/>
-              </a:ext>
-            </a:extLst>
-          </p:cNvPr>
+          <p:cNvPr id="2" name="Title 1"/>
           <p:cNvSpPr>
             <a:spLocks noGrp="1"/>
           </p:cNvSpPr>
           <p:nvPr>
-            <p:ph type="title"/>
+            <p:ph type="title" hasCustomPrompt="1"/>
           </p:nvPr>
         </p:nvSpPr>
         <p:spPr/>
@@ -3624,18 +3365,12 @@
       </p:sp>
       <p:sp>
         <p:nvSpPr>
-          <p:cNvPr id="3" name="Content Placeholder 2">
-            <a:extLst>
-              <a:ext uri="{FF2B5EF4-FFF2-40B4-BE49-F238E27FC236}">
-                <a16:creationId xmlns:a16="http://schemas.microsoft.com/office/drawing/2014/main" id="{E915834E-691F-4728-88F5-A0C4696695EB}"/>
-              </a:ext>
-            </a:extLst>
-          </p:cNvPr>
+          <p:cNvPr id="3" name="Content Placeholder 2"/>
           <p:cNvSpPr>
             <a:spLocks noGrp="1"/>
           </p:cNvSpPr>
           <p:nvPr>
-            <p:ph sz="half" idx="1"/>
+            <p:ph sz="half" idx="1" hasCustomPrompt="1"/>
           </p:nvPr>
         </p:nvSpPr>
         <p:spPr>
@@ -3653,6 +3388,7 @@
               <a:rPr lang="tr-TR"/>
               <a:t>Asıl metin stillerini düzenlemek için tıklayın</a:t>
             </a:r>
+            <a:endParaRPr lang="tr-TR"/>
           </a:p>
           <a:p>
             <a:pPr lvl="1"/>
@@ -3660,6 +3396,7 @@
               <a:rPr lang="tr-TR"/>
               <a:t>İkinci düzey</a:t>
             </a:r>
+            <a:endParaRPr lang="tr-TR"/>
           </a:p>
           <a:p>
             <a:pPr lvl="2"/>
@@ -3667,6 +3404,7 @@
               <a:rPr lang="tr-TR"/>
               <a:t>Üçüncü düzey</a:t>
             </a:r>
+            <a:endParaRPr lang="tr-TR"/>
           </a:p>
           <a:p>
             <a:pPr lvl="3"/>
@@ -3674,6 +3412,7 @@
               <a:rPr lang="tr-TR"/>
               <a:t>Dördüncü düzey</a:t>
             </a:r>
+            <a:endParaRPr lang="tr-TR"/>
           </a:p>
           <a:p>
             <a:pPr lvl="4"/>
@@ -3687,18 +3426,12 @@
       </p:sp>
       <p:sp>
         <p:nvSpPr>
-          <p:cNvPr id="4" name="Content Placeholder 3">
-            <a:extLst>
-              <a:ext uri="{FF2B5EF4-FFF2-40B4-BE49-F238E27FC236}">
-                <a16:creationId xmlns:a16="http://schemas.microsoft.com/office/drawing/2014/main" id="{13876374-880F-4E25-9F88-79E3C1AB1F9D}"/>
-              </a:ext>
-            </a:extLst>
-          </p:cNvPr>
+          <p:cNvPr id="4" name="Content Placeholder 3"/>
           <p:cNvSpPr>
             <a:spLocks noGrp="1"/>
           </p:cNvSpPr>
           <p:nvPr>
-            <p:ph sz="half" idx="2"/>
+            <p:ph sz="half" idx="2" hasCustomPrompt="1"/>
           </p:nvPr>
         </p:nvSpPr>
         <p:spPr>
@@ -3716,6 +3449,7 @@
               <a:rPr lang="tr-TR"/>
               <a:t>Asıl metin stillerini düzenlemek için tıklayın</a:t>
             </a:r>
+            <a:endParaRPr lang="tr-TR"/>
           </a:p>
           <a:p>
             <a:pPr lvl="1"/>
@@ -3723,6 +3457,7 @@
               <a:rPr lang="tr-TR"/>
               <a:t>İkinci düzey</a:t>
             </a:r>
+            <a:endParaRPr lang="tr-TR"/>
           </a:p>
           <a:p>
             <a:pPr lvl="2"/>
@@ -3730,6 +3465,7 @@
               <a:rPr lang="tr-TR"/>
               <a:t>Üçüncü düzey</a:t>
             </a:r>
+            <a:endParaRPr lang="tr-TR"/>
           </a:p>
           <a:p>
             <a:pPr lvl="3"/>
@@ -3737,6 +3473,7 @@
               <a:rPr lang="tr-TR"/>
               <a:t>Dördüncü düzey</a:t>
             </a:r>
+            <a:endParaRPr lang="tr-TR"/>
           </a:p>
           <a:p>
             <a:pPr lvl="4"/>
@@ -3750,13 +3487,7 @@
       </p:sp>
       <p:sp>
         <p:nvSpPr>
-          <p:cNvPr id="5" name="Date Placeholder 4">
-            <a:extLst>
-              <a:ext uri="{FF2B5EF4-FFF2-40B4-BE49-F238E27FC236}">
-                <a16:creationId xmlns:a16="http://schemas.microsoft.com/office/drawing/2014/main" id="{6119BD69-B509-4FCE-95A8-ED03FFC8CC3C}"/>
-              </a:ext>
-            </a:extLst>
-          </p:cNvPr>
+          <p:cNvPr id="5" name="Date Placeholder 4"/>
           <p:cNvSpPr>
             <a:spLocks noGrp="1"/>
           </p:cNvSpPr>
@@ -3771,7 +3502,6 @@
           <a:p>
             <a:fld id="{C038239F-46F2-440C-87B3-439CF39309D8}" type="datetimeFigureOut">
               <a:rPr lang="en-US" smtClean="0"/>
-              <a:t>4/28/2022</a:t>
             </a:fld>
             <a:endParaRPr lang="en-US"/>
           </a:p>
@@ -3779,13 +3509,7 @@
       </p:sp>
       <p:sp>
         <p:nvSpPr>
-          <p:cNvPr id="6" name="Footer Placeholder 5">
-            <a:extLst>
-              <a:ext uri="{FF2B5EF4-FFF2-40B4-BE49-F238E27FC236}">
-                <a16:creationId xmlns:a16="http://schemas.microsoft.com/office/drawing/2014/main" id="{DB7C287B-AE5B-490B-BF81-A50D7A2E872A}"/>
-              </a:ext>
-            </a:extLst>
-          </p:cNvPr>
+          <p:cNvPr id="6" name="Footer Placeholder 5"/>
           <p:cNvSpPr>
             <a:spLocks noGrp="1"/>
           </p:cNvSpPr>
@@ -3804,13 +3528,7 @@
       </p:sp>
       <p:sp>
         <p:nvSpPr>
-          <p:cNvPr id="7" name="Slide Number Placeholder 6">
-            <a:extLst>
-              <a:ext uri="{FF2B5EF4-FFF2-40B4-BE49-F238E27FC236}">
-                <a16:creationId xmlns:a16="http://schemas.microsoft.com/office/drawing/2014/main" id="{B43C2246-303C-4A29-B6EA-E62CEDE6C2A1}"/>
-              </a:ext>
-            </a:extLst>
-          </p:cNvPr>
+          <p:cNvPr id="7" name="Slide Number Placeholder 6"/>
           <p:cNvSpPr>
             <a:spLocks noGrp="1"/>
           </p:cNvSpPr>
@@ -3825,18 +3543,12 @@
           <a:p>
             <a:fld id="{D44166A1-4052-4BFE-909D-8B73B201D64E}" type="slidenum">
               <a:rPr lang="en-US" smtClean="0"/>
-              <a:t>‹#›</a:t>
             </a:fld>
             <a:endParaRPr lang="en-US"/>
           </a:p>
         </p:txBody>
       </p:sp>
     </p:spTree>
-    <p:extLst>
-      <p:ext uri="{BB962C8B-B14F-4D97-AF65-F5344CB8AC3E}">
-        <p14:creationId xmlns:p14="http://schemas.microsoft.com/office/powerpoint/2010/main" val="1901217339"/>
-      </p:ext>
-    </p:extLst>
   </p:cSld>
   <p:clrMapOvr>
     <a:masterClrMapping/>
@@ -3863,18 +3575,12 @@
       </p:grpSpPr>
       <p:sp>
         <p:nvSpPr>
-          <p:cNvPr id="2" name="Title 1">
-            <a:extLst>
-              <a:ext uri="{FF2B5EF4-FFF2-40B4-BE49-F238E27FC236}">
-                <a16:creationId xmlns:a16="http://schemas.microsoft.com/office/drawing/2014/main" id="{2E42FE79-D5BE-43E8-B6C5-2675B7F4D818}"/>
-              </a:ext>
-            </a:extLst>
-          </p:cNvPr>
+          <p:cNvPr id="2" name="Title 1"/>
           <p:cNvSpPr>
             <a:spLocks noGrp="1"/>
           </p:cNvSpPr>
           <p:nvPr>
-            <p:ph type="title"/>
+            <p:ph type="title" hasCustomPrompt="1"/>
           </p:nvPr>
         </p:nvSpPr>
         <p:spPr>
@@ -3897,18 +3603,12 @@
       </p:sp>
       <p:sp>
         <p:nvSpPr>
-          <p:cNvPr id="3" name="Text Placeholder 2">
-            <a:extLst>
-              <a:ext uri="{FF2B5EF4-FFF2-40B4-BE49-F238E27FC236}">
-                <a16:creationId xmlns:a16="http://schemas.microsoft.com/office/drawing/2014/main" id="{F69D3A07-BA51-4113-902E-830A887D2394}"/>
-              </a:ext>
-            </a:extLst>
-          </p:cNvPr>
+          <p:cNvPr id="3" name="Text Placeholder 2"/>
           <p:cNvSpPr>
             <a:spLocks noGrp="1"/>
           </p:cNvSpPr>
           <p:nvPr>
-            <p:ph type="body" idx="1"/>
+            <p:ph type="body" idx="1" hasCustomPrompt="1"/>
           </p:nvPr>
         </p:nvSpPr>
         <p:spPr>
@@ -3963,23 +3663,18 @@
               <a:rPr lang="tr-TR"/>
               <a:t>Asıl metin stillerini düzenlemek için tıklayın</a:t>
             </a:r>
+            <a:endParaRPr lang="tr-TR"/>
           </a:p>
         </p:txBody>
       </p:sp>
       <p:sp>
         <p:nvSpPr>
-          <p:cNvPr id="4" name="Content Placeholder 3">
-            <a:extLst>
-              <a:ext uri="{FF2B5EF4-FFF2-40B4-BE49-F238E27FC236}">
-                <a16:creationId xmlns:a16="http://schemas.microsoft.com/office/drawing/2014/main" id="{28E320A9-E274-4E1B-B02D-9A3F510A1F22}"/>
-              </a:ext>
-            </a:extLst>
-          </p:cNvPr>
+          <p:cNvPr id="4" name="Content Placeholder 3"/>
           <p:cNvSpPr>
             <a:spLocks noGrp="1"/>
           </p:cNvSpPr>
           <p:nvPr>
-            <p:ph sz="half" idx="2"/>
+            <p:ph sz="half" idx="2" hasCustomPrompt="1"/>
           </p:nvPr>
         </p:nvSpPr>
         <p:spPr>
@@ -3997,6 +3692,7 @@
               <a:rPr lang="tr-TR"/>
               <a:t>Asıl metin stillerini düzenlemek için tıklayın</a:t>
             </a:r>
+            <a:endParaRPr lang="tr-TR"/>
           </a:p>
           <a:p>
             <a:pPr lvl="1"/>
@@ -4004,6 +3700,7 @@
               <a:rPr lang="tr-TR"/>
               <a:t>İkinci düzey</a:t>
             </a:r>
+            <a:endParaRPr lang="tr-TR"/>
           </a:p>
           <a:p>
             <a:pPr lvl="2"/>
@@ -4011,6 +3708,7 @@
               <a:rPr lang="tr-TR"/>
               <a:t>Üçüncü düzey</a:t>
             </a:r>
+            <a:endParaRPr lang="tr-TR"/>
           </a:p>
           <a:p>
             <a:pPr lvl="3"/>
@@ -4018,6 +3716,7 @@
               <a:rPr lang="tr-TR"/>
               <a:t>Dördüncü düzey</a:t>
             </a:r>
+            <a:endParaRPr lang="tr-TR"/>
           </a:p>
           <a:p>
             <a:pPr lvl="4"/>
@@ -4031,18 +3730,12 @@
       </p:sp>
       <p:sp>
         <p:nvSpPr>
-          <p:cNvPr id="5" name="Text Placeholder 4">
-            <a:extLst>
-              <a:ext uri="{FF2B5EF4-FFF2-40B4-BE49-F238E27FC236}">
-                <a16:creationId xmlns:a16="http://schemas.microsoft.com/office/drawing/2014/main" id="{DBE80D3A-C2A8-4B78-B7E2-4908C74B1C43}"/>
-              </a:ext>
-            </a:extLst>
-          </p:cNvPr>
+          <p:cNvPr id="5" name="Text Placeholder 4"/>
           <p:cNvSpPr>
             <a:spLocks noGrp="1"/>
           </p:cNvSpPr>
           <p:nvPr>
-            <p:ph type="body" sz="quarter" idx="3"/>
+            <p:ph type="body" sz="quarter" idx="3" hasCustomPrompt="1"/>
           </p:nvPr>
         </p:nvSpPr>
         <p:spPr>
@@ -4097,23 +3790,18 @@
               <a:rPr lang="tr-TR"/>
               <a:t>Asıl metin stillerini düzenlemek için tıklayın</a:t>
             </a:r>
+            <a:endParaRPr lang="tr-TR"/>
           </a:p>
         </p:txBody>
       </p:sp>
       <p:sp>
         <p:nvSpPr>
-          <p:cNvPr id="6" name="Content Placeholder 5">
-            <a:extLst>
-              <a:ext uri="{FF2B5EF4-FFF2-40B4-BE49-F238E27FC236}">
-                <a16:creationId xmlns:a16="http://schemas.microsoft.com/office/drawing/2014/main" id="{FC5D84DD-9460-4B08-86AD-27486A940047}"/>
-              </a:ext>
-            </a:extLst>
-          </p:cNvPr>
+          <p:cNvPr id="6" name="Content Placeholder 5"/>
           <p:cNvSpPr>
             <a:spLocks noGrp="1"/>
           </p:cNvSpPr>
           <p:nvPr>
-            <p:ph sz="quarter" idx="4"/>
+            <p:ph sz="quarter" idx="4" hasCustomPrompt="1"/>
           </p:nvPr>
         </p:nvSpPr>
         <p:spPr>
@@ -4131,6 +3819,7 @@
               <a:rPr lang="tr-TR"/>
               <a:t>Asıl metin stillerini düzenlemek için tıklayın</a:t>
             </a:r>
+            <a:endParaRPr lang="tr-TR"/>
           </a:p>
           <a:p>
             <a:pPr lvl="1"/>
@@ -4138,6 +3827,7 @@
               <a:rPr lang="tr-TR"/>
               <a:t>İkinci düzey</a:t>
             </a:r>
+            <a:endParaRPr lang="tr-TR"/>
           </a:p>
           <a:p>
             <a:pPr lvl="2"/>
@@ -4145,6 +3835,7 @@
               <a:rPr lang="tr-TR"/>
               <a:t>Üçüncü düzey</a:t>
             </a:r>
+            <a:endParaRPr lang="tr-TR"/>
           </a:p>
           <a:p>
             <a:pPr lvl="3"/>
@@ -4152,6 +3843,7 @@
               <a:rPr lang="tr-TR"/>
               <a:t>Dördüncü düzey</a:t>
             </a:r>
+            <a:endParaRPr lang="tr-TR"/>
           </a:p>
           <a:p>
             <a:pPr lvl="4"/>
@@ -4165,13 +3857,7 @@
       </p:sp>
       <p:sp>
         <p:nvSpPr>
-          <p:cNvPr id="7" name="Date Placeholder 6">
-            <a:extLst>
-              <a:ext uri="{FF2B5EF4-FFF2-40B4-BE49-F238E27FC236}">
-                <a16:creationId xmlns:a16="http://schemas.microsoft.com/office/drawing/2014/main" id="{E4B0B7F8-282C-4210-AE7D-F35228BAC803}"/>
-              </a:ext>
-            </a:extLst>
-          </p:cNvPr>
+          <p:cNvPr id="7" name="Date Placeholder 6"/>
           <p:cNvSpPr>
             <a:spLocks noGrp="1"/>
           </p:cNvSpPr>
@@ -4186,7 +3872,6 @@
           <a:p>
             <a:fld id="{C038239F-46F2-440C-87B3-439CF39309D8}" type="datetimeFigureOut">
               <a:rPr lang="en-US" smtClean="0"/>
-              <a:t>4/28/2022</a:t>
             </a:fld>
             <a:endParaRPr lang="en-US"/>
           </a:p>
@@ -4194,13 +3879,7 @@
       </p:sp>
       <p:sp>
         <p:nvSpPr>
-          <p:cNvPr id="8" name="Footer Placeholder 7">
-            <a:extLst>
-              <a:ext uri="{FF2B5EF4-FFF2-40B4-BE49-F238E27FC236}">
-                <a16:creationId xmlns:a16="http://schemas.microsoft.com/office/drawing/2014/main" id="{FAE343A9-1067-4DCF-BACC-1F7F38050226}"/>
-              </a:ext>
-            </a:extLst>
-          </p:cNvPr>
+          <p:cNvPr id="8" name="Footer Placeholder 7"/>
           <p:cNvSpPr>
             <a:spLocks noGrp="1"/>
           </p:cNvSpPr>
@@ -4219,13 +3898,7 @@
       </p:sp>
       <p:sp>
         <p:nvSpPr>
-          <p:cNvPr id="9" name="Slide Number Placeholder 8">
-            <a:extLst>
-              <a:ext uri="{FF2B5EF4-FFF2-40B4-BE49-F238E27FC236}">
-                <a16:creationId xmlns:a16="http://schemas.microsoft.com/office/drawing/2014/main" id="{0F84E471-04DB-4DB5-8CC5-16B3FC88509D}"/>
-              </a:ext>
-            </a:extLst>
-          </p:cNvPr>
+          <p:cNvPr id="9" name="Slide Number Placeholder 8"/>
           <p:cNvSpPr>
             <a:spLocks noGrp="1"/>
           </p:cNvSpPr>
@@ -4240,18 +3913,12 @@
           <a:p>
             <a:fld id="{D44166A1-4052-4BFE-909D-8B73B201D64E}" type="slidenum">
               <a:rPr lang="en-US" smtClean="0"/>
-              <a:t>‹#›</a:t>
             </a:fld>
             <a:endParaRPr lang="en-US"/>
           </a:p>
         </p:txBody>
       </p:sp>
     </p:spTree>
-    <p:extLst>
-      <p:ext uri="{BB962C8B-B14F-4D97-AF65-F5344CB8AC3E}">
-        <p14:creationId xmlns:p14="http://schemas.microsoft.com/office/powerpoint/2010/main" val="3519468175"/>
-      </p:ext>
-    </p:extLst>
   </p:cSld>
   <p:clrMapOvr>
     <a:masterClrMapping/>
@@ -4278,18 +3945,12 @@
       </p:grpSpPr>
       <p:sp>
         <p:nvSpPr>
-          <p:cNvPr id="2" name="Title 1">
-            <a:extLst>
-              <a:ext uri="{FF2B5EF4-FFF2-40B4-BE49-F238E27FC236}">
-                <a16:creationId xmlns:a16="http://schemas.microsoft.com/office/drawing/2014/main" id="{766D87C0-272E-4E50-A316-78079B2B923E}"/>
-              </a:ext>
-            </a:extLst>
-          </p:cNvPr>
+          <p:cNvPr id="2" name="Title 1"/>
           <p:cNvSpPr>
             <a:spLocks noGrp="1"/>
           </p:cNvSpPr>
           <p:nvPr>
-            <p:ph type="title"/>
+            <p:ph type="title" hasCustomPrompt="1"/>
           </p:nvPr>
         </p:nvSpPr>
         <p:spPr>
@@ -4312,13 +3973,7 @@
       </p:sp>
       <p:sp>
         <p:nvSpPr>
-          <p:cNvPr id="3" name="Date Placeholder 2">
-            <a:extLst>
-              <a:ext uri="{FF2B5EF4-FFF2-40B4-BE49-F238E27FC236}">
-                <a16:creationId xmlns:a16="http://schemas.microsoft.com/office/drawing/2014/main" id="{F906C1C9-1F69-432A-858C-D828B56E1659}"/>
-              </a:ext>
-            </a:extLst>
-          </p:cNvPr>
+          <p:cNvPr id="3" name="Date Placeholder 2"/>
           <p:cNvSpPr>
             <a:spLocks noGrp="1"/>
           </p:cNvSpPr>
@@ -4333,7 +3988,6 @@
           <a:p>
             <a:fld id="{C038239F-46F2-440C-87B3-439CF39309D8}" type="datetimeFigureOut">
               <a:rPr lang="en-US" smtClean="0"/>
-              <a:t>4/28/2022</a:t>
             </a:fld>
             <a:endParaRPr lang="en-US"/>
           </a:p>
@@ -4341,13 +3995,7 @@
       </p:sp>
       <p:sp>
         <p:nvSpPr>
-          <p:cNvPr id="4" name="Footer Placeholder 3">
-            <a:extLst>
-              <a:ext uri="{FF2B5EF4-FFF2-40B4-BE49-F238E27FC236}">
-                <a16:creationId xmlns:a16="http://schemas.microsoft.com/office/drawing/2014/main" id="{BD6D9A1B-D149-4B97-B161-3D7C9ADBCF78}"/>
-              </a:ext>
-            </a:extLst>
-          </p:cNvPr>
+          <p:cNvPr id="4" name="Footer Placeholder 3"/>
           <p:cNvSpPr>
             <a:spLocks noGrp="1"/>
           </p:cNvSpPr>
@@ -4366,13 +4014,7 @@
       </p:sp>
       <p:sp>
         <p:nvSpPr>
-          <p:cNvPr id="5" name="Slide Number Placeholder 4">
-            <a:extLst>
-              <a:ext uri="{FF2B5EF4-FFF2-40B4-BE49-F238E27FC236}">
-                <a16:creationId xmlns:a16="http://schemas.microsoft.com/office/drawing/2014/main" id="{7AB3722F-8C88-4E54-8CD6-12D31A05F813}"/>
-              </a:ext>
-            </a:extLst>
-          </p:cNvPr>
+          <p:cNvPr id="5" name="Slide Number Placeholder 4"/>
           <p:cNvSpPr>
             <a:spLocks noGrp="1"/>
           </p:cNvSpPr>
@@ -4387,18 +4029,12 @@
           <a:p>
             <a:fld id="{D44166A1-4052-4BFE-909D-8B73B201D64E}" type="slidenum">
               <a:rPr lang="en-US" smtClean="0"/>
-              <a:t>‹#›</a:t>
             </a:fld>
             <a:endParaRPr lang="en-US"/>
           </a:p>
         </p:txBody>
       </p:sp>
     </p:spTree>
-    <p:extLst>
-      <p:ext uri="{BB962C8B-B14F-4D97-AF65-F5344CB8AC3E}">
-        <p14:creationId xmlns:p14="http://schemas.microsoft.com/office/powerpoint/2010/main" val="3484412951"/>
-      </p:ext>
-    </p:extLst>
   </p:cSld>
   <p:clrMapOvr>
     <a:masterClrMapping/>
@@ -4425,13 +4061,7 @@
       </p:grpSpPr>
       <p:sp>
         <p:nvSpPr>
-          <p:cNvPr id="2" name="Date Placeholder 1">
-            <a:extLst>
-              <a:ext uri="{FF2B5EF4-FFF2-40B4-BE49-F238E27FC236}">
-                <a16:creationId xmlns:a16="http://schemas.microsoft.com/office/drawing/2014/main" id="{C0E1B4EE-6DFC-45F3-9174-D913EB57CB9D}"/>
-              </a:ext>
-            </a:extLst>
-          </p:cNvPr>
+          <p:cNvPr id="2" name="Date Placeholder 1"/>
           <p:cNvSpPr>
             <a:spLocks noGrp="1"/>
           </p:cNvSpPr>
@@ -4446,7 +4076,6 @@
           <a:p>
             <a:fld id="{C038239F-46F2-440C-87B3-439CF39309D8}" type="datetimeFigureOut">
               <a:rPr lang="en-US" smtClean="0"/>
-              <a:t>4/28/2022</a:t>
             </a:fld>
             <a:endParaRPr lang="en-US"/>
           </a:p>
@@ -4454,13 +4083,7 @@
       </p:sp>
       <p:sp>
         <p:nvSpPr>
-          <p:cNvPr id="3" name="Footer Placeholder 2">
-            <a:extLst>
-              <a:ext uri="{FF2B5EF4-FFF2-40B4-BE49-F238E27FC236}">
-                <a16:creationId xmlns:a16="http://schemas.microsoft.com/office/drawing/2014/main" id="{0BF7F7DC-6DDE-4337-AD27-BBE7D5422483}"/>
-              </a:ext>
-            </a:extLst>
-          </p:cNvPr>
+          <p:cNvPr id="3" name="Footer Placeholder 2"/>
           <p:cNvSpPr>
             <a:spLocks noGrp="1"/>
           </p:cNvSpPr>
@@ -4479,13 +4102,7 @@
       </p:sp>
       <p:sp>
         <p:nvSpPr>
-          <p:cNvPr id="4" name="Slide Number Placeholder 3">
-            <a:extLst>
-              <a:ext uri="{FF2B5EF4-FFF2-40B4-BE49-F238E27FC236}">
-                <a16:creationId xmlns:a16="http://schemas.microsoft.com/office/drawing/2014/main" id="{CCC58EA9-3AC4-421E-B133-1FA7757DF8BA}"/>
-              </a:ext>
-            </a:extLst>
-          </p:cNvPr>
+          <p:cNvPr id="4" name="Slide Number Placeholder 3"/>
           <p:cNvSpPr>
             <a:spLocks noGrp="1"/>
           </p:cNvSpPr>
@@ -4500,18 +4117,12 @@
           <a:p>
             <a:fld id="{D44166A1-4052-4BFE-909D-8B73B201D64E}" type="slidenum">
               <a:rPr lang="en-US" smtClean="0"/>
-              <a:t>‹#›</a:t>
             </a:fld>
             <a:endParaRPr lang="en-US"/>
           </a:p>
         </p:txBody>
       </p:sp>
     </p:spTree>
-    <p:extLst>
-      <p:ext uri="{BB962C8B-B14F-4D97-AF65-F5344CB8AC3E}">
-        <p14:creationId xmlns:p14="http://schemas.microsoft.com/office/powerpoint/2010/main" val="3924794748"/>
-      </p:ext>
-    </p:extLst>
   </p:cSld>
   <p:clrMapOvr>
     <a:masterClrMapping/>
@@ -4538,18 +4149,12 @@
       </p:grpSpPr>
       <p:sp>
         <p:nvSpPr>
-          <p:cNvPr id="2" name="Title 1">
-            <a:extLst>
-              <a:ext uri="{FF2B5EF4-FFF2-40B4-BE49-F238E27FC236}">
-                <a16:creationId xmlns:a16="http://schemas.microsoft.com/office/drawing/2014/main" id="{B9E035BB-74CC-43E9-B71F-A5C05D17EB78}"/>
-              </a:ext>
-            </a:extLst>
-          </p:cNvPr>
+          <p:cNvPr id="2" name="Title 1"/>
           <p:cNvSpPr>
             <a:spLocks noGrp="1"/>
           </p:cNvSpPr>
           <p:nvPr>
-            <p:ph type="title"/>
+            <p:ph type="title" hasCustomPrompt="1"/>
           </p:nvPr>
         </p:nvSpPr>
         <p:spPr>
@@ -4578,18 +4183,12 @@
       </p:sp>
       <p:sp>
         <p:nvSpPr>
-          <p:cNvPr id="3" name="Content Placeholder 2">
-            <a:extLst>
-              <a:ext uri="{FF2B5EF4-FFF2-40B4-BE49-F238E27FC236}">
-                <a16:creationId xmlns:a16="http://schemas.microsoft.com/office/drawing/2014/main" id="{DCAADC9E-7845-4DB1-87E3-6FBFB2B03B8A}"/>
-              </a:ext>
-            </a:extLst>
-          </p:cNvPr>
+          <p:cNvPr id="3" name="Content Placeholder 2"/>
           <p:cNvSpPr>
             <a:spLocks noGrp="1"/>
           </p:cNvSpPr>
           <p:nvPr>
-            <p:ph idx="1"/>
+            <p:ph idx="1" hasCustomPrompt="1"/>
           </p:nvPr>
         </p:nvSpPr>
         <p:spPr>
@@ -4637,6 +4236,7 @@
               <a:rPr lang="tr-TR"/>
               <a:t>Asıl metin stillerini düzenlemek için tıklayın</a:t>
             </a:r>
+            <a:endParaRPr lang="tr-TR"/>
           </a:p>
           <a:p>
             <a:pPr lvl="1"/>
@@ -4644,6 +4244,7 @@
               <a:rPr lang="tr-TR"/>
               <a:t>İkinci düzey</a:t>
             </a:r>
+            <a:endParaRPr lang="tr-TR"/>
           </a:p>
           <a:p>
             <a:pPr lvl="2"/>
@@ -4651,6 +4252,7 @@
               <a:rPr lang="tr-TR"/>
               <a:t>Üçüncü düzey</a:t>
             </a:r>
+            <a:endParaRPr lang="tr-TR"/>
           </a:p>
           <a:p>
             <a:pPr lvl="3"/>
@@ -4658,6 +4260,7 @@
               <a:rPr lang="tr-TR"/>
               <a:t>Dördüncü düzey</a:t>
             </a:r>
+            <a:endParaRPr lang="tr-TR"/>
           </a:p>
           <a:p>
             <a:pPr lvl="4"/>
@@ -4671,18 +4274,12 @@
       </p:sp>
       <p:sp>
         <p:nvSpPr>
-          <p:cNvPr id="4" name="Text Placeholder 3">
-            <a:extLst>
-              <a:ext uri="{FF2B5EF4-FFF2-40B4-BE49-F238E27FC236}">
-                <a16:creationId xmlns:a16="http://schemas.microsoft.com/office/drawing/2014/main" id="{75C925A8-2A07-43B9-B549-061F3684986B}"/>
-              </a:ext>
-            </a:extLst>
-          </p:cNvPr>
+          <p:cNvPr id="4" name="Text Placeholder 3"/>
           <p:cNvSpPr>
             <a:spLocks noGrp="1"/>
           </p:cNvSpPr>
           <p:nvPr>
-            <p:ph type="body" sz="half" idx="2"/>
+            <p:ph type="body" sz="half" idx="2" hasCustomPrompt="1"/>
           </p:nvPr>
         </p:nvSpPr>
         <p:spPr>
@@ -4739,18 +4336,13 @@
               <a:rPr lang="tr-TR"/>
               <a:t>Asıl metin stillerini düzenlemek için tıklayın</a:t>
             </a:r>
+            <a:endParaRPr lang="tr-TR"/>
           </a:p>
         </p:txBody>
       </p:sp>
       <p:sp>
         <p:nvSpPr>
-          <p:cNvPr id="5" name="Date Placeholder 4">
-            <a:extLst>
-              <a:ext uri="{FF2B5EF4-FFF2-40B4-BE49-F238E27FC236}">
-                <a16:creationId xmlns:a16="http://schemas.microsoft.com/office/drawing/2014/main" id="{F31A9037-0564-43A1-8156-1D9932E1F85F}"/>
-              </a:ext>
-            </a:extLst>
-          </p:cNvPr>
+          <p:cNvPr id="5" name="Date Placeholder 4"/>
           <p:cNvSpPr>
             <a:spLocks noGrp="1"/>
           </p:cNvSpPr>
@@ -4765,7 +4357,6 @@
           <a:p>
             <a:fld id="{C038239F-46F2-440C-87B3-439CF39309D8}" type="datetimeFigureOut">
               <a:rPr lang="en-US" smtClean="0"/>
-              <a:t>4/28/2022</a:t>
             </a:fld>
             <a:endParaRPr lang="en-US"/>
           </a:p>
@@ -4773,13 +4364,7 @@
       </p:sp>
       <p:sp>
         <p:nvSpPr>
-          <p:cNvPr id="6" name="Footer Placeholder 5">
-            <a:extLst>
-              <a:ext uri="{FF2B5EF4-FFF2-40B4-BE49-F238E27FC236}">
-                <a16:creationId xmlns:a16="http://schemas.microsoft.com/office/drawing/2014/main" id="{CBFF0D40-D0E1-49C9-BE47-91BBC50AB2BE}"/>
-              </a:ext>
-            </a:extLst>
-          </p:cNvPr>
+          <p:cNvPr id="6" name="Footer Placeholder 5"/>
           <p:cNvSpPr>
             <a:spLocks noGrp="1"/>
           </p:cNvSpPr>
@@ -4798,13 +4383,7 @@
       </p:sp>
       <p:sp>
         <p:nvSpPr>
-          <p:cNvPr id="7" name="Slide Number Placeholder 6">
-            <a:extLst>
-              <a:ext uri="{FF2B5EF4-FFF2-40B4-BE49-F238E27FC236}">
-                <a16:creationId xmlns:a16="http://schemas.microsoft.com/office/drawing/2014/main" id="{C4D129BD-890D-412E-9805-D29F4A0D3622}"/>
-              </a:ext>
-            </a:extLst>
-          </p:cNvPr>
+          <p:cNvPr id="7" name="Slide Number Placeholder 6"/>
           <p:cNvSpPr>
             <a:spLocks noGrp="1"/>
           </p:cNvSpPr>
@@ -4819,18 +4398,12 @@
           <a:p>
             <a:fld id="{D44166A1-4052-4BFE-909D-8B73B201D64E}" type="slidenum">
               <a:rPr lang="en-US" smtClean="0"/>
-              <a:t>‹#›</a:t>
             </a:fld>
             <a:endParaRPr lang="en-US"/>
           </a:p>
         </p:txBody>
       </p:sp>
     </p:spTree>
-    <p:extLst>
-      <p:ext uri="{BB962C8B-B14F-4D97-AF65-F5344CB8AC3E}">
-        <p14:creationId xmlns:p14="http://schemas.microsoft.com/office/powerpoint/2010/main" val="991343197"/>
-      </p:ext>
-    </p:extLst>
   </p:cSld>
   <p:clrMapOvr>
     <a:masterClrMapping/>
@@ -4857,18 +4430,12 @@
       </p:grpSpPr>
       <p:sp>
         <p:nvSpPr>
-          <p:cNvPr id="2" name="Title 1">
-            <a:extLst>
-              <a:ext uri="{FF2B5EF4-FFF2-40B4-BE49-F238E27FC236}">
-                <a16:creationId xmlns:a16="http://schemas.microsoft.com/office/drawing/2014/main" id="{1D78ADB4-BA7B-42C2-9C6C-58B2763F8617}"/>
-              </a:ext>
-            </a:extLst>
-          </p:cNvPr>
+          <p:cNvPr id="2" name="Title 1"/>
           <p:cNvSpPr>
             <a:spLocks noGrp="1"/>
           </p:cNvSpPr>
           <p:nvPr>
-            <p:ph type="title"/>
+            <p:ph type="title" hasCustomPrompt="1"/>
           </p:nvPr>
         </p:nvSpPr>
         <p:spPr>
@@ -4895,18 +4462,12 @@
       </p:sp>
       <p:sp>
         <p:nvSpPr>
-          <p:cNvPr id="3" name="Picture Placeholder 2">
-            <a:extLst>
-              <a:ext uri="{FF2B5EF4-FFF2-40B4-BE49-F238E27FC236}">
-                <a16:creationId xmlns:a16="http://schemas.microsoft.com/office/drawing/2014/main" id="{E9519B58-B546-4E6B-BE00-3D1D64DA8699}"/>
-              </a:ext>
-            </a:extLst>
-          </p:cNvPr>
+          <p:cNvPr id="3" name="Picture Placeholder 2"/>
           <p:cNvSpPr>
             <a:spLocks noGrp="1"/>
           </p:cNvSpPr>
           <p:nvPr>
-            <p:ph type="pic" idx="1"/>
+            <p:ph type="pic" idx="1" hasCustomPrompt="1"/>
           </p:nvPr>
         </p:nvSpPr>
         <p:spPr>
@@ -4966,18 +4527,12 @@
       </p:sp>
       <p:sp>
         <p:nvSpPr>
-          <p:cNvPr id="4" name="Text Placeholder 3">
-            <a:extLst>
-              <a:ext uri="{FF2B5EF4-FFF2-40B4-BE49-F238E27FC236}">
-                <a16:creationId xmlns:a16="http://schemas.microsoft.com/office/drawing/2014/main" id="{3FAA0AB8-41A9-4548-9B83-3EFF79A00793}"/>
-              </a:ext>
-            </a:extLst>
-          </p:cNvPr>
+          <p:cNvPr id="4" name="Text Placeholder 3"/>
           <p:cNvSpPr>
             <a:spLocks noGrp="1"/>
           </p:cNvSpPr>
           <p:nvPr>
-            <p:ph type="body" sz="half" idx="2"/>
+            <p:ph type="body" sz="half" idx="2" hasCustomPrompt="1"/>
           </p:nvPr>
         </p:nvSpPr>
         <p:spPr>
@@ -5034,18 +4589,13 @@
               <a:rPr lang="tr-TR"/>
               <a:t>Asıl metin stillerini düzenlemek için tıklayın</a:t>
             </a:r>
+            <a:endParaRPr lang="tr-TR"/>
           </a:p>
         </p:txBody>
       </p:sp>
       <p:sp>
         <p:nvSpPr>
-          <p:cNvPr id="5" name="Date Placeholder 4">
-            <a:extLst>
-              <a:ext uri="{FF2B5EF4-FFF2-40B4-BE49-F238E27FC236}">
-                <a16:creationId xmlns:a16="http://schemas.microsoft.com/office/drawing/2014/main" id="{63BB33ED-A015-4992-A004-33D41CFFADA1}"/>
-              </a:ext>
-            </a:extLst>
-          </p:cNvPr>
+          <p:cNvPr id="5" name="Date Placeholder 4"/>
           <p:cNvSpPr>
             <a:spLocks noGrp="1"/>
           </p:cNvSpPr>
@@ -5060,7 +4610,6 @@
           <a:p>
             <a:fld id="{C038239F-46F2-440C-87B3-439CF39309D8}" type="datetimeFigureOut">
               <a:rPr lang="en-US" smtClean="0"/>
-              <a:t>4/28/2022</a:t>
             </a:fld>
             <a:endParaRPr lang="en-US"/>
           </a:p>
@@ -5068,13 +4617,7 @@
       </p:sp>
       <p:sp>
         <p:nvSpPr>
-          <p:cNvPr id="6" name="Footer Placeholder 5">
-            <a:extLst>
-              <a:ext uri="{FF2B5EF4-FFF2-40B4-BE49-F238E27FC236}">
-                <a16:creationId xmlns:a16="http://schemas.microsoft.com/office/drawing/2014/main" id="{D3C29CDA-E85F-47D1-83B7-02A50DEBFD3F}"/>
-              </a:ext>
-            </a:extLst>
-          </p:cNvPr>
+          <p:cNvPr id="6" name="Footer Placeholder 5"/>
           <p:cNvSpPr>
             <a:spLocks noGrp="1"/>
           </p:cNvSpPr>
@@ -5093,13 +4636,7 @@
       </p:sp>
       <p:sp>
         <p:nvSpPr>
-          <p:cNvPr id="7" name="Slide Number Placeholder 6">
-            <a:extLst>
-              <a:ext uri="{FF2B5EF4-FFF2-40B4-BE49-F238E27FC236}">
-                <a16:creationId xmlns:a16="http://schemas.microsoft.com/office/drawing/2014/main" id="{1749625F-5352-4136-8AC4-F8899D00A1A9}"/>
-              </a:ext>
-            </a:extLst>
-          </p:cNvPr>
+          <p:cNvPr id="7" name="Slide Number Placeholder 6"/>
           <p:cNvSpPr>
             <a:spLocks noGrp="1"/>
           </p:cNvSpPr>
@@ -5114,18 +4651,12 @@
           <a:p>
             <a:fld id="{D44166A1-4052-4BFE-909D-8B73B201D64E}" type="slidenum">
               <a:rPr lang="en-US" smtClean="0"/>
-              <a:t>‹#›</a:t>
             </a:fld>
             <a:endParaRPr lang="en-US"/>
           </a:p>
         </p:txBody>
       </p:sp>
     </p:spTree>
-    <p:extLst>
-      <p:ext uri="{BB962C8B-B14F-4D97-AF65-F5344CB8AC3E}">
-        <p14:creationId xmlns:p14="http://schemas.microsoft.com/office/powerpoint/2010/main" val="566365217"/>
-      </p:ext>
-    </p:extLst>
   </p:cSld>
   <p:clrMapOvr>
     <a:masterClrMapping/>
@@ -5157,13 +4688,7 @@
       </p:grpSpPr>
       <p:sp useBgFill="1">
         <p:nvSpPr>
-          <p:cNvPr id="39" name="Rectangle 38">
-            <a:extLst>
-              <a:ext uri="{FF2B5EF4-FFF2-40B4-BE49-F238E27FC236}">
-                <a16:creationId xmlns:a16="http://schemas.microsoft.com/office/drawing/2014/main" id="{99B5B3C5-A599-465B-B2B9-866E8B2087CE}"/>
-              </a:ext>
-            </a:extLst>
-          </p:cNvPr>
+          <p:cNvPr id="39" name="Rectangle 38"/>
           <p:cNvSpPr/>
           <p:nvPr/>
         </p:nvSpPr>
@@ -5206,13 +4731,7 @@
       </p:sp>
       <p:sp>
         <p:nvSpPr>
-          <p:cNvPr id="41" name="Rectangle 40">
-            <a:extLst>
-              <a:ext uri="{FF2B5EF4-FFF2-40B4-BE49-F238E27FC236}">
-                <a16:creationId xmlns:a16="http://schemas.microsoft.com/office/drawing/2014/main" id="{25C84982-7DD0-43B1-8A2D-BFA4DF1B4E60}"/>
-              </a:ext>
-            </a:extLst>
-          </p:cNvPr>
+          <p:cNvPr id="41" name="Rectangle 40"/>
           <p:cNvSpPr/>
           <p:nvPr/>
         </p:nvSpPr>
@@ -5263,13 +4782,7 @@
       </p:sp>
       <p:grpSp>
         <p:nvGrpSpPr>
-          <p:cNvPr id="8" name="Decorative Circles">
-            <a:extLst>
-              <a:ext uri="{FF2B5EF4-FFF2-40B4-BE49-F238E27FC236}">
-                <a16:creationId xmlns:a16="http://schemas.microsoft.com/office/drawing/2014/main" id="{1D912E1C-3BBA-42F0-A3EE-FEC382E7230A}"/>
-              </a:ext>
-            </a:extLst>
-          </p:cNvPr>
+          <p:cNvPr id="8" name="Decorative Circles"/>
           <p:cNvGrpSpPr/>
           <p:nvPr/>
         </p:nvGrpSpPr>
@@ -5283,13 +4796,7 @@
         </p:grpSpPr>
         <p:sp>
           <p:nvSpPr>
-            <p:cNvPr id="21" name="Oval 20">
-              <a:extLst>
-                <a:ext uri="{FF2B5EF4-FFF2-40B4-BE49-F238E27FC236}">
-                  <a16:creationId xmlns:a16="http://schemas.microsoft.com/office/drawing/2014/main" id="{2FEEAC76-E273-46A8-8F8E-CE59860FE70D}"/>
-                </a:ext>
-              </a:extLst>
-            </p:cNvPr>
+            <p:cNvPr id="21" name="Oval 20"/>
             <p:cNvSpPr/>
             <p:nvPr/>
           </p:nvSpPr>
@@ -5339,13 +4846,7 @@
         </p:sp>
         <p:sp>
           <p:nvSpPr>
-            <p:cNvPr id="25" name="Oval 24">
-              <a:extLst>
-                <a:ext uri="{FF2B5EF4-FFF2-40B4-BE49-F238E27FC236}">
-                  <a16:creationId xmlns:a16="http://schemas.microsoft.com/office/drawing/2014/main" id="{76594A0E-9400-45AD-A431-1DA1C0B28966}"/>
-                </a:ext>
-              </a:extLst>
-            </p:cNvPr>
+            <p:cNvPr id="25" name="Oval 24"/>
             <p:cNvSpPr/>
             <p:nvPr/>
           </p:nvSpPr>
@@ -5393,13 +4894,7 @@
         </p:sp>
         <p:sp>
           <p:nvSpPr>
-            <p:cNvPr id="31" name="Oval 30">
-              <a:extLst>
-                <a:ext uri="{FF2B5EF4-FFF2-40B4-BE49-F238E27FC236}">
-                  <a16:creationId xmlns:a16="http://schemas.microsoft.com/office/drawing/2014/main" id="{20916D6C-D32F-42B6-8512-CD5EDB8F2B9B}"/>
-                </a:ext>
-              </a:extLst>
-            </p:cNvPr>
+            <p:cNvPr id="31" name="Oval 30"/>
             <p:cNvSpPr/>
             <p:nvPr/>
           </p:nvSpPr>
@@ -5449,13 +4944,7 @@
         </p:sp>
         <p:sp>
           <p:nvSpPr>
-            <p:cNvPr id="7" name="Oval 6">
-              <a:extLst>
-                <a:ext uri="{FF2B5EF4-FFF2-40B4-BE49-F238E27FC236}">
-                  <a16:creationId xmlns:a16="http://schemas.microsoft.com/office/drawing/2014/main" id="{3834846D-59C6-40F4-907C-F1A4689B58F1}"/>
-                </a:ext>
-              </a:extLst>
-            </p:cNvPr>
+            <p:cNvPr id="7" name="Oval 6"/>
             <p:cNvSpPr/>
             <p:nvPr/>
           </p:nvSpPr>
@@ -5503,13 +4992,7 @@
         </p:sp>
         <p:sp>
           <p:nvSpPr>
-            <p:cNvPr id="47" name="Oval 46">
-              <a:extLst>
-                <a:ext uri="{FF2B5EF4-FFF2-40B4-BE49-F238E27FC236}">
-                  <a16:creationId xmlns:a16="http://schemas.microsoft.com/office/drawing/2014/main" id="{5A257CDF-2E36-4DC7-8EE4-5CD8F8ECAC87}"/>
-                </a:ext>
-              </a:extLst>
-            </p:cNvPr>
+            <p:cNvPr id="47" name="Oval 46"/>
             <p:cNvSpPr/>
             <p:nvPr/>
           </p:nvSpPr>
@@ -5559,13 +5042,7 @@
         </p:sp>
         <p:sp>
           <p:nvSpPr>
-            <p:cNvPr id="48" name="Oval 47">
-              <a:extLst>
-                <a:ext uri="{FF2B5EF4-FFF2-40B4-BE49-F238E27FC236}">
-                  <a16:creationId xmlns:a16="http://schemas.microsoft.com/office/drawing/2014/main" id="{D5B26E0E-A115-4AE2-82D8-76BB93CC494F}"/>
-                </a:ext>
-              </a:extLst>
-            </p:cNvPr>
+            <p:cNvPr id="48" name="Oval 47"/>
             <p:cNvSpPr/>
             <p:nvPr/>
           </p:nvSpPr>
@@ -5611,13 +5088,7 @@
         </p:sp>
         <p:sp>
           <p:nvSpPr>
-            <p:cNvPr id="49" name="Oval 48">
-              <a:extLst>
-                <a:ext uri="{FF2B5EF4-FFF2-40B4-BE49-F238E27FC236}">
-                  <a16:creationId xmlns:a16="http://schemas.microsoft.com/office/drawing/2014/main" id="{755058DB-7E01-4E95-BF59-983AA1BBB38E}"/>
-                </a:ext>
-              </a:extLst>
-            </p:cNvPr>
+            <p:cNvPr id="49" name="Oval 48"/>
             <p:cNvSpPr/>
             <p:nvPr/>
           </p:nvSpPr>
@@ -5665,13 +5136,7 @@
         </p:sp>
         <p:sp>
           <p:nvSpPr>
-            <p:cNvPr id="51" name="Oval 50">
-              <a:extLst>
-                <a:ext uri="{FF2B5EF4-FFF2-40B4-BE49-F238E27FC236}">
-                  <a16:creationId xmlns:a16="http://schemas.microsoft.com/office/drawing/2014/main" id="{A810F7E2-23F3-44D6-B09E-71E556536052}"/>
-                </a:ext>
-              </a:extLst>
-            </p:cNvPr>
+            <p:cNvPr id="51" name="Oval 50"/>
             <p:cNvSpPr/>
             <p:nvPr/>
           </p:nvSpPr>
@@ -5717,13 +5182,7 @@
         </p:sp>
         <p:sp>
           <p:nvSpPr>
-            <p:cNvPr id="52" name="Oval 51">
-              <a:extLst>
-                <a:ext uri="{FF2B5EF4-FFF2-40B4-BE49-F238E27FC236}">
-                  <a16:creationId xmlns:a16="http://schemas.microsoft.com/office/drawing/2014/main" id="{59D5C391-E1DB-410A-A78C-ED3BBDFF0758}"/>
-                </a:ext>
-              </a:extLst>
-            </p:cNvPr>
+            <p:cNvPr id="52" name="Oval 51"/>
             <p:cNvSpPr/>
             <p:nvPr/>
           </p:nvSpPr>
@@ -5772,13 +5231,7 @@
         </p:sp>
         <p:sp>
           <p:nvSpPr>
-            <p:cNvPr id="53" name="Oval 52">
-              <a:extLst>
-                <a:ext uri="{FF2B5EF4-FFF2-40B4-BE49-F238E27FC236}">
-                  <a16:creationId xmlns:a16="http://schemas.microsoft.com/office/drawing/2014/main" id="{77C4944D-9373-4283-BCAA-927A0316659E}"/>
-                </a:ext>
-              </a:extLst>
-            </p:cNvPr>
+            <p:cNvPr id="53" name="Oval 52"/>
             <p:cNvSpPr/>
             <p:nvPr/>
           </p:nvSpPr>
@@ -5827,13 +5280,7 @@
         </p:sp>
         <p:sp>
           <p:nvSpPr>
-            <p:cNvPr id="54" name="Freeform: Shape 53">
-              <a:extLst>
-                <a:ext uri="{FF2B5EF4-FFF2-40B4-BE49-F238E27FC236}">
-                  <a16:creationId xmlns:a16="http://schemas.microsoft.com/office/drawing/2014/main" id="{6804C521-2D9F-4CE4-AFD3-D4F1551FEC6A}"/>
-                </a:ext>
-              </a:extLst>
-            </p:cNvPr>
+            <p:cNvPr id="54" name="Freeform: Shape 53"/>
             <p:cNvSpPr/>
             <p:nvPr/>
           </p:nvSpPr>
@@ -5978,13 +5425,7 @@
         </p:sp>
         <p:sp>
           <p:nvSpPr>
-            <p:cNvPr id="56" name="Freeform: Shape 55">
-              <a:extLst>
-                <a:ext uri="{FF2B5EF4-FFF2-40B4-BE49-F238E27FC236}">
-                  <a16:creationId xmlns:a16="http://schemas.microsoft.com/office/drawing/2014/main" id="{755AC65C-13EF-4182-AA3C-62BE165CC033}"/>
-                </a:ext>
-              </a:extLst>
-            </p:cNvPr>
+            <p:cNvPr id="56" name="Freeform: Shape 55"/>
             <p:cNvSpPr/>
             <p:nvPr/>
           </p:nvSpPr>
@@ -6113,13 +5554,7 @@
         </p:sp>
         <p:sp>
           <p:nvSpPr>
-            <p:cNvPr id="58" name="Freeform: Shape 57">
-              <a:extLst>
-                <a:ext uri="{FF2B5EF4-FFF2-40B4-BE49-F238E27FC236}">
-                  <a16:creationId xmlns:a16="http://schemas.microsoft.com/office/drawing/2014/main" id="{E40DA8D2-FA4B-4282-9D44-48C27B63A153}"/>
-                </a:ext>
-              </a:extLst>
-            </p:cNvPr>
+            <p:cNvPr id="58" name="Freeform: Shape 57"/>
             <p:cNvSpPr/>
             <p:nvPr/>
           </p:nvSpPr>
@@ -6230,13 +5665,7 @@
         </p:sp>
         <p:sp>
           <p:nvSpPr>
-            <p:cNvPr id="10" name="Oval 9">
-              <a:extLst>
-                <a:ext uri="{FF2B5EF4-FFF2-40B4-BE49-F238E27FC236}">
-                  <a16:creationId xmlns:a16="http://schemas.microsoft.com/office/drawing/2014/main" id="{99065014-CB18-414D-A527-31ECC45700AB}"/>
-                </a:ext>
-              </a:extLst>
-            </p:cNvPr>
+            <p:cNvPr id="10" name="Oval 9"/>
             <p:cNvSpPr/>
             <p:nvPr/>
           </p:nvSpPr>
@@ -6280,13 +5709,7 @@
         </p:sp>
         <p:sp>
           <p:nvSpPr>
-            <p:cNvPr id="61" name="Freeform: Shape 60">
-              <a:extLst>
-                <a:ext uri="{FF2B5EF4-FFF2-40B4-BE49-F238E27FC236}">
-                  <a16:creationId xmlns:a16="http://schemas.microsoft.com/office/drawing/2014/main" id="{8F39E27A-56C1-4328-8DF1-2DA147C78483}"/>
-                </a:ext>
-              </a:extLst>
-            </p:cNvPr>
+            <p:cNvPr id="61" name="Freeform: Shape 60"/>
             <p:cNvSpPr/>
             <p:nvPr/>
           </p:nvSpPr>
@@ -6406,13 +5829,7 @@
       </p:grpSp>
       <p:sp>
         <p:nvSpPr>
-          <p:cNvPr id="4" name="Date Placeholder 3">
-            <a:extLst>
-              <a:ext uri="{FF2B5EF4-FFF2-40B4-BE49-F238E27FC236}">
-                <a16:creationId xmlns:a16="http://schemas.microsoft.com/office/drawing/2014/main" id="{442C5EC6-E331-4312-AC12-56D55F7D2B15}"/>
-              </a:ext>
-            </a:extLst>
-          </p:cNvPr>
+          <p:cNvPr id="4" name="Date Placeholder 3"/>
           <p:cNvSpPr>
             <a:spLocks noGrp="1"/>
           </p:cNvSpPr>
@@ -6445,7 +5862,6 @@
           <a:p>
             <a:fld id="{C038239F-46F2-440C-87B3-439CF39309D8}" type="datetimeFigureOut">
               <a:rPr lang="en-US" smtClean="0"/>
-              <a:t>4/28/2022</a:t>
             </a:fld>
             <a:endParaRPr lang="en-US"/>
           </a:p>
@@ -6453,13 +5869,7 @@
       </p:sp>
       <p:sp>
         <p:nvSpPr>
-          <p:cNvPr id="5" name="Footer Placeholder 4">
-            <a:extLst>
-              <a:ext uri="{FF2B5EF4-FFF2-40B4-BE49-F238E27FC236}">
-                <a16:creationId xmlns:a16="http://schemas.microsoft.com/office/drawing/2014/main" id="{3337FC5D-92B2-4B4D-8111-6EDEF280692A}"/>
-              </a:ext>
-            </a:extLst>
-          </p:cNvPr>
+          <p:cNvPr id="5" name="Footer Placeholder 4"/>
           <p:cNvSpPr>
             <a:spLocks noGrp="1"/>
           </p:cNvSpPr>
@@ -6496,13 +5906,7 @@
       </p:sp>
       <p:sp>
         <p:nvSpPr>
-          <p:cNvPr id="6" name="Slide Number Placeholder 5">
-            <a:extLst>
-              <a:ext uri="{FF2B5EF4-FFF2-40B4-BE49-F238E27FC236}">
-                <a16:creationId xmlns:a16="http://schemas.microsoft.com/office/drawing/2014/main" id="{723A104D-C777-4A6E-8A43-F94028E5E311}"/>
-              </a:ext>
-            </a:extLst>
-          </p:cNvPr>
+          <p:cNvPr id="6" name="Slide Number Placeholder 5"/>
           <p:cNvSpPr>
             <a:spLocks noGrp="1"/>
           </p:cNvSpPr>
@@ -6535,7 +5939,6 @@
           <a:p>
             <a:fld id="{D44166A1-4052-4BFE-909D-8B73B201D64E}" type="slidenum">
               <a:rPr lang="en-US" smtClean="0"/>
-              <a:t>‹#›</a:t>
             </a:fld>
             <a:endParaRPr lang="en-US"/>
           </a:p>
@@ -6543,13 +5946,7 @@
       </p:sp>
       <p:sp>
         <p:nvSpPr>
-          <p:cNvPr id="2" name="Title Placeholder 1">
-            <a:extLst>
-              <a:ext uri="{FF2B5EF4-FFF2-40B4-BE49-F238E27FC236}">
-                <a16:creationId xmlns:a16="http://schemas.microsoft.com/office/drawing/2014/main" id="{12D3A74F-6169-4D30-A245-B46D738BEA81}"/>
-              </a:ext>
-            </a:extLst>
-          </p:cNvPr>
+          <p:cNvPr id="2" name="Title Placeholder 1"/>
           <p:cNvSpPr>
             <a:spLocks noGrp="1"/>
           </p:cNvSpPr>
@@ -6582,13 +5979,7 @@
       </p:sp>
       <p:sp>
         <p:nvSpPr>
-          <p:cNvPr id="3" name="Text Placeholder 2">
-            <a:extLst>
-              <a:ext uri="{FF2B5EF4-FFF2-40B4-BE49-F238E27FC236}">
-                <a16:creationId xmlns:a16="http://schemas.microsoft.com/office/drawing/2014/main" id="{A3877E64-7A05-44DA-81FA-6EF4806BBF0E}"/>
-              </a:ext>
-            </a:extLst>
-          </p:cNvPr>
+          <p:cNvPr id="3" name="Text Placeholder 2"/>
           <p:cNvSpPr>
             <a:spLocks noGrp="1"/>
           </p:cNvSpPr>
@@ -6616,6 +6007,7 @@
               <a:rPr lang="tr-TR"/>
               <a:t>Asıl metin stillerini düzenlemek için tıklayın</a:t>
             </a:r>
+            <a:endParaRPr lang="tr-TR"/>
           </a:p>
           <a:p>
             <a:pPr lvl="1"/>
@@ -6623,6 +6015,7 @@
               <a:rPr lang="tr-TR"/>
               <a:t>İkinci düzey</a:t>
             </a:r>
+            <a:endParaRPr lang="tr-TR"/>
           </a:p>
           <a:p>
             <a:pPr lvl="2"/>
@@ -6630,6 +6023,7 @@
               <a:rPr lang="tr-TR"/>
               <a:t>Üçüncü düzey</a:t>
             </a:r>
+            <a:endParaRPr lang="tr-TR"/>
           </a:p>
           <a:p>
             <a:pPr lvl="3"/>
@@ -6637,6 +6031,7 @@
               <a:rPr lang="tr-TR"/>
               <a:t>Dördüncü düzey</a:t>
             </a:r>
+            <a:endParaRPr lang="tr-TR"/>
           </a:p>
           <a:p>
             <a:pPr lvl="4"/>
@@ -6649,25 +6044,20 @@
         </p:txBody>
       </p:sp>
     </p:spTree>
-    <p:extLst>
-      <p:ext uri="{BB962C8B-B14F-4D97-AF65-F5344CB8AC3E}">
-        <p14:creationId xmlns:p14="http://schemas.microsoft.com/office/powerpoint/2010/main" val="3283342270"/>
-      </p:ext>
-    </p:extLst>
   </p:cSld>
   <p:clrMap bg1="lt1" tx1="dk1" bg2="lt2" tx2="dk2" accent1="accent1" accent2="accent2" accent3="accent3" accent4="accent4" accent5="accent5" accent6="accent6" hlink="hlink" folHlink="folHlink"/>
   <p:sldLayoutIdLst>
-    <p:sldLayoutId id="2147483679" r:id="rId1"/>
-    <p:sldLayoutId id="2147483680" r:id="rId2"/>
-    <p:sldLayoutId id="2147483681" r:id="rId3"/>
-    <p:sldLayoutId id="2147483682" r:id="rId4"/>
-    <p:sldLayoutId id="2147483683" r:id="rId5"/>
-    <p:sldLayoutId id="2147483684" r:id="rId6"/>
-    <p:sldLayoutId id="2147483685" r:id="rId7"/>
-    <p:sldLayoutId id="2147483686" r:id="rId8"/>
-    <p:sldLayoutId id="2147483687" r:id="rId9"/>
-    <p:sldLayoutId id="2147483688" r:id="rId10"/>
-    <p:sldLayoutId id="2147483689" r:id="rId11"/>
+    <p:sldLayoutId id="2147483649" r:id="rId1"/>
+    <p:sldLayoutId id="2147483650" r:id="rId2"/>
+    <p:sldLayoutId id="2147483651" r:id="rId3"/>
+    <p:sldLayoutId id="2147483652" r:id="rId4"/>
+    <p:sldLayoutId id="2147483653" r:id="rId5"/>
+    <p:sldLayoutId id="2147483654" r:id="rId6"/>
+    <p:sldLayoutId id="2147483655" r:id="rId7"/>
+    <p:sldLayoutId id="2147483656" r:id="rId8"/>
+    <p:sldLayoutId id="2147483657" r:id="rId9"/>
+    <p:sldLayoutId id="2147483658" r:id="rId10"/>
+    <p:sldLayoutId id="2147483659" r:id="rId11"/>
   </p:sldLayoutIdLst>
   <p:txStyles>
     <p:titleStyle>
@@ -7001,13 +6391,7 @@
       </p:grpSpPr>
       <p:sp>
         <p:nvSpPr>
-          <p:cNvPr id="2" name="Başlık 1">
-            <a:extLst>
-              <a:ext uri="{FF2B5EF4-FFF2-40B4-BE49-F238E27FC236}">
-                <a16:creationId xmlns:a16="http://schemas.microsoft.com/office/drawing/2014/main" id="{30457C1B-ED17-48D7-8C8C-CAE642D2B276}"/>
-              </a:ext>
-            </a:extLst>
-          </p:cNvPr>
+          <p:cNvPr id="2" name="Başlık 1"/>
           <p:cNvSpPr>
             <a:spLocks noGrp="1"/>
           </p:cNvSpPr>
@@ -7042,13 +6426,7 @@
       </p:sp>
       <p:sp>
         <p:nvSpPr>
-          <p:cNvPr id="3" name="Alt Başlık 2">
-            <a:extLst>
-              <a:ext uri="{FF2B5EF4-FFF2-40B4-BE49-F238E27FC236}">
-                <a16:creationId xmlns:a16="http://schemas.microsoft.com/office/drawing/2014/main" id="{00FBB813-5754-4D90-BAD0-188F7B859B03}"/>
-              </a:ext>
-            </a:extLst>
-          </p:cNvPr>
+          <p:cNvPr id="3" name="Alt Başlık 2"/>
           <p:cNvSpPr>
             <a:spLocks noGrp="1"/>
           </p:cNvSpPr>
@@ -7065,15 +6443,11 @@
               <a:rPr lang="en-US" dirty="0"/>
               <a:t>SQL (Structured Query Language)</a:t>
             </a:r>
+            <a:endParaRPr lang="en-US" dirty="0"/>
           </a:p>
         </p:txBody>
       </p:sp>
     </p:spTree>
-    <p:extLst>
-      <p:ext uri="{BB962C8B-B14F-4D97-AF65-F5344CB8AC3E}">
-        <p14:creationId xmlns:p14="http://schemas.microsoft.com/office/powerpoint/2010/main" val="3269013002"/>
-      </p:ext>
-    </p:extLst>
   </p:cSld>
   <p:clrMapOvr>
     <a:masterClrMapping/>
@@ -7100,13 +6474,7 @@
       </p:grpSpPr>
       <p:sp>
         <p:nvSpPr>
-          <p:cNvPr id="2" name="Başlık 1">
-            <a:extLst>
-              <a:ext uri="{FF2B5EF4-FFF2-40B4-BE49-F238E27FC236}">
-                <a16:creationId xmlns:a16="http://schemas.microsoft.com/office/drawing/2014/main" id="{8B9703DC-541F-48A1-A319-5A6AA23B23E0}"/>
-              </a:ext>
-            </a:extLst>
-          </p:cNvPr>
+          <p:cNvPr id="2" name="Başlık 1"/>
           <p:cNvSpPr>
             <a:spLocks noGrp="1"/>
           </p:cNvSpPr>
@@ -7227,13 +6595,7 @@
       </p:sp>
       <p:sp>
         <p:nvSpPr>
-          <p:cNvPr id="3" name="İçerik Yer Tutucusu 2">
-            <a:extLst>
-              <a:ext uri="{FF2B5EF4-FFF2-40B4-BE49-F238E27FC236}">
-                <a16:creationId xmlns:a16="http://schemas.microsoft.com/office/drawing/2014/main" id="{F999B5D3-3098-4B89-8B09-5AFF35E03679}"/>
-              </a:ext>
-            </a:extLst>
-          </p:cNvPr>
+          <p:cNvPr id="3" name="İçerik Yer Tutucusu 2"/>
           <p:cNvSpPr>
             <a:spLocks noGrp="1"/>
           </p:cNvSpPr>
@@ -7598,6 +6960,7 @@
               <a:rPr lang="en-US" dirty="0"/>
               <a:t>.</a:t>
             </a:r>
+            <a:endParaRPr lang="en-US" dirty="0"/>
           </a:p>
           <a:p>
             <a:r>
@@ -7812,6 +7175,7 @@
               <a:rPr lang="en-US" dirty="0"/>
               <a:t>.</a:t>
             </a:r>
+            <a:endParaRPr lang="en-US" dirty="0"/>
           </a:p>
           <a:p>
             <a:r>
@@ -8214,6 +7578,7 @@
               <a:rPr lang="en-US" dirty="0"/>
               <a:t>.</a:t>
             </a:r>
+            <a:endParaRPr lang="en-US" dirty="0"/>
           </a:p>
           <a:p>
             <a:endParaRPr lang="en-US" dirty="0"/>
@@ -8221,11 +7586,6 @@
         </p:txBody>
       </p:sp>
     </p:spTree>
-    <p:extLst>
-      <p:ext uri="{BB962C8B-B14F-4D97-AF65-F5344CB8AC3E}">
-        <p14:creationId xmlns:p14="http://schemas.microsoft.com/office/powerpoint/2010/main" val="511452713"/>
-      </p:ext>
-    </p:extLst>
   </p:cSld>
   <p:clrMapOvr>
     <a:masterClrMapping/>
@@ -8252,13 +7612,7 @@
       </p:grpSpPr>
       <p:sp>
         <p:nvSpPr>
-          <p:cNvPr id="2" name="Başlık 1">
-            <a:extLst>
-              <a:ext uri="{FF2B5EF4-FFF2-40B4-BE49-F238E27FC236}">
-                <a16:creationId xmlns:a16="http://schemas.microsoft.com/office/drawing/2014/main" id="{FD28C676-0B7C-4BEC-A9EC-D8B4C6658CBE}"/>
-              </a:ext>
-            </a:extLst>
-          </p:cNvPr>
+          <p:cNvPr id="2" name="Başlık 1"/>
           <p:cNvSpPr>
             <a:spLocks noGrp="1"/>
           </p:cNvSpPr>
@@ -8378,13 +7732,7 @@
       </p:sp>
       <p:sp>
         <p:nvSpPr>
-          <p:cNvPr id="3" name="İçerik Yer Tutucusu 2">
-            <a:extLst>
-              <a:ext uri="{FF2B5EF4-FFF2-40B4-BE49-F238E27FC236}">
-                <a16:creationId xmlns:a16="http://schemas.microsoft.com/office/drawing/2014/main" id="{1F867865-855A-4272-A0BF-1E450F97A77F}"/>
-              </a:ext>
-            </a:extLst>
-          </p:cNvPr>
+          <p:cNvPr id="3" name="İçerik Yer Tutucusu 2"/>
           <p:cNvSpPr>
             <a:spLocks noGrp="1"/>
           </p:cNvSpPr>
@@ -8693,6 +8041,7 @@
               <a:rPr lang="en-US" dirty="0"/>
               <a:t>.</a:t>
             </a:r>
+            <a:endParaRPr lang="en-US" dirty="0"/>
           </a:p>
           <a:p>
             <a:r>
@@ -8855,15 +8204,11 @@
               <a:rPr lang="en-US" dirty="0"/>
               <a:t>.</a:t>
             </a:r>
+            <a:endParaRPr lang="en-US" dirty="0"/>
           </a:p>
         </p:txBody>
       </p:sp>
     </p:spTree>
-    <p:extLst>
-      <p:ext uri="{BB962C8B-B14F-4D97-AF65-F5344CB8AC3E}">
-        <p14:creationId xmlns:p14="http://schemas.microsoft.com/office/powerpoint/2010/main" val="2794371368"/>
-      </p:ext>
-    </p:extLst>
   </p:cSld>
   <p:clrMapOvr>
     <a:masterClrMapping/>
@@ -8907,6 +8252,7 @@
               <a:rPr lang="tr-TR"/>
               <a:t>SQL NEDİR?</a:t>
             </a:r>
+            <a:endParaRPr lang="tr-TR"/>
           </a:p>
         </p:txBody>
       </p:sp>
@@ -8934,6 +8280,7 @@
               <a:rPr lang="tr-TR"/>
               <a:t>SQL, VERİTABANI SORGU DİLİDİR.</a:t>
             </a:r>
+            <a:endParaRPr lang="tr-TR"/>
           </a:p>
           <a:p>
             <a:pPr>
@@ -8945,6 +8292,7 @@
               <a:rPr lang="tr-TR"/>
               <a:t>SQL İLE VERİTABANINA YENİ TABLOLAR, YENİ KAYITLAR EKLEYİP SİLEBİLİR, VAR OLAN ALANLAR ÜZERİNDE DÜZENLEMELER VE SORGULAR YAPABİLİRSİNİZ.</a:t>
             </a:r>
+            <a:endParaRPr lang="tr-TR"/>
           </a:p>
           <a:p>
             <a:pPr>
@@ -8964,15 +8312,11 @@
               <a:rPr lang="tr-TR"/>
               <a:t> GİBİ VERİTABANI YÖNETİM SİSTEMLERİNDE ÇALIŞABİLİRSİNİZ.</a:t>
             </a:r>
+            <a:endParaRPr lang="tr-TR"/>
           </a:p>
         </p:txBody>
       </p:sp>
     </p:spTree>
-    <p:extLst>
-      <p:ext uri="{BB962C8B-B14F-4D97-AF65-F5344CB8AC3E}">
-        <p14:creationId xmlns:p14="http://schemas.microsoft.com/office/powerpoint/2010/main" val="2605611659"/>
-      </p:ext>
-    </p:extLst>
   </p:cSld>
   <p:clrMapOvr>
     <a:masterClrMapping/>
@@ -9016,6 +8360,7 @@
               <a:rPr lang="tr-TR"/>
               <a:t>SQL BİR STANDARTTIR</a:t>
             </a:r>
+            <a:endParaRPr lang="tr-TR"/>
           </a:p>
         </p:txBody>
       </p:sp>
@@ -9038,12 +8383,14 @@
               <a:rPr lang="tr-TR"/>
               <a:t>SQL, STANDARD BİR VERİTABANI SORGU DİLİDİR.</a:t>
             </a:r>
+            <a:endParaRPr lang="tr-TR"/>
           </a:p>
           <a:p>
             <a:r>
               <a:rPr lang="tr-TR"/>
               <a:t>BÜTÜN GELİŞMİŞ VERİTABANI UTGULAMALARINDA KULLANILIR.</a:t>
             </a:r>
+            <a:endParaRPr lang="tr-TR"/>
           </a:p>
           <a:p>
             <a:r>
@@ -9054,15 +8401,11 @@
               <a:rPr lang="tr-TR"/>
               <a:t>GİBİ TİM GELİŞMİŞ VERİTABANI PROGRAMLARI İLE ÇALIŞIR.</a:t>
             </a:r>
+            <a:endParaRPr lang="tr-TR"/>
           </a:p>
         </p:txBody>
       </p:sp>
     </p:spTree>
-    <p:extLst>
-      <p:ext uri="{BB962C8B-B14F-4D97-AF65-F5344CB8AC3E}">
-        <p14:creationId xmlns:p14="http://schemas.microsoft.com/office/powerpoint/2010/main" val="3986630592"/>
-      </p:ext>
-    </p:extLst>
   </p:cSld>
   <p:clrMapOvr>
     <a:masterClrMapping/>
@@ -9106,6 +8449,7 @@
               <a:rPr lang="tr-TR"/>
               <a:t>SQL KOMUTLARI</a:t>
             </a:r>
+            <a:endParaRPr lang="tr-TR"/>
           </a:p>
         </p:txBody>
       </p:sp>
@@ -9128,12 +8472,14 @@
               <a:rPr lang="tr-TR"/>
               <a:t>SQL KOMUTLARI ÇEŞİTLİ BAŞLIKLAR ALTINDA DÜZENLENEBİLİR.</a:t>
             </a:r>
+            <a:endParaRPr lang="tr-TR"/>
           </a:p>
           <a:p>
             <a:r>
               <a:rPr lang="tr-TR"/>
               <a:t>GENELDE SQL KOMUTLARI İKİYE AYRILIR:</a:t>
             </a:r>
+            <a:endParaRPr lang="tr-TR"/>
           </a:p>
           <a:p>
             <a:pPr lvl="1"/>
@@ -9141,6 +8487,7 @@
               <a:rPr lang="tr-TR"/>
               <a:t>DDL:VERİ TANIMLAMA KOMUTLARI.</a:t>
             </a:r>
+            <a:endParaRPr lang="tr-TR"/>
           </a:p>
           <a:p>
             <a:pPr lvl="1"/>
@@ -9148,15 +8495,11 @@
               <a:rPr lang="tr-TR"/>
               <a:t>DML:VERİ İŞLEME KOMUTLARI.</a:t>
             </a:r>
+            <a:endParaRPr lang="tr-TR"/>
           </a:p>
         </p:txBody>
       </p:sp>
     </p:spTree>
-    <p:extLst>
-      <p:ext uri="{BB962C8B-B14F-4D97-AF65-F5344CB8AC3E}">
-        <p14:creationId xmlns:p14="http://schemas.microsoft.com/office/powerpoint/2010/main" val="3898033016"/>
-      </p:ext>
-    </p:extLst>
   </p:cSld>
   <p:clrMapOvr>
     <a:masterClrMapping/>
@@ -9200,6 +8543,7 @@
               <a:rPr lang="tr-TR"/>
               <a:t>YARDIMCI DEYİMLER</a:t>
             </a:r>
+            <a:endParaRPr lang="tr-TR"/>
           </a:p>
         </p:txBody>
       </p:sp>
@@ -9222,12 +8566,14 @@
               <a:rPr lang="tr-TR" sz="2600"/>
               <a:t>YUKARIDA BAHSİ GEÇEN DEYİMLER TEK BAŞLARINA KULLANILAMAZLAR.</a:t>
             </a:r>
+            <a:endParaRPr lang="tr-TR" sz="2600"/>
           </a:p>
           <a:p>
             <a:r>
               <a:rPr lang="tr-TR" sz="2600"/>
               <a:t>KOMUTLARIN İŞLEVLERİNİ YERİNE GETİRMELERİ İÇİN BAZI YARDIMCI DEYİMLER VARDIR. BUNLAR;</a:t>
             </a:r>
+            <a:endParaRPr lang="tr-TR" sz="2600"/>
           </a:p>
           <a:p>
             <a:pPr lvl="1"/>
@@ -9235,6 +8581,7 @@
               <a:rPr lang="tr-TR" sz="2200"/>
               <a:t>FROM</a:t>
             </a:r>
+            <a:endParaRPr lang="tr-TR" sz="2200"/>
           </a:p>
           <a:p>
             <a:pPr lvl="1"/>
@@ -9242,6 +8589,7 @@
               <a:rPr lang="tr-TR" sz="2200"/>
               <a:t>WHERE</a:t>
             </a:r>
+            <a:endParaRPr lang="tr-TR" sz="2200"/>
           </a:p>
           <a:p>
             <a:pPr lvl="1"/>
@@ -9249,6 +8597,7 @@
               <a:rPr lang="tr-TR" sz="2200"/>
               <a:t>GROUP BY</a:t>
             </a:r>
+            <a:endParaRPr lang="tr-TR" sz="2200"/>
           </a:p>
           <a:p>
             <a:pPr lvl="1"/>
@@ -9256,6 +8605,7 @@
               <a:rPr lang="tr-TR" sz="2200"/>
               <a:t>HAVING</a:t>
             </a:r>
+            <a:endParaRPr lang="tr-TR" sz="2200"/>
           </a:p>
           <a:p>
             <a:pPr lvl="1"/>
@@ -9263,15 +8613,11 @@
               <a:rPr lang="tr-TR" sz="2200"/>
               <a:t>ORDER BY</a:t>
             </a:r>
+            <a:endParaRPr lang="tr-TR" sz="2200"/>
           </a:p>
         </p:txBody>
       </p:sp>
     </p:spTree>
-    <p:extLst>
-      <p:ext uri="{BB962C8B-B14F-4D97-AF65-F5344CB8AC3E}">
-        <p14:creationId xmlns:p14="http://schemas.microsoft.com/office/powerpoint/2010/main" val="2380443658"/>
-      </p:ext>
-    </p:extLst>
   </p:cSld>
   <p:clrMapOvr>
     <a:masterClrMapping/>
@@ -9298,13 +8644,7 @@
       </p:grpSpPr>
       <p:sp>
         <p:nvSpPr>
-          <p:cNvPr id="2" name="Başlık 1">
-            <a:extLst>
-              <a:ext uri="{FF2B5EF4-FFF2-40B4-BE49-F238E27FC236}">
-                <a16:creationId xmlns:a16="http://schemas.microsoft.com/office/drawing/2014/main" id="{47EA8721-BEF7-4607-9796-19FA00881028}"/>
-              </a:ext>
-            </a:extLst>
-          </p:cNvPr>
+          <p:cNvPr id="2" name="Başlık 1"/>
           <p:cNvSpPr>
             <a:spLocks noGrp="1"/>
           </p:cNvSpPr>
@@ -9350,13 +8690,7 @@
       </p:sp>
       <p:sp>
         <p:nvSpPr>
-          <p:cNvPr id="13" name="Text Placeholder 2">
-            <a:extLst>
-              <a:ext uri="{FF2B5EF4-FFF2-40B4-BE49-F238E27FC236}">
-                <a16:creationId xmlns:a16="http://schemas.microsoft.com/office/drawing/2014/main" id="{47E125EA-C077-7EF6-88C9-C0E32FAF9CED}"/>
-              </a:ext>
-            </a:extLst>
-          </p:cNvPr>
+          <p:cNvPr id="13" name="Text Placeholder 2"/>
           <p:cNvSpPr>
             <a:spLocks noGrp="1"/>
           </p:cNvSpPr>
@@ -9379,11 +8713,6 @@
         </p:txBody>
       </p:sp>
     </p:spTree>
-    <p:extLst>
-      <p:ext uri="{BB962C8B-B14F-4D97-AF65-F5344CB8AC3E}">
-        <p14:creationId xmlns:p14="http://schemas.microsoft.com/office/powerpoint/2010/main" val="2802634108"/>
-      </p:ext>
-    </p:extLst>
   </p:cSld>
   <p:clrMapOvr>
     <a:masterClrMapping/>
@@ -9410,13 +8739,7 @@
       </p:grpSpPr>
       <p:sp>
         <p:nvSpPr>
-          <p:cNvPr id="2" name="Başlık 1">
-            <a:extLst>
-              <a:ext uri="{FF2B5EF4-FFF2-40B4-BE49-F238E27FC236}">
-                <a16:creationId xmlns:a16="http://schemas.microsoft.com/office/drawing/2014/main" id="{313F0A3E-2913-4275-9F52-924567655B00}"/>
-              </a:ext>
-            </a:extLst>
-          </p:cNvPr>
+          <p:cNvPr id="2" name="Başlık 1"/>
           <p:cNvSpPr>
             <a:spLocks noGrp="1"/>
           </p:cNvSpPr>
@@ -9448,28 +8771,18 @@
               <a:rPr lang="en-US" dirty="0"/>
               <a:t>?</a:t>
             </a:r>
+            <a:endParaRPr lang="en-US" dirty="0"/>
           </a:p>
         </p:txBody>
       </p:sp>
       <p:graphicFrame>
         <p:nvGraphicFramePr>
-          <p:cNvPr id="4" name="Tablo 4">
-            <a:extLst>
-              <a:ext uri="{FF2B5EF4-FFF2-40B4-BE49-F238E27FC236}">
-                <a16:creationId xmlns:a16="http://schemas.microsoft.com/office/drawing/2014/main" id="{FA5E9DE5-EE92-4639-B680-13AF1574DF22}"/>
-              </a:ext>
-            </a:extLst>
-          </p:cNvPr>
+          <p:cNvPr id="4" name="Tablo 4"/>
           <p:cNvGraphicFramePr>
             <a:graphicFrameLocks noGrp="1"/>
           </p:cNvGraphicFramePr>
           <p:nvPr>
             <p:ph idx="1"/>
-            <p:extLst>
-              <p:ext uri="{D42A27DB-BD31-4B8C-83A1-F6EECF244321}">
-                <p14:modId xmlns:p14="http://schemas.microsoft.com/office/powerpoint/2010/main" val="1739173446"/>
-              </p:ext>
-            </p:extLst>
           </p:nvPr>
         </p:nvGraphicFramePr>
         <p:xfrm>
@@ -9483,27 +8796,9 @@
                 <a:tableStyleId>{5C22544A-7EE6-4342-B048-85BDC9FD1C3A}</a:tableStyleId>
               </a:tblPr>
               <a:tblGrid>
-                <a:gridCol w="3552825">
-                  <a:extLst>
-                    <a:ext uri="{9D8B030D-6E8A-4147-A177-3AD203B41FA5}">
-                      <a16:colId xmlns:a16="http://schemas.microsoft.com/office/drawing/2014/main" val="4131519032"/>
-                    </a:ext>
-                  </a:extLst>
-                </a:gridCol>
-                <a:gridCol w="3552825">
-                  <a:extLst>
-                    <a:ext uri="{9D8B030D-6E8A-4147-A177-3AD203B41FA5}">
-                      <a16:colId xmlns:a16="http://schemas.microsoft.com/office/drawing/2014/main" val="1440461960"/>
-                    </a:ext>
-                  </a:extLst>
-                </a:gridCol>
-                <a:gridCol w="3552825">
-                  <a:extLst>
-                    <a:ext uri="{9D8B030D-6E8A-4147-A177-3AD203B41FA5}">
-                      <a16:colId xmlns:a16="http://schemas.microsoft.com/office/drawing/2014/main" val="584225702"/>
-                    </a:ext>
-                  </a:extLst>
-                </a:gridCol>
+                <a:gridCol w="3552825"/>
+                <a:gridCol w="3552825"/>
+                <a:gridCol w="3552825"/>
               </a:tblGrid>
               <a:tr h="401108">
                 <a:tc>
@@ -9515,6 +8810,7 @@
                         <a:rPr lang="en-US" dirty="0"/>
                         <a:t>Id</a:t>
                       </a:r>
+                      <a:endParaRPr lang="en-US" dirty="0"/>
                     </a:p>
                   </a:txBody>
                   <a:tcPr/>
@@ -9528,6 +8824,7 @@
                         <a:rPr lang="en-US" dirty="0"/>
                         <a:t>name</a:t>
                       </a:r>
+                      <a:endParaRPr lang="en-US" dirty="0"/>
                     </a:p>
                   </a:txBody>
                   <a:tcPr/>
@@ -9541,15 +8838,11 @@
                         <a:rPr lang="en-US" dirty="0"/>
                         <a:t>surname</a:t>
                       </a:r>
+                      <a:endParaRPr lang="en-US" dirty="0"/>
                     </a:p>
                   </a:txBody>
                   <a:tcPr/>
                 </a:tc>
-                <a:extLst>
-                  <a:ext uri="{0D108BD9-81ED-4DB2-BD59-A6C34878D82A}">
-                    <a16:rowId xmlns:a16="http://schemas.microsoft.com/office/drawing/2014/main" val="1979626987"/>
-                  </a:ext>
-                </a:extLst>
               </a:tr>
               <a:tr h="370840">
                 <a:tc>
@@ -9561,6 +8854,7 @@
                         <a:rPr lang="en-US" dirty="0"/>
                         <a:t>1</a:t>
                       </a:r>
+                      <a:endParaRPr lang="en-US" dirty="0"/>
                     </a:p>
                   </a:txBody>
                   <a:tcPr/>
@@ -9574,6 +8868,7 @@
                         <a:rPr lang="en-US" dirty="0"/>
                         <a:t>Ahmet</a:t>
                       </a:r>
+                      <a:endParaRPr lang="en-US" dirty="0"/>
                     </a:p>
                   </a:txBody>
                   <a:tcPr/>
@@ -9592,11 +8887,6 @@
                   </a:txBody>
                   <a:tcPr/>
                 </a:tc>
-                <a:extLst>
-                  <a:ext uri="{0D108BD9-81ED-4DB2-BD59-A6C34878D82A}">
-                    <a16:rowId xmlns:a16="http://schemas.microsoft.com/office/drawing/2014/main" val="3439358013"/>
-                  </a:ext>
-                </a:extLst>
               </a:tr>
               <a:tr h="370840">
                 <a:tc>
@@ -9608,6 +8898,7 @@
                         <a:rPr lang="en-US" dirty="0"/>
                         <a:t>2</a:t>
                       </a:r>
+                      <a:endParaRPr lang="en-US" dirty="0"/>
                     </a:p>
                   </a:txBody>
                   <a:tcPr/>
@@ -9621,6 +8912,7 @@
                         <a:rPr lang="en-US" dirty="0"/>
                         <a:t>Burak</a:t>
                       </a:r>
+                      <a:endParaRPr lang="en-US" dirty="0"/>
                     </a:p>
                   </a:txBody>
                   <a:tcPr/>
@@ -9639,11 +8931,6 @@
                   </a:txBody>
                   <a:tcPr/>
                 </a:tc>
-                <a:extLst>
-                  <a:ext uri="{0D108BD9-81ED-4DB2-BD59-A6C34878D82A}">
-                    <a16:rowId xmlns:a16="http://schemas.microsoft.com/office/drawing/2014/main" val="3571464916"/>
-                  </a:ext>
-                </a:extLst>
               </a:tr>
               <a:tr h="370840">
                 <a:tc>
@@ -9655,6 +8942,7 @@
                         <a:rPr lang="en-US" dirty="0"/>
                         <a:t>3</a:t>
                       </a:r>
+                      <a:endParaRPr lang="en-US" dirty="0"/>
                     </a:p>
                   </a:txBody>
                   <a:tcPr/>
@@ -9668,6 +8956,7 @@
                         <a:rPr lang="en-US" dirty="0"/>
                         <a:t>Alp</a:t>
                       </a:r>
+                      <a:endParaRPr lang="en-US" dirty="0"/>
                     </a:p>
                   </a:txBody>
                   <a:tcPr/>
@@ -9686,11 +8975,6 @@
                   </a:txBody>
                   <a:tcPr/>
                 </a:tc>
-                <a:extLst>
-                  <a:ext uri="{0D108BD9-81ED-4DB2-BD59-A6C34878D82A}">
-                    <a16:rowId xmlns:a16="http://schemas.microsoft.com/office/drawing/2014/main" val="630946105"/>
-                  </a:ext>
-                </a:extLst>
               </a:tr>
               <a:tr h="370840">
                 <a:tc>
@@ -9702,6 +8986,7 @@
                         <a:rPr lang="en-US" dirty="0"/>
                         <a:t>4</a:t>
                       </a:r>
+                      <a:endParaRPr lang="en-US" dirty="0"/>
                     </a:p>
                   </a:txBody>
                   <a:tcPr/>
@@ -9715,6 +9000,7 @@
                         <a:rPr lang="en-US" dirty="0"/>
                         <a:t>Burak</a:t>
                       </a:r>
+                      <a:endParaRPr lang="en-US" dirty="0"/>
                     </a:p>
                   </a:txBody>
                   <a:tcPr/>
@@ -9728,15 +9014,11 @@
                         <a:rPr lang="en-US" dirty="0"/>
                         <a:t>Gül</a:t>
                       </a:r>
+                      <a:endParaRPr lang="en-US" dirty="0"/>
                     </a:p>
                   </a:txBody>
                   <a:tcPr/>
                 </a:tc>
-                <a:extLst>
-                  <a:ext uri="{0D108BD9-81ED-4DB2-BD59-A6C34878D82A}">
-                    <a16:rowId xmlns:a16="http://schemas.microsoft.com/office/drawing/2014/main" val="1065268480"/>
-                  </a:ext>
-                </a:extLst>
               </a:tr>
             </a:tbl>
           </a:graphicData>
@@ -9744,13 +9026,7 @@
       </p:graphicFrame>
       <p:sp>
         <p:nvSpPr>
-          <p:cNvPr id="5" name="Metin kutusu 4">
-            <a:extLst>
-              <a:ext uri="{FF2B5EF4-FFF2-40B4-BE49-F238E27FC236}">
-                <a16:creationId xmlns:a16="http://schemas.microsoft.com/office/drawing/2014/main" id="{ABA9CC59-AFC9-4E88-9C67-45B137971D5C}"/>
-              </a:ext>
-            </a:extLst>
-          </p:cNvPr>
+          <p:cNvPr id="5" name="Metin kutusu 4"/>
           <p:cNvSpPr txBox="1"/>
           <p:nvPr/>
         </p:nvSpPr>
@@ -9866,6 +9142,7 @@
               <a:rPr lang="en-US" dirty="0"/>
               <a:t>.</a:t>
             </a:r>
+            <a:endParaRPr lang="en-US" dirty="0"/>
           </a:p>
           <a:p>
             <a:r>
@@ -10028,6 +9305,7 @@
               <a:rPr lang="en-US" dirty="0"/>
               <a:t>.</a:t>
             </a:r>
+            <a:endParaRPr lang="en-US" dirty="0"/>
           </a:p>
           <a:p>
             <a:r>
@@ -10106,15 +9384,11 @@
               <a:rPr lang="en-US" dirty="0"/>
               <a:t>.</a:t>
             </a:r>
+            <a:endParaRPr lang="en-US" dirty="0"/>
           </a:p>
         </p:txBody>
       </p:sp>
     </p:spTree>
-    <p:extLst>
-      <p:ext uri="{BB962C8B-B14F-4D97-AF65-F5344CB8AC3E}">
-        <p14:creationId xmlns:p14="http://schemas.microsoft.com/office/powerpoint/2010/main" val="2385205301"/>
-      </p:ext>
-    </p:extLst>
   </p:cSld>
   <p:clrMapOvr>
     <a:masterClrMapping/>
@@ -10141,13 +9415,7 @@
       </p:grpSpPr>
       <p:sp>
         <p:nvSpPr>
-          <p:cNvPr id="2" name="Başlık 1">
-            <a:extLst>
-              <a:ext uri="{FF2B5EF4-FFF2-40B4-BE49-F238E27FC236}">
-                <a16:creationId xmlns:a16="http://schemas.microsoft.com/office/drawing/2014/main" id="{DED32FEE-B46F-40E4-9897-041B6FD43948}"/>
-              </a:ext>
-            </a:extLst>
-          </p:cNvPr>
+          <p:cNvPr id="2" name="Başlık 1"/>
           <p:cNvSpPr>
             <a:spLocks noGrp="1"/>
           </p:cNvSpPr>
@@ -10174,23 +9442,12 @@
       </p:sp>
       <p:graphicFrame>
         <p:nvGraphicFramePr>
-          <p:cNvPr id="7" name="Tablo 7">
-            <a:extLst>
-              <a:ext uri="{FF2B5EF4-FFF2-40B4-BE49-F238E27FC236}">
-                <a16:creationId xmlns:a16="http://schemas.microsoft.com/office/drawing/2014/main" id="{0C5DB5EA-3DF9-41CD-83D8-DFBEA6EEAFB2}"/>
-              </a:ext>
-            </a:extLst>
-          </p:cNvPr>
+          <p:cNvPr id="7" name="Tablo 7"/>
           <p:cNvGraphicFramePr>
             <a:graphicFrameLocks noGrp="1"/>
           </p:cNvGraphicFramePr>
           <p:nvPr>
             <p:ph idx="1"/>
-            <p:extLst>
-              <p:ext uri="{D42A27DB-BD31-4B8C-83A1-F6EECF244321}">
-                <p14:modId xmlns:p14="http://schemas.microsoft.com/office/powerpoint/2010/main" val="1374655593"/>
-              </p:ext>
-            </p:extLst>
           </p:nvPr>
         </p:nvGraphicFramePr>
         <p:xfrm>
@@ -10204,20 +9461,8 @@
                 <a:tableStyleId>{5C22544A-7EE6-4342-B048-85BDC9FD1C3A}</a:tableStyleId>
               </a:tblPr>
               <a:tblGrid>
-                <a:gridCol w="1381125">
-                  <a:extLst>
-                    <a:ext uri="{9D8B030D-6E8A-4147-A177-3AD203B41FA5}">
-                      <a16:colId xmlns:a16="http://schemas.microsoft.com/office/drawing/2014/main" val="521144321"/>
-                    </a:ext>
-                  </a:extLst>
-                </a:gridCol>
-                <a:gridCol w="9277350">
-                  <a:extLst>
-                    <a:ext uri="{9D8B030D-6E8A-4147-A177-3AD203B41FA5}">
-                      <a16:colId xmlns:a16="http://schemas.microsoft.com/office/drawing/2014/main" val="803515082"/>
-                    </a:ext>
-                  </a:extLst>
-                </a:gridCol>
+                <a:gridCol w="1381125"/>
+                <a:gridCol w="9277350"/>
               </a:tblGrid>
               <a:tr h="370840">
                 <a:tc>
@@ -10229,6 +9474,7 @@
                         <a:rPr lang="en-US" dirty="0"/>
                         <a:t>Tip</a:t>
                       </a:r>
+                      <a:endParaRPr lang="en-US" dirty="0"/>
                     </a:p>
                   </a:txBody>
                   <a:tcPr/>
@@ -10247,11 +9493,6 @@
                   </a:txBody>
                   <a:tcPr/>
                 </a:tc>
-                <a:extLst>
-                  <a:ext uri="{0D108BD9-81ED-4DB2-BD59-A6C34878D82A}">
-                    <a16:rowId xmlns:a16="http://schemas.microsoft.com/office/drawing/2014/main" val="660911455"/>
-                  </a:ext>
-                </a:extLst>
               </a:tr>
               <a:tr h="370840">
                 <a:tc>
@@ -10263,6 +9504,7 @@
                         <a:rPr lang="en-US" dirty="0"/>
                         <a:t>Char</a:t>
                       </a:r>
+                      <a:endParaRPr lang="en-US" dirty="0"/>
                     </a:p>
                   </a:txBody>
                   <a:tcPr/>
@@ -10385,11 +9627,6 @@
                   </a:txBody>
                   <a:tcPr/>
                 </a:tc>
-                <a:extLst>
-                  <a:ext uri="{0D108BD9-81ED-4DB2-BD59-A6C34878D82A}">
-                    <a16:rowId xmlns:a16="http://schemas.microsoft.com/office/drawing/2014/main" val="2338887133"/>
-                  </a:ext>
-                </a:extLst>
               </a:tr>
               <a:tr h="370840">
                 <a:tc>
@@ -10401,6 +9638,7 @@
                         <a:rPr lang="en-US" dirty="0"/>
                         <a:t>Char(n)</a:t>
                       </a:r>
+                      <a:endParaRPr lang="en-US" dirty="0"/>
                     </a:p>
                   </a:txBody>
                   <a:tcPr/>
@@ -10462,6 +9700,7 @@
                         <a:rPr lang="en-US" dirty="0"/>
                         <a:t>.</a:t>
                       </a:r>
+                      <a:endParaRPr lang="en-US" dirty="0"/>
                     </a:p>
                     <a:p>
                       <a:r>
@@ -10508,6 +9747,7 @@
                         <a:rPr lang="en-US" dirty="0"/>
                         <a:t>.</a:t>
                       </a:r>
+                      <a:endParaRPr lang="en-US" dirty="0"/>
                     </a:p>
                     <a:p>
                       <a:endParaRPr lang="en-US" dirty="0"/>
@@ -10541,6 +9781,7 @@
                         <a:rPr lang="en-US" dirty="0"/>
                         <a:t>.</a:t>
                       </a:r>
+                      <a:endParaRPr lang="en-US" dirty="0"/>
                     </a:p>
                     <a:p>
                       <a:r>
@@ -10615,6 +9856,7 @@
                         <a:rPr lang="en-US" dirty="0"/>
                         <a:t>.</a:t>
                       </a:r>
+                      <a:endParaRPr lang="en-US" dirty="0"/>
                     </a:p>
                     <a:p>
                       <a:r>
@@ -10669,15 +9911,11 @@
                         <a:rPr lang="en-US" dirty="0"/>
                         <a:t>.</a:t>
                       </a:r>
+                      <a:endParaRPr lang="en-US" dirty="0"/>
                     </a:p>
                   </a:txBody>
                   <a:tcPr/>
                 </a:tc>
-                <a:extLst>
-                  <a:ext uri="{0D108BD9-81ED-4DB2-BD59-A6C34878D82A}">
-                    <a16:rowId xmlns:a16="http://schemas.microsoft.com/office/drawing/2014/main" val="354951646"/>
-                  </a:ext>
-                </a:extLst>
               </a:tr>
               <a:tr h="370840">
                 <a:tc>
@@ -10689,6 +9927,7 @@
                         <a:rPr lang="en-US" dirty="0"/>
                         <a:t>Varchar(n)</a:t>
                       </a:r>
+                      <a:endParaRPr lang="en-US" dirty="0"/>
                     </a:p>
                   </a:txBody>
                   <a:tcPr/>
@@ -10766,6 +10005,7 @@
                         <a:rPr lang="en-US" dirty="0"/>
                         <a:t>.</a:t>
                       </a:r>
+                      <a:endParaRPr lang="en-US" dirty="0"/>
                     </a:p>
                     <a:p>
                       <a:r>
@@ -10852,6 +10092,7 @@
                         <a:rPr lang="en-US" dirty="0"/>
                         <a:t>.</a:t>
                       </a:r>
+                      <a:endParaRPr lang="en-US" dirty="0"/>
                     </a:p>
                     <a:p>
                       <a:r>
@@ -11165,6 +10406,15 @@
                         </a:rPr>
                         <a:t>.</a:t>
                       </a:r>
+                      <a:endParaRPr lang="en-US" sz="1800" b="0" i="0" kern="1200" dirty="0">
+                        <a:solidFill>
+                          <a:schemeClr val="dk1"/>
+                        </a:solidFill>
+                        <a:effectLst/>
+                        <a:latin typeface="+mn-lt"/>
+                        <a:ea typeface="+mn-ea"/>
+                        <a:cs typeface="+mn-cs"/>
+                      </a:endParaRPr>
                     </a:p>
                     <a:p>
                       <a:r>
@@ -11227,6 +10477,15 @@
                         </a:rPr>
                         <a:t> c5;</a:t>
                       </a:r>
+                      <a:endParaRPr lang="en-US" sz="1800" b="0" i="0" kern="1200" dirty="0">
+                        <a:solidFill>
+                          <a:schemeClr val="dk1"/>
+                        </a:solidFill>
+                        <a:effectLst/>
+                        <a:latin typeface="+mn-lt"/>
+                        <a:ea typeface="+mn-ea"/>
+                        <a:cs typeface="+mn-cs"/>
+                      </a:endParaRPr>
                     </a:p>
                     <a:p>
                       <a:r>
@@ -11720,26 +10979,25 @@
                         </a:rPr>
                         <a:t>.</a:t>
                       </a:r>
+                      <a:endParaRPr lang="en-US" sz="1800" b="0" i="0" kern="1200" dirty="0">
+                        <a:solidFill>
+                          <a:schemeClr val="dk1"/>
+                        </a:solidFill>
+                        <a:effectLst/>
+                        <a:latin typeface="+mn-lt"/>
+                        <a:ea typeface="+mn-ea"/>
+                        <a:cs typeface="+mn-cs"/>
+                      </a:endParaRPr>
                     </a:p>
                   </a:txBody>
                   <a:tcPr/>
                 </a:tc>
-                <a:extLst>
-                  <a:ext uri="{0D108BD9-81ED-4DB2-BD59-A6C34878D82A}">
-                    <a16:rowId xmlns:a16="http://schemas.microsoft.com/office/drawing/2014/main" val="3078768940"/>
-                  </a:ext>
-                </a:extLst>
               </a:tr>
             </a:tbl>
           </a:graphicData>
         </a:graphic>
       </p:graphicFrame>
     </p:spTree>
-    <p:extLst>
-      <p:ext uri="{BB962C8B-B14F-4D97-AF65-F5344CB8AC3E}">
-        <p14:creationId xmlns:p14="http://schemas.microsoft.com/office/powerpoint/2010/main" val="3464348371"/>
-      </p:ext>
-    </p:extLst>
   </p:cSld>
   <p:clrMapOvr>
     <a:masterClrMapping/>
@@ -11766,13 +11024,7 @@
       </p:grpSpPr>
       <p:sp>
         <p:nvSpPr>
-          <p:cNvPr id="2" name="Başlık 1">
-            <a:extLst>
-              <a:ext uri="{FF2B5EF4-FFF2-40B4-BE49-F238E27FC236}">
-                <a16:creationId xmlns:a16="http://schemas.microsoft.com/office/drawing/2014/main" id="{463F2605-298C-4367-9A34-F0079B546312}"/>
-              </a:ext>
-            </a:extLst>
-          </p:cNvPr>
+          <p:cNvPr id="2" name="Başlık 1"/>
           <p:cNvSpPr>
             <a:spLocks noGrp="1"/>
           </p:cNvSpPr>
@@ -11799,23 +11051,12 @@
       </p:sp>
       <p:graphicFrame>
         <p:nvGraphicFramePr>
-          <p:cNvPr id="4" name="Tablo 4">
-            <a:extLst>
-              <a:ext uri="{FF2B5EF4-FFF2-40B4-BE49-F238E27FC236}">
-                <a16:creationId xmlns:a16="http://schemas.microsoft.com/office/drawing/2014/main" id="{1998B17A-A1C6-4250-BD9D-B68C5F7DC987}"/>
-              </a:ext>
-            </a:extLst>
-          </p:cNvPr>
+          <p:cNvPr id="4" name="Tablo 4"/>
           <p:cNvGraphicFramePr>
             <a:graphicFrameLocks noGrp="1"/>
           </p:cNvGraphicFramePr>
           <p:nvPr>
             <p:ph idx="1"/>
-            <p:extLst>
-              <p:ext uri="{D42A27DB-BD31-4B8C-83A1-F6EECF244321}">
-                <p14:modId xmlns:p14="http://schemas.microsoft.com/office/powerpoint/2010/main" val="3328062220"/>
-              </p:ext>
-            </p:extLst>
           </p:nvPr>
         </p:nvGraphicFramePr>
         <p:xfrm>
@@ -11829,20 +11070,8 @@
                 <a:tableStyleId>{5C22544A-7EE6-4342-B048-85BDC9FD1C3A}</a:tableStyleId>
               </a:tblPr>
               <a:tblGrid>
-                <a:gridCol w="2041525">
-                  <a:extLst>
-                    <a:ext uri="{9D8B030D-6E8A-4147-A177-3AD203B41FA5}">
-                      <a16:colId xmlns:a16="http://schemas.microsoft.com/office/drawing/2014/main" val="2175554554"/>
-                    </a:ext>
-                  </a:extLst>
-                </a:gridCol>
-                <a:gridCol w="8616949">
-                  <a:extLst>
-                    <a:ext uri="{9D8B030D-6E8A-4147-A177-3AD203B41FA5}">
-                      <a16:colId xmlns:a16="http://schemas.microsoft.com/office/drawing/2014/main" val="85858159"/>
-                    </a:ext>
-                  </a:extLst>
-                </a:gridCol>
+                <a:gridCol w="2041525"/>
+                <a:gridCol w="8616949"/>
               </a:tblGrid>
               <a:tr h="370840">
                 <a:tc>
@@ -11854,6 +11083,7 @@
                         <a:rPr lang="en-US" dirty="0"/>
                         <a:t>Tip</a:t>
                       </a:r>
+                      <a:endParaRPr lang="en-US" dirty="0"/>
                     </a:p>
                   </a:txBody>
                   <a:tcPr/>
@@ -11872,11 +11102,6 @@
                   </a:txBody>
                   <a:tcPr/>
                 </a:tc>
-                <a:extLst>
-                  <a:ext uri="{0D108BD9-81ED-4DB2-BD59-A6C34878D82A}">
-                    <a16:rowId xmlns:a16="http://schemas.microsoft.com/office/drawing/2014/main" val="3946126968"/>
-                  </a:ext>
-                </a:extLst>
               </a:tr>
               <a:tr h="370840">
                 <a:tc>
@@ -11888,6 +11113,7 @@
                         <a:rPr lang="en-US" dirty="0"/>
                         <a:t>Text</a:t>
                       </a:r>
+                      <a:endParaRPr lang="en-US" dirty="0"/>
                     </a:p>
                   </a:txBody>
                   <a:tcPr/>
@@ -11941,15 +11167,11 @@
                         <a:rPr lang="en-US" dirty="0"/>
                         <a:t>.</a:t>
                       </a:r>
+                      <a:endParaRPr lang="en-US" dirty="0"/>
                     </a:p>
                   </a:txBody>
                   <a:tcPr/>
                 </a:tc>
-                <a:extLst>
-                  <a:ext uri="{0D108BD9-81ED-4DB2-BD59-A6C34878D82A}">
-                    <a16:rowId xmlns:a16="http://schemas.microsoft.com/office/drawing/2014/main" val="2000182526"/>
-                  </a:ext>
-                </a:extLst>
               </a:tr>
               <a:tr h="370840">
                 <a:tc>
@@ -11971,7 +11193,6 @@
                         <a:buSzTx/>
                         <a:buFontTx/>
                         <a:buNone/>
-                        <a:tabLst/>
                         <a:defRPr/>
                       </a:pPr>
                       <a:r>
@@ -11998,6 +11219,15 @@
                         </a:rPr>
                         <a:t>, int2</a:t>
                       </a:r>
+                      <a:endParaRPr lang="en-US" sz="1800" b="0" i="0" kern="1200" dirty="0">
+                        <a:solidFill>
+                          <a:schemeClr val="dk1"/>
+                        </a:solidFill>
+                        <a:effectLst/>
+                        <a:latin typeface="+mn-lt"/>
+                        <a:ea typeface="+mn-ea"/>
+                        <a:cs typeface="+mn-cs"/>
+                      </a:endParaRPr>
                     </a:p>
                   </a:txBody>
                   <a:tcPr/>
@@ -12051,6 +11281,7 @@
                         <a:rPr lang="en-US" dirty="0"/>
                         <a:t>.</a:t>
                       </a:r>
+                      <a:endParaRPr lang="en-US" dirty="0"/>
                     </a:p>
                     <a:p>
                       <a:r>
@@ -12101,15 +11332,11 @@
                         <a:rPr lang="en-US" dirty="0"/>
                         <a:t>.</a:t>
                       </a:r>
+                      <a:endParaRPr lang="en-US" dirty="0"/>
                     </a:p>
                   </a:txBody>
                   <a:tcPr/>
                 </a:tc>
-                <a:extLst>
-                  <a:ext uri="{0D108BD9-81ED-4DB2-BD59-A6C34878D82A}">
-                    <a16:rowId xmlns:a16="http://schemas.microsoft.com/office/drawing/2014/main" val="1453488836"/>
-                  </a:ext>
-                </a:extLst>
               </a:tr>
               <a:tr h="370840">
                 <a:tc>
@@ -12131,7 +11358,6 @@
                         <a:buSzTx/>
                         <a:buFontTx/>
                         <a:buNone/>
-                        <a:tabLst/>
                         <a:defRPr/>
                       </a:pPr>
                       <a:r>
@@ -12146,6 +11372,15 @@
                         </a:rPr>
                         <a:t>integer, int4, int</a:t>
                       </a:r>
+                      <a:endParaRPr lang="en-US" sz="1800" b="0" i="0" kern="1200" dirty="0">
+                        <a:solidFill>
+                          <a:schemeClr val="dk1"/>
+                        </a:solidFill>
+                        <a:effectLst/>
+                        <a:latin typeface="+mn-lt"/>
+                        <a:ea typeface="+mn-ea"/>
+                        <a:cs typeface="+mn-cs"/>
+                      </a:endParaRPr>
                     </a:p>
                   </a:txBody>
                   <a:tcPr/>
@@ -12199,15 +11434,11 @@
                         <a:rPr lang="en-US" dirty="0"/>
                         <a:t>.</a:t>
                       </a:r>
+                      <a:endParaRPr lang="en-US" dirty="0"/>
                     </a:p>
                   </a:txBody>
                   <a:tcPr/>
                 </a:tc>
-                <a:extLst>
-                  <a:ext uri="{0D108BD9-81ED-4DB2-BD59-A6C34878D82A}">
-                    <a16:rowId xmlns:a16="http://schemas.microsoft.com/office/drawing/2014/main" val="117918925"/>
-                  </a:ext>
-                </a:extLst>
               </a:tr>
               <a:tr h="370840">
                 <a:tc>
@@ -12229,7 +11460,6 @@
                         <a:buSzTx/>
                         <a:buFontTx/>
                         <a:buNone/>
-                        <a:tabLst/>
                         <a:defRPr/>
                       </a:pPr>
                       <a:r>
@@ -12256,6 +11486,15 @@
                         </a:rPr>
                         <a:t>, int8</a:t>
                       </a:r>
+                      <a:endParaRPr lang="en-US" sz="1800" b="0" i="0" kern="1200" dirty="0">
+                        <a:solidFill>
+                          <a:schemeClr val="dk1"/>
+                        </a:solidFill>
+                        <a:effectLst/>
+                        <a:latin typeface="+mn-lt"/>
+                        <a:ea typeface="+mn-ea"/>
+                        <a:cs typeface="+mn-cs"/>
+                      </a:endParaRPr>
                     </a:p>
                   </a:txBody>
                   <a:tcPr/>
@@ -12309,15 +11548,11 @@
                         <a:rPr lang="en-US" dirty="0"/>
                         <a:t>.</a:t>
                       </a:r>
+                      <a:endParaRPr lang="en-US" dirty="0"/>
                     </a:p>
                   </a:txBody>
                   <a:tcPr/>
                 </a:tc>
-                <a:extLst>
-                  <a:ext uri="{0D108BD9-81ED-4DB2-BD59-A6C34878D82A}">
-                    <a16:rowId xmlns:a16="http://schemas.microsoft.com/office/drawing/2014/main" val="800218779"/>
-                  </a:ext>
-                </a:extLst>
               </a:tr>
               <a:tr h="370840">
                 <a:tc>
@@ -12339,7 +11574,6 @@
                         <a:buSzTx/>
                         <a:buFontTx/>
                         <a:buNone/>
-                        <a:tabLst/>
                         <a:defRPr/>
                       </a:pPr>
                       <a:r>
@@ -12452,15 +11686,11 @@
                         <a:rPr lang="en-US" dirty="0"/>
                         <a:t>.</a:t>
                       </a:r>
+                      <a:endParaRPr lang="en-US" dirty="0"/>
                     </a:p>
                   </a:txBody>
                   <a:tcPr/>
                 </a:tc>
-                <a:extLst>
-                  <a:ext uri="{0D108BD9-81ED-4DB2-BD59-A6C34878D82A}">
-                    <a16:rowId xmlns:a16="http://schemas.microsoft.com/office/drawing/2014/main" val="2907661739"/>
-                  </a:ext>
-                </a:extLst>
               </a:tr>
               <a:tr h="370840">
                 <a:tc>
@@ -12482,7 +11712,6 @@
                         <a:buSzTx/>
                         <a:buFontTx/>
                         <a:buNone/>
-                        <a:tabLst/>
                         <a:defRPr/>
                       </a:pPr>
                       <a:r>
@@ -12497,6 +11726,15 @@
                         </a:rPr>
                         <a:t>Reel</a:t>
                       </a:r>
+                      <a:endParaRPr lang="en-US" sz="1800" b="0" i="0" kern="1200" dirty="0">
+                        <a:solidFill>
+                          <a:schemeClr val="dk1"/>
+                        </a:solidFill>
+                        <a:effectLst/>
+                        <a:latin typeface="+mn-lt"/>
+                        <a:ea typeface="+mn-ea"/>
+                        <a:cs typeface="+mn-cs"/>
+                      </a:endParaRPr>
                     </a:p>
                   </a:txBody>
                   <a:tcPr/>
@@ -12542,15 +11780,11 @@
                         <a:rPr lang="en-US" dirty="0"/>
                         <a:t>.</a:t>
                       </a:r>
+                      <a:endParaRPr lang="en-US" dirty="0"/>
                     </a:p>
                   </a:txBody>
                   <a:tcPr/>
                 </a:tc>
-                <a:extLst>
-                  <a:ext uri="{0D108BD9-81ED-4DB2-BD59-A6C34878D82A}">
-                    <a16:rowId xmlns:a16="http://schemas.microsoft.com/office/drawing/2014/main" val="2508747024"/>
-                  </a:ext>
-                </a:extLst>
               </a:tr>
               <a:tr h="370840">
                 <a:tc>
@@ -12572,7 +11806,6 @@
                         <a:buSzTx/>
                         <a:buFontTx/>
                         <a:buNone/>
-                        <a:tabLst/>
                         <a:defRPr/>
                       </a:pPr>
                       <a:r>
@@ -12587,6 +11820,15 @@
                         </a:rPr>
                         <a:t>Numeric</a:t>
                       </a:r>
+                      <a:endParaRPr lang="en-US" sz="1800" b="0" i="0" kern="1200" dirty="0">
+                        <a:solidFill>
+                          <a:schemeClr val="dk1"/>
+                        </a:solidFill>
+                        <a:effectLst/>
+                        <a:latin typeface="+mn-lt"/>
+                        <a:ea typeface="+mn-ea"/>
+                        <a:cs typeface="+mn-cs"/>
+                      </a:endParaRPr>
                     </a:p>
                   </a:txBody>
                   <a:tcPr/>
@@ -12640,15 +11882,11 @@
                         <a:rPr lang="en-US" dirty="0"/>
                         <a:t>.</a:t>
                       </a:r>
+                      <a:endParaRPr lang="en-US" dirty="0"/>
                     </a:p>
                   </a:txBody>
                   <a:tcPr/>
                 </a:tc>
-                <a:extLst>
-                  <a:ext uri="{0D108BD9-81ED-4DB2-BD59-A6C34878D82A}">
-                    <a16:rowId xmlns:a16="http://schemas.microsoft.com/office/drawing/2014/main" val="1584355779"/>
-                  </a:ext>
-                </a:extLst>
               </a:tr>
               <a:tr h="370840">
                 <a:tc>
@@ -12670,7 +11908,6 @@
                         <a:buSzTx/>
                         <a:buFontTx/>
                         <a:buNone/>
-                        <a:tabLst/>
                         <a:defRPr/>
                       </a:pPr>
                       <a:r>
@@ -12685,6 +11922,15 @@
                         </a:rPr>
                         <a:t>Boolean</a:t>
                       </a:r>
+                      <a:endParaRPr lang="en-US" sz="1800" b="0" i="0" kern="1200" dirty="0">
+                        <a:solidFill>
+                          <a:schemeClr val="dk1"/>
+                        </a:solidFill>
+                        <a:effectLst/>
+                        <a:latin typeface="+mn-lt"/>
+                        <a:ea typeface="+mn-ea"/>
+                        <a:cs typeface="+mn-cs"/>
+                      </a:endParaRPr>
                     </a:p>
                   </a:txBody>
                   <a:tcPr/>
@@ -12786,26 +12032,17 @@
                         <a:rPr lang="en-US" dirty="0"/>
                         <a:t>.</a:t>
                       </a:r>
+                      <a:endParaRPr lang="en-US" dirty="0"/>
                     </a:p>
                   </a:txBody>
                   <a:tcPr/>
                 </a:tc>
-                <a:extLst>
-                  <a:ext uri="{0D108BD9-81ED-4DB2-BD59-A6C34878D82A}">
-                    <a16:rowId xmlns:a16="http://schemas.microsoft.com/office/drawing/2014/main" val="4213186650"/>
-                  </a:ext>
-                </a:extLst>
               </a:tr>
             </a:tbl>
           </a:graphicData>
         </a:graphic>
       </p:graphicFrame>
     </p:spTree>
-    <p:extLst>
-      <p:ext uri="{BB962C8B-B14F-4D97-AF65-F5344CB8AC3E}">
-        <p14:creationId xmlns:p14="http://schemas.microsoft.com/office/powerpoint/2010/main" val="1812511544"/>
-      </p:ext>
-    </p:extLst>
   </p:cSld>
   <p:clrMapOvr>
     <a:masterClrMapping/>
@@ -12862,15 +12099,11 @@
               <a:rPr lang="tr-TR" sz="4000" dirty="0"/>
               <a:t>Genel Bakış</a:t>
             </a:r>
+            <a:endParaRPr lang="tr-TR" sz="4000" dirty="0"/>
           </a:p>
         </p:txBody>
       </p:sp>
     </p:spTree>
-    <p:extLst>
-      <p:ext uri="{BB962C8B-B14F-4D97-AF65-F5344CB8AC3E}">
-        <p14:creationId xmlns:p14="http://schemas.microsoft.com/office/powerpoint/2010/main" val="3701387426"/>
-      </p:ext>
-    </p:extLst>
   </p:cSld>
   <p:clrMapOvr>
     <a:masterClrMapping/>
@@ -12897,13 +12130,7 @@
       </p:grpSpPr>
       <p:sp>
         <p:nvSpPr>
-          <p:cNvPr id="2" name="Başlık 1">
-            <a:extLst>
-              <a:ext uri="{FF2B5EF4-FFF2-40B4-BE49-F238E27FC236}">
-                <a16:creationId xmlns:a16="http://schemas.microsoft.com/office/drawing/2014/main" id="{16655A29-EFC6-433C-94B9-0238741EDA05}"/>
-              </a:ext>
-            </a:extLst>
-          </p:cNvPr>
+          <p:cNvPr id="2" name="Başlık 1"/>
           <p:cNvSpPr>
             <a:spLocks noGrp="1"/>
           </p:cNvSpPr>
@@ -12930,23 +12157,12 @@
       </p:sp>
       <p:graphicFrame>
         <p:nvGraphicFramePr>
-          <p:cNvPr id="4" name="Tablo 4">
-            <a:extLst>
-              <a:ext uri="{FF2B5EF4-FFF2-40B4-BE49-F238E27FC236}">
-                <a16:creationId xmlns:a16="http://schemas.microsoft.com/office/drawing/2014/main" id="{CFFA9E1E-530B-4A32-8C21-EE3E01966F6C}"/>
-              </a:ext>
-            </a:extLst>
-          </p:cNvPr>
+          <p:cNvPr id="4" name="Tablo 4"/>
           <p:cNvGraphicFramePr>
             <a:graphicFrameLocks noGrp="1"/>
           </p:cNvGraphicFramePr>
           <p:nvPr>
             <p:ph idx="1"/>
-            <p:extLst>
-              <p:ext uri="{D42A27DB-BD31-4B8C-83A1-F6EECF244321}">
-                <p14:modId xmlns:p14="http://schemas.microsoft.com/office/powerpoint/2010/main" val="2890019894"/>
-              </p:ext>
-            </p:extLst>
           </p:nvPr>
         </p:nvGraphicFramePr>
         <p:xfrm>
@@ -12960,20 +12176,8 @@
                 <a:tableStyleId>{5C22544A-7EE6-4342-B048-85BDC9FD1C3A}</a:tableStyleId>
               </a:tblPr>
               <a:tblGrid>
-                <a:gridCol w="1474258">
-                  <a:extLst>
-                    <a:ext uri="{9D8B030D-6E8A-4147-A177-3AD203B41FA5}">
-                      <a16:colId xmlns:a16="http://schemas.microsoft.com/office/drawing/2014/main" val="3870368755"/>
-                    </a:ext>
-                  </a:extLst>
-                </a:gridCol>
-                <a:gridCol w="9184216">
-                  <a:extLst>
-                    <a:ext uri="{9D8B030D-6E8A-4147-A177-3AD203B41FA5}">
-                      <a16:colId xmlns:a16="http://schemas.microsoft.com/office/drawing/2014/main" val="2783790470"/>
-                    </a:ext>
-                  </a:extLst>
-                </a:gridCol>
+                <a:gridCol w="1474258"/>
+                <a:gridCol w="9184216"/>
               </a:tblGrid>
               <a:tr h="370840">
                 <a:tc>
@@ -12985,6 +12189,7 @@
                         <a:rPr lang="en-US" dirty="0"/>
                         <a:t>Tip</a:t>
                       </a:r>
+                      <a:endParaRPr lang="en-US" dirty="0"/>
                     </a:p>
                   </a:txBody>
                   <a:tcPr/>
@@ -13003,11 +12208,6 @@
                   </a:txBody>
                   <a:tcPr/>
                 </a:tc>
-                <a:extLst>
-                  <a:ext uri="{0D108BD9-81ED-4DB2-BD59-A6C34878D82A}">
-                    <a16:rowId xmlns:a16="http://schemas.microsoft.com/office/drawing/2014/main" val="86223842"/>
-                  </a:ext>
-                </a:extLst>
               </a:tr>
               <a:tr h="370840">
                 <a:tc>
@@ -13029,7 +12229,6 @@
                         <a:buSzTx/>
                         <a:buFontTx/>
                         <a:buNone/>
-                        <a:tabLst/>
                         <a:defRPr/>
                       </a:pPr>
                       <a:r>
@@ -13044,6 +12243,15 @@
                         </a:rPr>
                         <a:t>Date</a:t>
                       </a:r>
+                      <a:endParaRPr lang="en-US" sz="1800" b="0" i="0" kern="1200" dirty="0">
+                        <a:solidFill>
+                          <a:schemeClr val="dk1"/>
+                        </a:solidFill>
+                        <a:effectLst/>
+                        <a:latin typeface="+mn-lt"/>
+                        <a:ea typeface="+mn-ea"/>
+                        <a:cs typeface="+mn-cs"/>
+                      </a:endParaRPr>
                     </a:p>
                   </a:txBody>
                   <a:tcPr/>
@@ -13133,15 +12341,11 @@
                         <a:rPr lang="en-US" dirty="0"/>
                         <a:t>.</a:t>
                       </a:r>
+                      <a:endParaRPr lang="en-US" dirty="0"/>
                     </a:p>
                   </a:txBody>
                   <a:tcPr/>
                 </a:tc>
-                <a:extLst>
-                  <a:ext uri="{0D108BD9-81ED-4DB2-BD59-A6C34878D82A}">
-                    <a16:rowId xmlns:a16="http://schemas.microsoft.com/office/drawing/2014/main" val="2200874430"/>
-                  </a:ext>
-                </a:extLst>
               </a:tr>
               <a:tr h="370840">
                 <a:tc>
@@ -13163,7 +12367,6 @@
                         <a:buSzTx/>
                         <a:buFontTx/>
                         <a:buNone/>
-                        <a:tabLst/>
                         <a:defRPr/>
                       </a:pPr>
                       <a:r>
@@ -13178,6 +12381,15 @@
                         </a:rPr>
                         <a:t>Time</a:t>
                       </a:r>
+                      <a:endParaRPr lang="en-US" sz="1800" b="0" i="0" kern="1200" dirty="0">
+                        <a:solidFill>
+                          <a:schemeClr val="dk1"/>
+                        </a:solidFill>
+                        <a:effectLst/>
+                        <a:latin typeface="+mn-lt"/>
+                        <a:ea typeface="+mn-ea"/>
+                        <a:cs typeface="+mn-cs"/>
+                      </a:endParaRPr>
                     </a:p>
                   </a:txBody>
                   <a:tcPr/>
@@ -13211,15 +12423,11 @@
                         <a:rPr lang="en-US" dirty="0"/>
                         <a:t>.</a:t>
                       </a:r>
+                      <a:endParaRPr lang="en-US" dirty="0"/>
                     </a:p>
                   </a:txBody>
                   <a:tcPr/>
                 </a:tc>
-                <a:extLst>
-                  <a:ext uri="{0D108BD9-81ED-4DB2-BD59-A6C34878D82A}">
-                    <a16:rowId xmlns:a16="http://schemas.microsoft.com/office/drawing/2014/main" val="3439466430"/>
-                  </a:ext>
-                </a:extLst>
               </a:tr>
               <a:tr h="370840">
                 <a:tc>
@@ -13241,7 +12449,6 @@
                         <a:buSzTx/>
                         <a:buFontTx/>
                         <a:buNone/>
-                        <a:tabLst/>
                         <a:defRPr/>
                       </a:pPr>
                       <a:r>
@@ -13256,6 +12463,15 @@
                         </a:rPr>
                         <a:t>Timestamp</a:t>
                       </a:r>
+                      <a:endParaRPr lang="en-US" sz="1800" b="0" i="0" kern="1200" dirty="0">
+                        <a:solidFill>
+                          <a:schemeClr val="dk1"/>
+                        </a:solidFill>
+                        <a:effectLst/>
+                        <a:latin typeface="+mn-lt"/>
+                        <a:ea typeface="+mn-ea"/>
+                        <a:cs typeface="+mn-cs"/>
+                      </a:endParaRPr>
                     </a:p>
                   </a:txBody>
                   <a:tcPr/>
@@ -13309,15 +12525,11 @@
                         <a:rPr lang="en-US" dirty="0"/>
                         <a:t>.</a:t>
                       </a:r>
+                      <a:endParaRPr lang="en-US" dirty="0"/>
                     </a:p>
                   </a:txBody>
                   <a:tcPr/>
                 </a:tc>
-                <a:extLst>
-                  <a:ext uri="{0D108BD9-81ED-4DB2-BD59-A6C34878D82A}">
-                    <a16:rowId xmlns:a16="http://schemas.microsoft.com/office/drawing/2014/main" val="46013851"/>
-                  </a:ext>
-                </a:extLst>
               </a:tr>
               <a:tr h="370840">
                 <a:tc>
@@ -13339,7 +12551,6 @@
                         <a:buSzTx/>
                         <a:buFontTx/>
                         <a:buNone/>
-                        <a:tabLst/>
                         <a:defRPr/>
                       </a:pPr>
                       <a:r>
@@ -13404,26 +12615,17 @@
                         <a:rPr lang="en-US" dirty="0"/>
                         <a:t>.</a:t>
                       </a:r>
+                      <a:endParaRPr lang="en-US" dirty="0"/>
                     </a:p>
                   </a:txBody>
                   <a:tcPr/>
                 </a:tc>
-                <a:extLst>
-                  <a:ext uri="{0D108BD9-81ED-4DB2-BD59-A6C34878D82A}">
-                    <a16:rowId xmlns:a16="http://schemas.microsoft.com/office/drawing/2014/main" val="3576598560"/>
-                  </a:ext>
-                </a:extLst>
               </a:tr>
             </a:tbl>
           </a:graphicData>
         </a:graphic>
       </p:graphicFrame>
     </p:spTree>
-    <p:extLst>
-      <p:ext uri="{BB962C8B-B14F-4D97-AF65-F5344CB8AC3E}">
-        <p14:creationId xmlns:p14="http://schemas.microsoft.com/office/powerpoint/2010/main" val="2194915247"/>
-      </p:ext>
-    </p:extLst>
   </p:cSld>
   <p:clrMapOvr>
     <a:masterClrMapping/>
@@ -13450,13 +12652,7 @@
       </p:grpSpPr>
       <p:sp>
         <p:nvSpPr>
-          <p:cNvPr id="2" name="Başlık 1">
-            <a:extLst>
-              <a:ext uri="{FF2B5EF4-FFF2-40B4-BE49-F238E27FC236}">
-                <a16:creationId xmlns:a16="http://schemas.microsoft.com/office/drawing/2014/main" id="{3C302A42-54AE-436F-885F-001860BD08E0}"/>
-              </a:ext>
-            </a:extLst>
-          </p:cNvPr>
+          <p:cNvPr id="2" name="Başlık 1"/>
           <p:cNvSpPr>
             <a:spLocks noGrp="1"/>
           </p:cNvSpPr>
@@ -13495,13 +12691,7 @@
       </p:sp>
       <p:sp>
         <p:nvSpPr>
-          <p:cNvPr id="3" name="İçerik Yer Tutucusu 2">
-            <a:extLst>
-              <a:ext uri="{FF2B5EF4-FFF2-40B4-BE49-F238E27FC236}">
-                <a16:creationId xmlns:a16="http://schemas.microsoft.com/office/drawing/2014/main" id="{9B7058D9-9FEE-4ACA-BEAF-DA08D99BDCBD}"/>
-              </a:ext>
-            </a:extLst>
-          </p:cNvPr>
+          <p:cNvPr id="3" name="İçerik Yer Tutucusu 2"/>
           <p:cNvSpPr>
             <a:spLocks noGrp="1"/>
           </p:cNvSpPr>
@@ -13602,12 +12792,14 @@
               <a:rPr lang="en-US" dirty="0"/>
               <a:t>.</a:t>
             </a:r>
+            <a:endParaRPr lang="en-US" dirty="0"/>
           </a:p>
           <a:p>
             <a:r>
               <a:rPr lang="en-US" dirty="0"/>
               <a:t>“create table users(id integer primary key not null, name varchar(50) not null, surname varchar(50) not null)”</a:t>
             </a:r>
+            <a:endParaRPr lang="en-US" dirty="0"/>
           </a:p>
           <a:p>
             <a:r>
@@ -13722,15 +12914,11 @@
               <a:rPr lang="en-US" dirty="0"/>
               <a:t>.</a:t>
             </a:r>
+            <a:endParaRPr lang="en-US" dirty="0"/>
           </a:p>
         </p:txBody>
       </p:sp>
     </p:spTree>
-    <p:extLst>
-      <p:ext uri="{BB962C8B-B14F-4D97-AF65-F5344CB8AC3E}">
-        <p14:creationId xmlns:p14="http://schemas.microsoft.com/office/powerpoint/2010/main" val="3958074360"/>
-      </p:ext>
-    </p:extLst>
   </p:cSld>
   <p:clrMapOvr>
     <a:masterClrMapping/>
@@ -13757,13 +12945,7 @@
       </p:grpSpPr>
       <p:sp>
         <p:nvSpPr>
-          <p:cNvPr id="2" name="Başlık 1">
-            <a:extLst>
-              <a:ext uri="{FF2B5EF4-FFF2-40B4-BE49-F238E27FC236}">
-                <a16:creationId xmlns:a16="http://schemas.microsoft.com/office/drawing/2014/main" id="{7A9CAA85-1547-4E62-9EEE-CE7802911FAF}"/>
-              </a:ext>
-            </a:extLst>
-          </p:cNvPr>
+          <p:cNvPr id="2" name="Başlık 1"/>
           <p:cNvSpPr>
             <a:spLocks noGrp="1"/>
           </p:cNvSpPr>
@@ -13806,13 +12988,7 @@
       </p:sp>
       <p:sp>
         <p:nvSpPr>
-          <p:cNvPr id="3" name="İçerik Yer Tutucusu 2">
-            <a:extLst>
-              <a:ext uri="{FF2B5EF4-FFF2-40B4-BE49-F238E27FC236}">
-                <a16:creationId xmlns:a16="http://schemas.microsoft.com/office/drawing/2014/main" id="{ABA3E4B0-59C4-4622-918B-6A7CEECD41FE}"/>
-              </a:ext>
-            </a:extLst>
-          </p:cNvPr>
+          <p:cNvPr id="3" name="İçerik Yer Tutucusu 2"/>
           <p:cNvSpPr>
             <a:spLocks noGrp="1"/>
           </p:cNvSpPr>
@@ -13909,6 +13085,7 @@
               <a:rPr lang="en-US" dirty="0"/>
               <a:t>;</a:t>
             </a:r>
+            <a:endParaRPr lang="en-US" dirty="0"/>
           </a:p>
           <a:p>
             <a:r>
@@ -14043,15 +13220,11 @@
               <a:rPr lang="en-US" dirty="0"/>
               <a:t>.</a:t>
             </a:r>
+            <a:endParaRPr lang="en-US" dirty="0"/>
           </a:p>
         </p:txBody>
       </p:sp>
     </p:spTree>
-    <p:extLst>
-      <p:ext uri="{BB962C8B-B14F-4D97-AF65-F5344CB8AC3E}">
-        <p14:creationId xmlns:p14="http://schemas.microsoft.com/office/powerpoint/2010/main" val="3678422692"/>
-      </p:ext>
-    </p:extLst>
   </p:cSld>
   <p:clrMapOvr>
     <a:masterClrMapping/>
@@ -14078,13 +13251,7 @@
       </p:grpSpPr>
       <p:sp>
         <p:nvSpPr>
-          <p:cNvPr id="2" name="Başlık 1">
-            <a:extLst>
-              <a:ext uri="{FF2B5EF4-FFF2-40B4-BE49-F238E27FC236}">
-                <a16:creationId xmlns:a16="http://schemas.microsoft.com/office/drawing/2014/main" id="{ADB6FCD0-014E-46A2-B0DF-C3F76F3E4C4D}"/>
-              </a:ext>
-            </a:extLst>
-          </p:cNvPr>
+          <p:cNvPr id="2" name="Başlık 1"/>
           <p:cNvSpPr>
             <a:spLocks noGrp="1"/>
           </p:cNvSpPr>
@@ -14126,23 +13293,12 @@
       </p:sp>
       <p:graphicFrame>
         <p:nvGraphicFramePr>
-          <p:cNvPr id="5" name="İçerik Yer Tutucusu 2">
-            <a:extLst>
-              <a:ext uri="{FF2B5EF4-FFF2-40B4-BE49-F238E27FC236}">
-                <a16:creationId xmlns:a16="http://schemas.microsoft.com/office/drawing/2014/main" id="{1DB0A528-E621-46B8-08A3-02CB0D26971E}"/>
-              </a:ext>
-            </a:extLst>
-          </p:cNvPr>
+          <p:cNvPr id="5" name="İçerik Yer Tutucusu 2"/>
           <p:cNvGraphicFramePr>
             <a:graphicFrameLocks noGrp="1"/>
           </p:cNvGraphicFramePr>
           <p:nvPr>
             <p:ph idx="1"/>
-            <p:extLst>
-              <p:ext uri="{D42A27DB-BD31-4B8C-83A1-F6EECF244321}">
-                <p14:modId xmlns:p14="http://schemas.microsoft.com/office/powerpoint/2010/main" val="4187745178"/>
-              </p:ext>
-            </p:extLst>
           </p:nvPr>
         </p:nvGraphicFramePr>
         <p:xfrm>
@@ -14151,16 +13307,11 @@
         </p:xfrm>
         <a:graphic>
           <a:graphicData uri="http://schemas.openxmlformats.org/drawingml/2006/diagram">
-            <dgm:relIds xmlns:dgm="http://schemas.openxmlformats.org/drawingml/2006/diagram" xmlns:r="http://schemas.openxmlformats.org/officeDocument/2006/relationships" r:dm="rId2" r:lo="rId3" r:qs="rId4" r:cs="rId5"/>
+            <dgm:relIds xmlns:dgm="http://schemas.openxmlformats.org/drawingml/2006/diagram" xmlns:r="http://schemas.openxmlformats.org/officeDocument/2006/relationships" r:dm="rId1" r:lo="rId2" r:qs="rId3" r:cs="rId4"/>
           </a:graphicData>
         </a:graphic>
       </p:graphicFrame>
     </p:spTree>
-    <p:extLst>
-      <p:ext uri="{BB962C8B-B14F-4D97-AF65-F5344CB8AC3E}">
-        <p14:creationId xmlns:p14="http://schemas.microsoft.com/office/powerpoint/2010/main" val="153161287"/>
-      </p:ext>
-    </p:extLst>
   </p:cSld>
   <p:clrMapOvr>
     <a:masterClrMapping/>
@@ -14187,13 +13338,7 @@
       </p:grpSpPr>
       <p:sp>
         <p:nvSpPr>
-          <p:cNvPr id="2" name="Başlık 1">
-            <a:extLst>
-              <a:ext uri="{FF2B5EF4-FFF2-40B4-BE49-F238E27FC236}">
-                <a16:creationId xmlns:a16="http://schemas.microsoft.com/office/drawing/2014/main" id="{FB050988-D9C7-4D4A-A8BC-6281828369B0}"/>
-              </a:ext>
-            </a:extLst>
-          </p:cNvPr>
+          <p:cNvPr id="2" name="Başlık 1"/>
           <p:cNvSpPr>
             <a:spLocks noGrp="1"/>
           </p:cNvSpPr>
@@ -14228,13 +13373,7 @@
       </p:sp>
       <p:sp>
         <p:nvSpPr>
-          <p:cNvPr id="3" name="İçerik Yer Tutucusu 2">
-            <a:extLst>
-              <a:ext uri="{FF2B5EF4-FFF2-40B4-BE49-F238E27FC236}">
-                <a16:creationId xmlns:a16="http://schemas.microsoft.com/office/drawing/2014/main" id="{7CD36085-42AF-4087-BAAD-85B1F0317868}"/>
-              </a:ext>
-            </a:extLst>
-          </p:cNvPr>
+          <p:cNvPr id="3" name="İçerik Yer Tutucusu 2"/>
           <p:cNvSpPr>
             <a:spLocks noGrp="1"/>
           </p:cNvSpPr>
@@ -14391,12 +13530,14 @@
               <a:rPr lang="en-US" dirty="0"/>
               <a:t>.</a:t>
             </a:r>
+            <a:endParaRPr lang="en-US" dirty="0"/>
           </a:p>
           <a:p>
             <a:r>
               <a:rPr lang="en-US" dirty="0"/>
               <a:t>“create database test”</a:t>
             </a:r>
+            <a:endParaRPr lang="en-US" dirty="0"/>
           </a:p>
           <a:p>
             <a:r>
@@ -14555,15 +13696,11 @@
               <a:rPr lang="en-US" dirty="0"/>
               <a:t>.</a:t>
             </a:r>
+            <a:endParaRPr lang="en-US" dirty="0"/>
           </a:p>
         </p:txBody>
       </p:sp>
     </p:spTree>
-    <p:extLst>
-      <p:ext uri="{BB962C8B-B14F-4D97-AF65-F5344CB8AC3E}">
-        <p14:creationId xmlns:p14="http://schemas.microsoft.com/office/powerpoint/2010/main" val="2098427285"/>
-      </p:ext>
-    </p:extLst>
   </p:cSld>
   <p:clrMapOvr>
     <a:masterClrMapping/>
@@ -14607,6 +13744,7 @@
               <a:rPr lang="tr-TR"/>
               <a:t>DDL KOMUTLARI</a:t>
             </a:r>
+            <a:endParaRPr lang="tr-TR"/>
           </a:p>
         </p:txBody>
       </p:sp>
@@ -14629,6 +13767,7 @@
               <a:rPr lang="tr-TR"/>
               <a:t>TABLO OLUŞTURMA, TABLO SİLME, TABLOYA YENİ ALANLAR EKLEME V.B. İŞLERİ YAPAN KOMUTLARDIR. BUNLAR;</a:t>
             </a:r>
+            <a:endParaRPr lang="tr-TR"/>
           </a:p>
           <a:p>
             <a:pPr lvl="1"/>
@@ -14636,6 +13775,7 @@
               <a:rPr lang="tr-TR"/>
               <a:t>CREATE TABLE</a:t>
             </a:r>
+            <a:endParaRPr lang="tr-TR"/>
           </a:p>
           <a:p>
             <a:pPr lvl="1"/>
@@ -14643,6 +13783,7 @@
               <a:rPr lang="tr-TR"/>
               <a:t>CREATE INDEX</a:t>
             </a:r>
+            <a:endParaRPr lang="tr-TR"/>
           </a:p>
           <a:p>
             <a:pPr lvl="1"/>
@@ -14650,6 +13791,7 @@
               <a:rPr lang="tr-TR"/>
               <a:t>DROP TABLE</a:t>
             </a:r>
+            <a:endParaRPr lang="tr-TR"/>
           </a:p>
           <a:p>
             <a:pPr lvl="1"/>
@@ -14657,6 +13799,7 @@
               <a:rPr lang="tr-TR"/>
               <a:t>ALTER TABLE</a:t>
             </a:r>
+            <a:endParaRPr lang="tr-TR"/>
           </a:p>
         </p:txBody>
       </p:sp>
@@ -14704,6 +13847,7 @@
               <a:rPr lang="tr-TR"/>
               <a:t>DML KOMUTLARI</a:t>
             </a:r>
+            <a:endParaRPr lang="tr-TR"/>
           </a:p>
         </p:txBody>
       </p:sp>
@@ -14726,6 +13870,7 @@
               <a:rPr lang="tr-TR"/>
               <a:t>TABLOLARDAKİ ALANLAR ÜZERİNDE İŞLEM YAPAN KOMUTLARDIR. BUNLAR;</a:t>
             </a:r>
+            <a:endParaRPr lang="tr-TR"/>
           </a:p>
           <a:p>
             <a:pPr lvl="1"/>
@@ -14733,6 +13878,7 @@
               <a:rPr lang="tr-TR"/>
               <a:t>SELECT</a:t>
             </a:r>
+            <a:endParaRPr lang="tr-TR"/>
           </a:p>
           <a:p>
             <a:pPr lvl="1"/>
@@ -14740,6 +13886,7 @@
               <a:rPr lang="tr-TR"/>
               <a:t>INSERT</a:t>
             </a:r>
+            <a:endParaRPr lang="tr-TR"/>
           </a:p>
           <a:p>
             <a:pPr lvl="1"/>
@@ -14747,6 +13894,7 @@
               <a:rPr lang="tr-TR"/>
               <a:t>UPDATE</a:t>
             </a:r>
+            <a:endParaRPr lang="tr-TR"/>
           </a:p>
           <a:p>
             <a:pPr lvl="1"/>
@@ -14754,6 +13902,7 @@
               <a:rPr lang="tr-TR"/>
               <a:t>DELETE</a:t>
             </a:r>
+            <a:endParaRPr lang="tr-TR"/>
           </a:p>
         </p:txBody>
       </p:sp>
@@ -14801,6 +13950,7 @@
               <a:rPr lang="tr-TR"/>
               <a:t>TEMEL YAPI</a:t>
             </a:r>
+            <a:endParaRPr lang="tr-TR"/>
           </a:p>
         </p:txBody>
       </p:sp>
@@ -14823,6 +13973,7 @@
               <a:rPr lang="tr-TR"/>
               <a:t>DML KOMUTLARINDA TEMEL YAPI AŞAĞIDAKİ GİBİDİR.</a:t>
             </a:r>
+            <a:endParaRPr lang="tr-TR"/>
           </a:p>
           <a:p>
             <a:pPr lvl="1"/>
@@ -14830,6 +13981,7 @@
               <a:rPr lang="tr-TR"/>
               <a:t>SELECT ALAN(LAR)</a:t>
             </a:r>
+            <a:endParaRPr lang="tr-TR"/>
           </a:p>
           <a:p>
             <a:pPr lvl="2"/>
@@ -14837,6 +13989,7 @@
               <a:rPr lang="tr-TR"/>
               <a:t>FROM TABLO ADI IN VERİTABANI</a:t>
             </a:r>
+            <a:endParaRPr lang="tr-TR"/>
           </a:p>
           <a:p>
             <a:pPr lvl="2"/>
@@ -14844,6 +13997,7 @@
               <a:rPr lang="tr-TR"/>
               <a:t>WHERE KOŞUL</a:t>
             </a:r>
+            <a:endParaRPr lang="tr-TR"/>
           </a:p>
           <a:p>
             <a:pPr lvl="2"/>
@@ -14851,6 +14005,7 @@
               <a:rPr lang="tr-TR"/>
               <a:t>GROUP BY ALAN LİSTESİ</a:t>
             </a:r>
+            <a:endParaRPr lang="tr-TR"/>
           </a:p>
           <a:p>
             <a:pPr lvl="2"/>
@@ -14858,6 +14013,7 @@
               <a:rPr lang="tr-TR"/>
               <a:t>HAVING GRUP KISTASI</a:t>
             </a:r>
+            <a:endParaRPr lang="tr-TR"/>
           </a:p>
           <a:p>
             <a:pPr lvl="2"/>
@@ -14865,6 +14021,7 @@
               <a:rPr lang="tr-TR"/>
               <a:t>ORDER BY ALAN LİSTESİ</a:t>
             </a:r>
+            <a:endParaRPr lang="tr-TR"/>
           </a:p>
         </p:txBody>
       </p:sp>
@@ -14935,18 +14092,21 @@
               <a:rPr lang="tr-TR"/>
               <a:t>EN ÇOK KULLANILAN KOMUTLARDAN BİRİDİR.</a:t>
             </a:r>
+            <a:endParaRPr lang="tr-TR"/>
           </a:p>
           <a:p>
             <a:r>
               <a:rPr lang="tr-TR"/>
               <a:t>VERİTABANINDAN BİR ALAN SEÇMEYE YARAR.</a:t>
             </a:r>
+            <a:endParaRPr lang="tr-TR"/>
           </a:p>
           <a:p>
             <a:r>
               <a:rPr lang="tr-TR"/>
               <a:t>SEÇİLEN ALANI BİR SONUÇ TABLOSUNDA SAKLAR.</a:t>
             </a:r>
+            <a:endParaRPr lang="tr-TR"/>
           </a:p>
         </p:txBody>
       </p:sp>
@@ -14977,13 +14137,7 @@
       </p:grpSpPr>
       <p:sp>
         <p:nvSpPr>
-          <p:cNvPr id="2" name="Başlık 1">
-            <a:extLst>
-              <a:ext uri="{FF2B5EF4-FFF2-40B4-BE49-F238E27FC236}">
-                <a16:creationId xmlns:a16="http://schemas.microsoft.com/office/drawing/2014/main" id="{0885B870-CB44-4906-B4D2-060F6A2C9408}"/>
-              </a:ext>
-            </a:extLst>
-          </p:cNvPr>
+          <p:cNvPr id="2" name="Başlık 1"/>
           <p:cNvSpPr>
             <a:spLocks noGrp="1"/>
           </p:cNvSpPr>
@@ -15026,13 +14180,7 @@
       </p:sp>
       <p:sp>
         <p:nvSpPr>
-          <p:cNvPr id="3" name="İçerik Yer Tutucusu 2">
-            <a:extLst>
-              <a:ext uri="{FF2B5EF4-FFF2-40B4-BE49-F238E27FC236}">
-                <a16:creationId xmlns:a16="http://schemas.microsoft.com/office/drawing/2014/main" id="{222D2A53-A6FC-4201-84D6-88B10747C61F}"/>
-              </a:ext>
-            </a:extLst>
-          </p:cNvPr>
+          <p:cNvPr id="3" name="İçerik Yer Tutucusu 2"/>
           <p:cNvSpPr>
             <a:spLocks noGrp="1"/>
           </p:cNvSpPr>
@@ -15325,12 +14473,14 @@
               <a:rPr lang="en-US" dirty="0"/>
               <a:t>;</a:t>
             </a:r>
+            <a:endParaRPr lang="en-US" dirty="0"/>
           </a:p>
           <a:p>
             <a:r>
               <a:rPr lang="en-US" dirty="0"/>
               <a:t>“select id, name, surname from users”</a:t>
             </a:r>
+            <a:endParaRPr lang="en-US" dirty="0"/>
           </a:p>
           <a:p>
             <a:r>
@@ -15413,6 +14563,7 @@
               <a:rPr lang="en-US" dirty="0"/>
               <a:t>.</a:t>
             </a:r>
+            <a:endParaRPr lang="en-US" dirty="0"/>
           </a:p>
           <a:p>
             <a:r>
@@ -15495,6 +14646,7 @@
               <a:rPr lang="en-US" dirty="0"/>
               <a:t>.</a:t>
             </a:r>
+            <a:endParaRPr lang="en-US" dirty="0"/>
           </a:p>
           <a:p>
             <a:r>
@@ -15585,21 +14737,18 @@
               <a:rPr lang="en-US" dirty="0"/>
               <a:t>.</a:t>
             </a:r>
+            <a:endParaRPr lang="en-US" dirty="0"/>
           </a:p>
           <a:p>
             <a:r>
               <a:rPr lang="en-US" dirty="0"/>
               <a:t>“select * from users”</a:t>
             </a:r>
+            <a:endParaRPr lang="en-US" dirty="0"/>
           </a:p>
         </p:txBody>
       </p:sp>
     </p:spTree>
-    <p:extLst>
-      <p:ext uri="{BB962C8B-B14F-4D97-AF65-F5344CB8AC3E}">
-        <p14:creationId xmlns:p14="http://schemas.microsoft.com/office/powerpoint/2010/main" val="1209797001"/>
-      </p:ext>
-    </p:extLst>
   </p:cSld>
   <p:clrMapOvr>
     <a:masterClrMapping/>
@@ -15653,6 +14802,7 @@
               <a:rPr lang="tr-TR" sz="4000" dirty="0"/>
               <a:t> Bilgi Nedir?</a:t>
             </a:r>
+            <a:endParaRPr lang="tr-TR" sz="4000" dirty="0"/>
           </a:p>
         </p:txBody>
       </p:sp>
@@ -15677,6 +14827,7 @@
               <a:rPr lang="tr-TR" b="1" dirty="0"/>
               <a:t>Veri</a:t>
             </a:r>
+            <a:endParaRPr lang="tr-TR" b="1" dirty="0"/>
           </a:p>
           <a:p>
             <a:pPr lvl="1"/>
@@ -15734,7 +14885,7 @@
             </a:r>
             <a:r>
               <a:rPr lang="tr-TR" sz="1600" i="1" dirty="0">
-                <a:hlinkClick r:id="rId2"/>
+                <a:hlinkClick r:id="rId1"/>
               </a:rPr>
               <a:t>https://tr.wikipedia.org/wiki/Veri</a:t>
             </a:r>
@@ -15742,12 +14893,14 @@
               <a:rPr lang="tr-TR" sz="1600" i="1" dirty="0"/>
               <a:t>)</a:t>
             </a:r>
+            <a:endParaRPr lang="tr-TR" sz="1600" i="1" dirty="0"/>
           </a:p>
           <a:p>
             <a:r>
               <a:rPr lang="tr-TR" b="1" dirty="0"/>
               <a:t>Bilgi</a:t>
             </a:r>
+            <a:endParaRPr lang="tr-TR" b="1" dirty="0"/>
           </a:p>
           <a:p>
             <a:pPr lvl="1"/>
@@ -15771,15 +14924,11 @@
               <a:rPr lang="tr-TR" sz="1600" dirty="0"/>
               <a:t>dür.</a:t>
             </a:r>
+            <a:endParaRPr lang="tr-TR" sz="1600" dirty="0"/>
           </a:p>
         </p:txBody>
       </p:sp>
     </p:spTree>
-    <p:extLst>
-      <p:ext uri="{BB962C8B-B14F-4D97-AF65-F5344CB8AC3E}">
-        <p14:creationId xmlns:p14="http://schemas.microsoft.com/office/powerpoint/2010/main" val="2590361514"/>
-      </p:ext>
-    </p:extLst>
   </p:cSld>
   <p:clrMapOvr>
     <a:masterClrMapping/>
@@ -15866,6 +15015,7 @@
               <a:rPr lang="tr-TR" dirty="0"/>
               <a:t>SELECT ALAN(ALANLAR)  FROM TABLO</a:t>
             </a:r>
+            <a:endParaRPr lang="tr-TR" dirty="0"/>
           </a:p>
           <a:p>
             <a:r>
@@ -15880,6 +15030,7 @@
               <a:rPr lang="tr-TR" dirty="0"/>
               <a:t>” İSİMLİ BİR TABLO OLDUĞUNU DÜŞÜNELİM.</a:t>
             </a:r>
+            <a:endParaRPr lang="tr-TR" dirty="0"/>
           </a:p>
           <a:p>
             <a:r>
@@ -15918,6 +15069,7 @@
               <a:rPr lang="tr-TR" dirty="0"/>
               <a:t>” ALANLARI OLSUN.</a:t>
             </a:r>
+            <a:endParaRPr lang="tr-TR" dirty="0"/>
           </a:p>
         </p:txBody>
       </p:sp>
@@ -15965,6 +15117,7 @@
               <a:rPr lang="tr-TR"/>
               <a:t>SELECT KULLANIMI</a:t>
             </a:r>
+            <a:endParaRPr lang="tr-TR"/>
           </a:p>
         </p:txBody>
       </p:sp>
@@ -15991,6 +15144,7 @@
               <a:rPr lang="tr-TR" dirty="0"/>
               <a:t>u tabloda personelin sadece adlarını ve soyadlarını görmek istiyorsak şu kodu yazmalıyız.</a:t>
             </a:r>
+            <a:endParaRPr lang="tr-TR" dirty="0"/>
           </a:p>
           <a:p>
             <a:pPr lvl="1"/>
@@ -16037,6 +15191,7 @@
               <a:rPr lang="tr-TR" dirty="0"/>
               <a:t>tüm alanları seçmek için şu kodlar yazılmalı:</a:t>
             </a:r>
+            <a:endParaRPr lang="tr-TR" dirty="0"/>
           </a:p>
           <a:p>
             <a:pPr lvl="1"/>
@@ -16108,6 +15263,7 @@
               <a:rPr lang="tr-TR"/>
               <a:t>WHERE</a:t>
             </a:r>
+            <a:endParaRPr lang="tr-TR"/>
           </a:p>
         </p:txBody>
       </p:sp>
@@ -16134,6 +15290,7 @@
               <a:rPr lang="tr-TR" dirty="0"/>
               <a:t>u komut alanlardan belli koşullara uyan verileri seçer.</a:t>
             </a:r>
+            <a:endParaRPr lang="tr-TR" dirty="0"/>
           </a:p>
           <a:p>
             <a:pPr lvl="1"/>
@@ -16169,12 +15326,14 @@
               <a:rPr lang="tr-TR" dirty="0"/>
               <a:t> koşul</a:t>
             </a:r>
+            <a:endParaRPr lang="tr-TR" dirty="0"/>
           </a:p>
           <a:p>
             <a:r>
               <a:rPr lang="tr-TR" dirty="0"/>
               <a:t>şeklinde kullanılır.</a:t>
             </a:r>
+            <a:endParaRPr lang="tr-TR" dirty="0"/>
           </a:p>
         </p:txBody>
       </p:sp>
@@ -16222,6 +15381,7 @@
               <a:rPr lang="tr-TR"/>
               <a:t>KULLANILAN İŞLEÇLER</a:t>
             </a:r>
+            <a:endParaRPr lang="tr-TR"/>
           </a:p>
         </p:txBody>
       </p:sp>
@@ -16246,42 +15406,49 @@
               <a:rPr lang="tr-TR" dirty="0"/>
               <a:t>=</a:t>
             </a:r>
+            <a:endParaRPr lang="tr-TR" dirty="0"/>
           </a:p>
           <a:p>
             <a:r>
               <a:rPr lang="tr-TR" dirty="0"/>
               <a:t>&lt;&gt;</a:t>
             </a:r>
+            <a:endParaRPr lang="tr-TR" dirty="0"/>
           </a:p>
           <a:p>
             <a:r>
               <a:rPr lang="tr-TR" dirty="0"/>
               <a:t>&lt;</a:t>
             </a:r>
+            <a:endParaRPr lang="tr-TR" dirty="0"/>
           </a:p>
           <a:p>
             <a:r>
               <a:rPr lang="tr-TR" dirty="0"/>
               <a:t>&gt;</a:t>
             </a:r>
+            <a:endParaRPr lang="tr-TR" dirty="0"/>
           </a:p>
           <a:p>
             <a:r>
               <a:rPr lang="tr-TR" dirty="0"/>
               <a:t>&gt;=</a:t>
             </a:r>
+            <a:endParaRPr lang="tr-TR" dirty="0"/>
           </a:p>
           <a:p>
             <a:r>
               <a:rPr lang="tr-TR" dirty="0"/>
               <a:t>&lt;=</a:t>
             </a:r>
+            <a:endParaRPr lang="tr-TR" dirty="0"/>
           </a:p>
           <a:p>
             <a:r>
               <a:rPr lang="tr-TR" dirty="0"/>
               <a:t>BEETWEEN</a:t>
             </a:r>
+            <a:endParaRPr lang="tr-TR" dirty="0"/>
           </a:p>
           <a:p>
             <a:r>
@@ -16295,18 +15462,21 @@
               <a:rPr lang="en-US" dirty="0"/>
               <a:t>IN</a:t>
             </a:r>
+            <a:endParaRPr lang="en-US" dirty="0"/>
           </a:p>
           <a:p>
             <a:r>
               <a:rPr lang="en-US" dirty="0"/>
               <a:t>NOT IN</a:t>
             </a:r>
+            <a:endParaRPr lang="en-US" dirty="0"/>
           </a:p>
           <a:p>
             <a:r>
               <a:rPr lang="en-US" dirty="0"/>
               <a:t>Is Null</a:t>
             </a:r>
+            <a:endParaRPr lang="en-US" dirty="0"/>
           </a:p>
           <a:p>
             <a:r>
@@ -16361,6 +15531,7 @@
               <a:rPr lang="tr-TR"/>
               <a:t>WHERE</a:t>
             </a:r>
+            <a:endParaRPr lang="tr-TR"/>
           </a:p>
         </p:txBody>
       </p:sp>
@@ -16435,6 +15606,7 @@
               <a:rPr lang="tr-TR" dirty="0"/>
               <a:t>:</a:t>
             </a:r>
+            <a:endParaRPr lang="tr-TR" dirty="0"/>
           </a:p>
           <a:p>
             <a:pPr lvl="1"/>
@@ -16529,6 +15701,7 @@
               <a:rPr lang="tr-TR"/>
               <a:t>AND &amp; OR</a:t>
             </a:r>
+            <a:endParaRPr lang="tr-TR"/>
           </a:p>
         </p:txBody>
       </p:sp>
@@ -16659,6 +15832,7 @@
               <a:rPr lang="tr-TR" dirty="0"/>
               <a:t>”</a:t>
             </a:r>
+            <a:endParaRPr lang="tr-TR" dirty="0"/>
           </a:p>
         </p:txBody>
       </p:sp>
@@ -16689,13 +15863,7 @@
       </p:grpSpPr>
       <p:sp>
         <p:nvSpPr>
-          <p:cNvPr id="2" name="Başlık 1">
-            <a:extLst>
-              <a:ext uri="{FF2B5EF4-FFF2-40B4-BE49-F238E27FC236}">
-                <a16:creationId xmlns:a16="http://schemas.microsoft.com/office/drawing/2014/main" id="{7EAF44CB-3766-48A1-B442-6A7D16D5F41B}"/>
-              </a:ext>
-            </a:extLst>
-          </p:cNvPr>
+          <p:cNvPr id="2" name="Başlık 1"/>
           <p:cNvSpPr>
             <a:spLocks noGrp="1"/>
           </p:cNvSpPr>
@@ -16722,13 +15890,7 @@
       </p:sp>
       <p:sp>
         <p:nvSpPr>
-          <p:cNvPr id="3" name="İçerik Yer Tutucusu 2">
-            <a:extLst>
-              <a:ext uri="{FF2B5EF4-FFF2-40B4-BE49-F238E27FC236}">
-                <a16:creationId xmlns:a16="http://schemas.microsoft.com/office/drawing/2014/main" id="{6819E269-567C-459E-AD5C-832025829616}"/>
-              </a:ext>
-            </a:extLst>
-          </p:cNvPr>
+          <p:cNvPr id="3" name="İçerik Yer Tutucusu 2"/>
           <p:cNvSpPr>
             <a:spLocks noGrp="1"/>
           </p:cNvSpPr>
@@ -16888,6 +16050,7 @@
               <a:rPr lang="en-US" dirty="0"/>
               <a:t>.</a:t>
             </a:r>
+            <a:endParaRPr lang="en-US" dirty="0"/>
           </a:p>
           <a:p>
             <a:endParaRPr lang="en-US" dirty="0"/>
@@ -16905,23 +16068,11 @@
       </p:sp>
       <p:graphicFrame>
         <p:nvGraphicFramePr>
-          <p:cNvPr id="4" name="Tablo 4">
-            <a:extLst>
-              <a:ext uri="{FF2B5EF4-FFF2-40B4-BE49-F238E27FC236}">
-                <a16:creationId xmlns:a16="http://schemas.microsoft.com/office/drawing/2014/main" id="{F5C7836F-30EA-44AD-93DF-5264B8BD72F6}"/>
-              </a:ext>
-            </a:extLst>
-          </p:cNvPr>
+          <p:cNvPr id="4" name="Tablo 4"/>
           <p:cNvGraphicFramePr>
             <a:graphicFrameLocks noGrp="1"/>
           </p:cNvGraphicFramePr>
-          <p:nvPr>
-            <p:extLst>
-              <p:ext uri="{D42A27DB-BD31-4B8C-83A1-F6EECF244321}">
-                <p14:modId xmlns:p14="http://schemas.microsoft.com/office/powerpoint/2010/main" val="707988547"/>
-              </p:ext>
-            </p:extLst>
-          </p:nvPr>
+          <p:nvPr/>
         </p:nvGraphicFramePr>
         <p:xfrm>
           <a:off x="777240" y="2006600"/>
@@ -16934,20 +16085,8 @@
                 <a:tableStyleId>{5C22544A-7EE6-4342-B048-85BDC9FD1C3A}</a:tableStyleId>
               </a:tblPr>
               <a:tblGrid>
-                <a:gridCol w="5329555">
-                  <a:extLst>
-                    <a:ext uri="{9D8B030D-6E8A-4147-A177-3AD203B41FA5}">
-                      <a16:colId xmlns:a16="http://schemas.microsoft.com/office/drawing/2014/main" val="3791612312"/>
-                    </a:ext>
-                  </a:extLst>
-                </a:gridCol>
-                <a:gridCol w="5329555">
-                  <a:extLst>
-                    <a:ext uri="{9D8B030D-6E8A-4147-A177-3AD203B41FA5}">
-                      <a16:colId xmlns:a16="http://schemas.microsoft.com/office/drawing/2014/main" val="918387644"/>
-                    </a:ext>
-                  </a:extLst>
-                </a:gridCol>
+                <a:gridCol w="5329555"/>
+                <a:gridCol w="5329555"/>
               </a:tblGrid>
               <a:tr h="340018">
                 <a:tc>
@@ -16978,11 +16117,6 @@
                   </a:txBody>
                   <a:tcPr/>
                 </a:tc>
-                <a:extLst>
-                  <a:ext uri="{0D108BD9-81ED-4DB2-BD59-A6C34878D82A}">
-                    <a16:rowId xmlns:a16="http://schemas.microsoft.com/office/drawing/2014/main" val="1413658558"/>
-                  </a:ext>
-                </a:extLst>
               </a:tr>
               <a:tr h="340018">
                 <a:tc>
@@ -17002,6 +16136,7 @@
                         <a:rPr lang="en-US" dirty="0"/>
                         <a:t> LIKE ‘% 200’</a:t>
                       </a:r>
+                      <a:endParaRPr lang="en-US" dirty="0"/>
                     </a:p>
                   </a:txBody>
                   <a:tcPr/>
@@ -17024,8 +16159,12 @@
                         <a:t> </a:t>
                       </a:r>
                       <a:r>
+                        <a:rPr lang="tr-TR" altLang="en-US" dirty="0" err="1"/>
+                        <a:t>biten </a:t>
+                      </a:r>
+                      <a:r>
                         <a:rPr lang="en-US" dirty="0" err="1"/>
-                        <a:t>başlayan</a:t>
+                        <a:t>tüm</a:t>
                       </a:r>
                       <a:r>
                         <a:rPr lang="en-US" dirty="0"/>
@@ -17033,7 +16172,7 @@
                       </a:r>
                       <a:r>
                         <a:rPr lang="en-US" dirty="0" err="1"/>
-                        <a:t>tüm</a:t>
+                        <a:t>değerleri</a:t>
                       </a:r>
                       <a:r>
                         <a:rPr lang="en-US" dirty="0"/>
@@ -17041,29 +16180,17 @@
                       </a:r>
                       <a:r>
                         <a:rPr lang="en-US" dirty="0" err="1"/>
-                        <a:t>değerleri</a:t>
-                      </a:r>
-                      <a:r>
-                        <a:rPr lang="en-US" dirty="0"/>
-                        <a:t> </a:t>
-                      </a:r>
-                      <a:r>
-                        <a:rPr lang="en-US" dirty="0" err="1"/>
                         <a:t>bulur</a:t>
                       </a:r>
                       <a:r>
                         <a:rPr lang="en-US" dirty="0"/>
                         <a:t>.</a:t>
                       </a:r>
+                      <a:endParaRPr lang="en-US" dirty="0"/>
                     </a:p>
                   </a:txBody>
                   <a:tcPr/>
                 </a:tc>
-                <a:extLst>
-                  <a:ext uri="{0D108BD9-81ED-4DB2-BD59-A6C34878D82A}">
-                    <a16:rowId xmlns:a16="http://schemas.microsoft.com/office/drawing/2014/main" val="3625784530"/>
-                  </a:ext>
-                </a:extLst>
               </a:tr>
               <a:tr h="340018">
                 <a:tc>
@@ -17083,6 +16210,7 @@
                         <a:rPr lang="en-US" dirty="0"/>
                         <a:t> LIKE ‘% 200%’</a:t>
                       </a:r>
+                      <a:endParaRPr lang="en-US" dirty="0"/>
                     </a:p>
                   </a:txBody>
                   <a:tcPr/>
@@ -17093,58 +16221,14 @@
                     <a:lstStyle/>
                     <a:p>
                       <a:r>
-                        <a:rPr lang="en-US" dirty="0"/>
-                        <a:t>Her </a:t>
-                      </a:r>
-                      <a:r>
-                        <a:rPr lang="en-US" dirty="0" err="1"/>
-                        <a:t>pozisyonda</a:t>
-                      </a:r>
-                      <a:r>
-                        <a:rPr lang="en-US" dirty="0"/>
-                        <a:t> 200 </a:t>
-                      </a:r>
-                      <a:r>
-                        <a:rPr lang="en-US" dirty="0" err="1"/>
-                        <a:t>olan</a:t>
-                      </a:r>
-                      <a:r>
-                        <a:rPr lang="en-US" dirty="0"/>
-                        <a:t> </a:t>
-                      </a:r>
-                      <a:r>
-                        <a:rPr lang="en-US" dirty="0" err="1"/>
-                        <a:t>tüm</a:t>
-                      </a:r>
-                      <a:r>
-                        <a:rPr lang="en-US" dirty="0"/>
-                        <a:t> </a:t>
-                      </a:r>
-                      <a:r>
-                        <a:rPr lang="en-US" dirty="0" err="1"/>
-                        <a:t>değerleri</a:t>
-                      </a:r>
-                      <a:r>
-                        <a:rPr lang="en-US" dirty="0"/>
-                        <a:t> </a:t>
-                      </a:r>
-                      <a:r>
-                        <a:rPr lang="en-US" dirty="0" err="1"/>
-                        <a:t>bulur</a:t>
-                      </a:r>
-                      <a:r>
-                        <a:rPr lang="en-US" dirty="0"/>
-                        <a:t>.</a:t>
-                      </a:r>
+                        <a:rPr lang="tr-TR" altLang="en-US" dirty="0"/>
+                        <a:t>içerisinde 200 olan değerleri bulur</a:t>
+                      </a:r>
+                      <a:endParaRPr lang="tr-TR" altLang="en-US" dirty="0"/>
                     </a:p>
                   </a:txBody>
                   <a:tcPr/>
                 </a:tc>
-                <a:extLst>
-                  <a:ext uri="{0D108BD9-81ED-4DB2-BD59-A6C34878D82A}">
-                    <a16:rowId xmlns:a16="http://schemas.microsoft.com/office/drawing/2014/main" val="4021476219"/>
-                  </a:ext>
-                </a:extLst>
               </a:tr>
               <a:tr h="595032">
                 <a:tc>
@@ -17164,6 +16248,7 @@
                         <a:rPr lang="en-US" dirty="0"/>
                         <a:t> LIKE ‘_00%’</a:t>
                       </a:r>
+                      <a:endParaRPr lang="en-US" dirty="0"/>
                     </a:p>
                   </a:txBody>
                   <a:tcPr/>
@@ -17237,15 +16322,11 @@
                         <a:rPr lang="en-US" dirty="0"/>
                         <a:t>.</a:t>
                       </a:r>
+                      <a:endParaRPr lang="en-US" dirty="0"/>
                     </a:p>
                   </a:txBody>
                   <a:tcPr/>
                 </a:tc>
-                <a:extLst>
-                  <a:ext uri="{0D108BD9-81ED-4DB2-BD59-A6C34878D82A}">
-                    <a16:rowId xmlns:a16="http://schemas.microsoft.com/office/drawing/2014/main" val="633140508"/>
-                  </a:ext>
-                </a:extLst>
               </a:tr>
               <a:tr h="595032">
                 <a:tc>
@@ -17265,6 +16346,7 @@
                         <a:rPr lang="en-US" dirty="0"/>
                         <a:t> LIKE ‘2 _% _%’</a:t>
                       </a:r>
+                      <a:endParaRPr lang="en-US" dirty="0"/>
                     </a:p>
                   </a:txBody>
                   <a:tcPr/>
@@ -17366,15 +16448,11 @@
                         <a:rPr lang="en-US" dirty="0"/>
                         <a:t>.</a:t>
                       </a:r>
+                      <a:endParaRPr lang="en-US" dirty="0"/>
                     </a:p>
                   </a:txBody>
                   <a:tcPr/>
                 </a:tc>
-                <a:extLst>
-                  <a:ext uri="{0D108BD9-81ED-4DB2-BD59-A6C34878D82A}">
-                    <a16:rowId xmlns:a16="http://schemas.microsoft.com/office/drawing/2014/main" val="418640934"/>
-                  </a:ext>
-                </a:extLst>
               </a:tr>
               <a:tr h="340018">
                 <a:tc>
@@ -17394,6 +16472,7 @@
                         <a:rPr lang="en-US" dirty="0"/>
                         <a:t> LIKE ‘% 2’</a:t>
                       </a:r>
+                      <a:endParaRPr lang="en-US" dirty="0"/>
                     </a:p>
                   </a:txBody>
                   <a:tcPr/>
@@ -17416,8 +16495,12 @@
                         <a:t> </a:t>
                       </a:r>
                       <a:r>
+                        <a:rPr lang="tr-TR" altLang="en-US" dirty="0" err="1"/>
+                        <a:t>başlayan </a:t>
+                      </a:r>
+                      <a:r>
                         <a:rPr lang="en-US" dirty="0" err="1"/>
-                        <a:t>biten</a:t>
+                        <a:t>tüm</a:t>
                       </a:r>
                       <a:r>
                         <a:rPr lang="en-US" dirty="0"/>
@@ -17425,7 +16508,7 @@
                       </a:r>
                       <a:r>
                         <a:rPr lang="en-US" dirty="0" err="1"/>
-                        <a:t>tüm</a:t>
+                        <a:t>değerleri</a:t>
                       </a:r>
                       <a:r>
                         <a:rPr lang="en-US" dirty="0"/>
@@ -17433,29 +16516,17 @@
                       </a:r>
                       <a:r>
                         <a:rPr lang="en-US" dirty="0" err="1"/>
-                        <a:t>değerleri</a:t>
-                      </a:r>
-                      <a:r>
-                        <a:rPr lang="en-US" dirty="0"/>
-                        <a:t> </a:t>
-                      </a:r>
-                      <a:r>
-                        <a:rPr lang="en-US" dirty="0" err="1"/>
                         <a:t>bulur</a:t>
                       </a:r>
                       <a:r>
                         <a:rPr lang="en-US" dirty="0"/>
                         <a:t>.</a:t>
                       </a:r>
+                      <a:endParaRPr lang="en-US" dirty="0"/>
                     </a:p>
                   </a:txBody>
                   <a:tcPr/>
                 </a:tc>
-                <a:extLst>
-                  <a:ext uri="{0D108BD9-81ED-4DB2-BD59-A6C34878D82A}">
-                    <a16:rowId xmlns:a16="http://schemas.microsoft.com/office/drawing/2014/main" val="1464152033"/>
-                  </a:ext>
-                </a:extLst>
               </a:tr>
               <a:tr h="595032">
                 <a:tc>
@@ -17475,6 +16546,7 @@
                         <a:rPr lang="en-US" dirty="0"/>
                         <a:t> LIKE ‘_2% 3’</a:t>
                       </a:r>
+                      <a:endParaRPr lang="en-US" dirty="0"/>
                     </a:p>
                   </a:txBody>
                   <a:tcPr/>
@@ -17529,6 +16601,10 @@
                         <a:t>sona</a:t>
                       </a:r>
                       <a:r>
+                        <a:rPr lang="tr-TR" altLang="en-US" dirty="0" err="1"/>
+                        <a:t> eren</a:t>
+                      </a:r>
+                      <a:r>
                         <a:rPr lang="en-US" dirty="0"/>
                         <a:t> </a:t>
                       </a:r>
@@ -17564,15 +16640,11 @@
                         <a:rPr lang="en-US" dirty="0"/>
                         <a:t>.</a:t>
                       </a:r>
+                      <a:endParaRPr lang="en-US" dirty="0"/>
                     </a:p>
                   </a:txBody>
                   <a:tcPr/>
                 </a:tc>
-                <a:extLst>
-                  <a:ext uri="{0D108BD9-81ED-4DB2-BD59-A6C34878D82A}">
-                    <a16:rowId xmlns:a16="http://schemas.microsoft.com/office/drawing/2014/main" val="1220007539"/>
-                  </a:ext>
-                </a:extLst>
               </a:tr>
               <a:tr h="595032">
                 <a:tc>
@@ -17592,6 +16664,7 @@
                         <a:rPr lang="en-US" dirty="0"/>
                         <a:t> LIKE ‘2___3’</a:t>
                       </a:r>
+                      <a:endParaRPr lang="en-US" dirty="0"/>
                     </a:p>
                   </a:txBody>
                   <a:tcPr/>
@@ -17709,15 +16782,11 @@
                         <a:rPr lang="en-US" dirty="0"/>
                         <a:t>.</a:t>
                       </a:r>
+                      <a:endParaRPr lang="en-US" dirty="0"/>
                     </a:p>
                   </a:txBody>
                   <a:tcPr/>
                 </a:tc>
-                <a:extLst>
-                  <a:ext uri="{0D108BD9-81ED-4DB2-BD59-A6C34878D82A}">
-                    <a16:rowId xmlns:a16="http://schemas.microsoft.com/office/drawing/2014/main" val="2178698468"/>
-                  </a:ext>
-                </a:extLst>
               </a:tr>
               <a:tr h="340018">
                 <a:tc>
@@ -17753,6 +16822,7 @@
                         <a:rPr lang="en-US" dirty="0"/>
                         <a:t>%’</a:t>
                       </a:r>
+                      <a:endParaRPr lang="en-US" dirty="0"/>
                     </a:p>
                   </a:txBody>
                   <a:tcPr/>
@@ -17782,15 +16852,15 @@
                         <a:rPr lang="en-US" dirty="0"/>
                         <a:t> arar.</a:t>
                       </a:r>
+                      <a:r>
+                        <a:rPr lang="tr-TR" altLang="en-US" dirty="0"/>
+                        <a:t>(ignore case)</a:t>
+                      </a:r>
+                      <a:endParaRPr lang="tr-TR" altLang="en-US" dirty="0"/>
                     </a:p>
                   </a:txBody>
                   <a:tcPr/>
                 </a:tc>
-                <a:extLst>
-                  <a:ext uri="{0D108BD9-81ED-4DB2-BD59-A6C34878D82A}">
-                    <a16:rowId xmlns:a16="http://schemas.microsoft.com/office/drawing/2014/main" val="2105024372"/>
-                  </a:ext>
-                </a:extLst>
               </a:tr>
               <a:tr h="340018">
                 <a:tc>
@@ -17826,6 +16896,7 @@
                         <a:rPr lang="en-US" dirty="0"/>
                         <a:t>’</a:t>
                       </a:r>
+                      <a:endParaRPr lang="en-US" dirty="0"/>
                     </a:p>
                   </a:txBody>
                   <a:tcPr/>
@@ -17855,26 +16926,23 @@
                         <a:rPr lang="en-US" dirty="0"/>
                         <a:t> arar.</a:t>
                       </a:r>
+                      <a:r>
+                        <a:rPr lang="tr-TR" altLang="en-US" sz="1800" dirty="0">
+                          <a:sym typeface="+mn-ea"/>
+                        </a:rPr>
+                        <a:t>(ignore case)</a:t>
+                      </a:r>
+                      <a:endParaRPr lang="en-US" dirty="0"/>
                     </a:p>
                   </a:txBody>
                   <a:tcPr/>
                 </a:tc>
-                <a:extLst>
-                  <a:ext uri="{0D108BD9-81ED-4DB2-BD59-A6C34878D82A}">
-                    <a16:rowId xmlns:a16="http://schemas.microsoft.com/office/drawing/2014/main" val="366320754"/>
-                  </a:ext>
-                </a:extLst>
               </a:tr>
             </a:tbl>
           </a:graphicData>
         </a:graphic>
       </p:graphicFrame>
     </p:spTree>
-    <p:extLst>
-      <p:ext uri="{BB962C8B-B14F-4D97-AF65-F5344CB8AC3E}">
-        <p14:creationId xmlns:p14="http://schemas.microsoft.com/office/powerpoint/2010/main" val="3000816771"/>
-      </p:ext>
-    </p:extLst>
   </p:cSld>
   <p:clrMapOvr>
     <a:masterClrMapping/>
@@ -17901,13 +16969,7 @@
       </p:grpSpPr>
       <p:sp>
         <p:nvSpPr>
-          <p:cNvPr id="2" name="Başlık 1">
-            <a:extLst>
-              <a:ext uri="{FF2B5EF4-FFF2-40B4-BE49-F238E27FC236}">
-                <a16:creationId xmlns:a16="http://schemas.microsoft.com/office/drawing/2014/main" id="{17847774-4654-48E1-83FE-52E09E78BC5C}"/>
-              </a:ext>
-            </a:extLst>
-          </p:cNvPr>
+          <p:cNvPr id="2" name="Başlık 1"/>
           <p:cNvSpPr>
             <a:spLocks noGrp="1"/>
           </p:cNvSpPr>
@@ -17924,18 +16986,13 @@
               <a:rPr lang="en-US" dirty="0"/>
               <a:t>In</a:t>
             </a:r>
+            <a:endParaRPr lang="en-US" dirty="0"/>
           </a:p>
         </p:txBody>
       </p:sp>
       <p:sp>
         <p:nvSpPr>
-          <p:cNvPr id="3" name="İçerik Yer Tutucusu 2">
-            <a:extLst>
-              <a:ext uri="{FF2B5EF4-FFF2-40B4-BE49-F238E27FC236}">
-                <a16:creationId xmlns:a16="http://schemas.microsoft.com/office/drawing/2014/main" id="{E2AB0B07-EABA-4CBB-B8F4-FE52925F159B}"/>
-              </a:ext>
-            </a:extLst>
-          </p:cNvPr>
+          <p:cNvPr id="3" name="İçerik Yer Tutucusu 2"/>
           <p:cNvSpPr>
             <a:spLocks noGrp="1"/>
           </p:cNvSpPr>
@@ -18064,6 +17121,7 @@
               <a:rPr lang="en-US" dirty="0"/>
               <a:t>.</a:t>
             </a:r>
+            <a:endParaRPr lang="en-US" dirty="0"/>
           </a:p>
           <a:p>
             <a:r>
@@ -18100,6 +17158,7 @@
               <a:rPr lang="en-US" dirty="0"/>
               <a:t> IN (değer1,değer2,…);</a:t>
             </a:r>
+            <a:endParaRPr lang="en-US" dirty="0"/>
           </a:p>
           <a:p>
             <a:endParaRPr lang="en-US" dirty="0"/>
@@ -18110,11 +17169,6 @@
         </p:txBody>
       </p:sp>
     </p:spTree>
-    <p:extLst>
-      <p:ext uri="{BB962C8B-B14F-4D97-AF65-F5344CB8AC3E}">
-        <p14:creationId xmlns:p14="http://schemas.microsoft.com/office/powerpoint/2010/main" val="3034839805"/>
-      </p:ext>
-    </p:extLst>
   </p:cSld>
   <p:clrMapOvr>
     <a:masterClrMapping/>
@@ -18141,13 +17195,7 @@
       </p:grpSpPr>
       <p:sp>
         <p:nvSpPr>
-          <p:cNvPr id="2" name="Başlık 1">
-            <a:extLst>
-              <a:ext uri="{FF2B5EF4-FFF2-40B4-BE49-F238E27FC236}">
-                <a16:creationId xmlns:a16="http://schemas.microsoft.com/office/drawing/2014/main" id="{6113B7B6-1316-496F-A78F-6901CF276320}"/>
-              </a:ext>
-            </a:extLst>
-          </p:cNvPr>
+          <p:cNvPr id="2" name="Başlık 1"/>
           <p:cNvSpPr>
             <a:spLocks noGrp="1"/>
           </p:cNvSpPr>
@@ -18164,28 +17212,18 @@
               <a:rPr lang="en-US" dirty="0"/>
               <a:t>In</a:t>
             </a:r>
+            <a:endParaRPr lang="en-US" dirty="0"/>
           </a:p>
         </p:txBody>
       </p:sp>
       <p:graphicFrame>
         <p:nvGraphicFramePr>
-          <p:cNvPr id="4" name="İçerik Yer Tutucusu 3">
-            <a:extLst>
-              <a:ext uri="{FF2B5EF4-FFF2-40B4-BE49-F238E27FC236}">
-                <a16:creationId xmlns:a16="http://schemas.microsoft.com/office/drawing/2014/main" id="{23B11192-FB0B-4046-9951-60133375C9F6}"/>
-              </a:ext>
-            </a:extLst>
-          </p:cNvPr>
+          <p:cNvPr id="4" name="İçerik Yer Tutucusu 3"/>
           <p:cNvGraphicFramePr>
             <a:graphicFrameLocks noGrp="1"/>
           </p:cNvGraphicFramePr>
           <p:nvPr>
             <p:ph idx="1"/>
-            <p:extLst>
-              <p:ext uri="{D42A27DB-BD31-4B8C-83A1-F6EECF244321}">
-                <p14:modId xmlns:p14="http://schemas.microsoft.com/office/powerpoint/2010/main" val="3931159344"/>
-              </p:ext>
-            </p:extLst>
           </p:nvPr>
         </p:nvGraphicFramePr>
         <p:xfrm>
@@ -18197,27 +17235,9 @@
             <a:tbl>
               <a:tblPr/>
               <a:tblGrid>
-                <a:gridCol w="1905000">
-                  <a:extLst>
-                    <a:ext uri="{9D8B030D-6E8A-4147-A177-3AD203B41FA5}">
-                      <a16:colId xmlns:a16="http://schemas.microsoft.com/office/drawing/2014/main" val="2512139037"/>
-                    </a:ext>
-                  </a:extLst>
-                </a:gridCol>
-                <a:gridCol w="1905000">
-                  <a:extLst>
-                    <a:ext uri="{9D8B030D-6E8A-4147-A177-3AD203B41FA5}">
-                      <a16:colId xmlns:a16="http://schemas.microsoft.com/office/drawing/2014/main" val="1028104011"/>
-                    </a:ext>
-                  </a:extLst>
-                </a:gridCol>
-                <a:gridCol w="1905000">
-                  <a:extLst>
-                    <a:ext uri="{9D8B030D-6E8A-4147-A177-3AD203B41FA5}">
-                      <a16:colId xmlns:a16="http://schemas.microsoft.com/office/drawing/2014/main" val="3237215879"/>
-                    </a:ext>
-                  </a:extLst>
-                </a:gridCol>
+                <a:gridCol w="1905000"/>
+                <a:gridCol w="1905000"/>
+                <a:gridCol w="1905000"/>
               </a:tblGrid>
               <a:tr h="0">
                 <a:tc>
@@ -18232,6 +17252,9 @@
                         </a:rPr>
                         <a:t>ID</a:t>
                       </a:r>
+                      <a:endParaRPr lang="en-US" b="0">
+                        <a:effectLst/>
+                      </a:endParaRPr>
                     </a:p>
                   </a:txBody>
                   <a:tcPr marL="142875" marR="142875" marT="95250" marB="95250" anchor="ctr">
@@ -18276,6 +17299,9 @@
                         </a:rPr>
                         <a:t>ISIM</a:t>
                       </a:r>
+                      <a:endParaRPr lang="en-US" b="0" dirty="0">
+                        <a:effectLst/>
+                      </a:endParaRPr>
                     </a:p>
                   </a:txBody>
                   <a:tcPr marL="142875" marR="142875" marT="95250" marB="95250" anchor="ctr">
@@ -18326,6 +17352,9 @@
                         </a:rPr>
                         <a:t>YAS</a:t>
                       </a:r>
+                      <a:endParaRPr lang="en-US" b="0">
+                        <a:effectLst/>
+                      </a:endParaRPr>
                     </a:p>
                   </a:txBody>
                   <a:tcPr marL="142875" marR="142875" marT="95250" marB="95250" anchor="ctr">
@@ -18364,11 +17393,6 @@
                     </a:solidFill>
                   </a:tcPr>
                 </a:tc>
-                <a:extLst>
-                  <a:ext uri="{0D108BD9-81ED-4DB2-BD59-A6C34878D82A}">
-                    <a16:rowId xmlns:a16="http://schemas.microsoft.com/office/drawing/2014/main" val="4149788121"/>
-                  </a:ext>
-                </a:extLst>
               </a:tr>
               <a:tr h="0">
                 <a:tc>
@@ -18383,6 +17407,9 @@
                         </a:rPr>
                         <a:t>1</a:t>
                       </a:r>
+                      <a:endParaRPr lang="en-US" b="0" dirty="0">
+                        <a:effectLst/>
+                      </a:endParaRPr>
                     </a:p>
                   </a:txBody>
                   <a:tcPr marL="142875" marR="142875" marT="95250" marB="95250" anchor="ctr">
@@ -18433,6 +17460,9 @@
                         </a:rPr>
                         <a:t>Ali</a:t>
                       </a:r>
+                      <a:endParaRPr lang="en-US" b="0">
+                        <a:effectLst/>
+                      </a:endParaRPr>
                     </a:p>
                   </a:txBody>
                   <a:tcPr marL="142875" marR="142875" marT="95250" marB="95250" anchor="ctr">
@@ -18489,6 +17519,9 @@
                         </a:rPr>
                         <a:t>22</a:t>
                       </a:r>
+                      <a:endParaRPr lang="en-US" b="0">
+                        <a:effectLst/>
+                      </a:endParaRPr>
                     </a:p>
                   </a:txBody>
                   <a:tcPr marL="142875" marR="142875" marT="95250" marB="95250" anchor="ctr">
@@ -18533,11 +17566,6 @@
                     </a:solidFill>
                   </a:tcPr>
                 </a:tc>
-                <a:extLst>
-                  <a:ext uri="{0D108BD9-81ED-4DB2-BD59-A6C34878D82A}">
-                    <a16:rowId xmlns:a16="http://schemas.microsoft.com/office/drawing/2014/main" val="3369716398"/>
-                  </a:ext>
-                </a:extLst>
               </a:tr>
               <a:tr h="0">
                 <a:tc>
@@ -18552,6 +17580,9 @@
                         </a:rPr>
                         <a:t>2</a:t>
                       </a:r>
+                      <a:endParaRPr lang="en-US" b="0">
+                        <a:effectLst/>
+                      </a:endParaRPr>
                     </a:p>
                   </a:txBody>
                   <a:tcPr marL="142875" marR="142875" marT="95250" marB="95250" anchor="ctr">
@@ -18602,6 +17633,9 @@
                         </a:rPr>
                         <a:t>Veli</a:t>
                       </a:r>
+                      <a:endParaRPr lang="en-US" b="0">
+                        <a:effectLst/>
+                      </a:endParaRPr>
                     </a:p>
                   </a:txBody>
                   <a:tcPr marL="142875" marR="142875" marT="95250" marB="95250" anchor="ctr">
@@ -18658,6 +17692,9 @@
                         </a:rPr>
                         <a:t>18</a:t>
                       </a:r>
+                      <a:endParaRPr lang="en-US" b="0">
+                        <a:effectLst/>
+                      </a:endParaRPr>
                     </a:p>
                   </a:txBody>
                   <a:tcPr marL="142875" marR="142875" marT="95250" marB="95250" anchor="ctr">
@@ -18702,11 +17739,6 @@
                     </a:solidFill>
                   </a:tcPr>
                 </a:tc>
-                <a:extLst>
-                  <a:ext uri="{0D108BD9-81ED-4DB2-BD59-A6C34878D82A}">
-                    <a16:rowId xmlns:a16="http://schemas.microsoft.com/office/drawing/2014/main" val="3878136331"/>
-                  </a:ext>
-                </a:extLst>
               </a:tr>
               <a:tr h="0">
                 <a:tc>
@@ -18721,6 +17753,9 @@
                         </a:rPr>
                         <a:t>3</a:t>
                       </a:r>
+                      <a:endParaRPr lang="en-US" b="0">
+                        <a:effectLst/>
+                      </a:endParaRPr>
                     </a:p>
                   </a:txBody>
                   <a:tcPr marL="142875" marR="142875" marT="95250" marB="95250" anchor="ctr">
@@ -18771,6 +17806,9 @@
                         </a:rPr>
                         <a:t>Selami</a:t>
                       </a:r>
+                      <a:endParaRPr lang="en-US" b="0">
+                        <a:effectLst/>
+                      </a:endParaRPr>
                     </a:p>
                   </a:txBody>
                   <a:tcPr marL="142875" marR="142875" marT="95250" marB="95250" anchor="ctr">
@@ -18827,6 +17865,9 @@
                         </a:rPr>
                         <a:t>19</a:t>
                       </a:r>
+                      <a:endParaRPr lang="en-US" b="0">
+                        <a:effectLst/>
+                      </a:endParaRPr>
                     </a:p>
                   </a:txBody>
                   <a:tcPr marL="142875" marR="142875" marT="95250" marB="95250" anchor="ctr">
@@ -18871,11 +17912,6 @@
                     </a:solidFill>
                   </a:tcPr>
                 </a:tc>
-                <a:extLst>
-                  <a:ext uri="{0D108BD9-81ED-4DB2-BD59-A6C34878D82A}">
-                    <a16:rowId xmlns:a16="http://schemas.microsoft.com/office/drawing/2014/main" val="3575821811"/>
-                  </a:ext>
-                </a:extLst>
               </a:tr>
               <a:tr h="0">
                 <a:tc>
@@ -18890,6 +17926,9 @@
                         </a:rPr>
                         <a:t>4</a:t>
                       </a:r>
+                      <a:endParaRPr lang="en-US" b="0">
+                        <a:effectLst/>
+                      </a:endParaRPr>
                     </a:p>
                   </a:txBody>
                   <a:tcPr marL="142875" marR="142875" marT="95250" marB="95250" anchor="ctr">
@@ -18940,6 +17979,9 @@
                         </a:rPr>
                         <a:t>Ayşe</a:t>
                       </a:r>
+                      <a:endParaRPr lang="en-US" b="0">
+                        <a:effectLst/>
+                      </a:endParaRPr>
                     </a:p>
                   </a:txBody>
                   <a:tcPr marL="142875" marR="142875" marT="95250" marB="95250" anchor="ctr">
@@ -18996,6 +18038,9 @@
                         </a:rPr>
                         <a:t>26</a:t>
                       </a:r>
+                      <a:endParaRPr lang="en-US" b="0">
+                        <a:effectLst/>
+                      </a:endParaRPr>
                     </a:p>
                   </a:txBody>
                   <a:tcPr marL="142875" marR="142875" marT="95250" marB="95250" anchor="ctr">
@@ -19040,11 +18085,6 @@
                     </a:solidFill>
                   </a:tcPr>
                 </a:tc>
-                <a:extLst>
-                  <a:ext uri="{0D108BD9-81ED-4DB2-BD59-A6C34878D82A}">
-                    <a16:rowId xmlns:a16="http://schemas.microsoft.com/office/drawing/2014/main" val="3697111407"/>
-                  </a:ext>
-                </a:extLst>
               </a:tr>
               <a:tr h="0">
                 <a:tc>
@@ -19059,6 +18099,9 @@
                         </a:rPr>
                         <a:t>5</a:t>
                       </a:r>
+                      <a:endParaRPr lang="en-US" b="0">
+                        <a:effectLst/>
+                      </a:endParaRPr>
                     </a:p>
                   </a:txBody>
                   <a:tcPr marL="142875" marR="142875" marT="95250" marB="95250" anchor="ctr">
@@ -19109,6 +18152,9 @@
                         </a:rPr>
                         <a:t>Ahmet</a:t>
                       </a:r>
+                      <a:endParaRPr lang="en-US" b="0">
+                        <a:effectLst/>
+                      </a:endParaRPr>
                     </a:p>
                   </a:txBody>
                   <a:tcPr marL="142875" marR="142875" marT="95250" marB="95250" anchor="ctr">
@@ -19165,6 +18211,9 @@
                         </a:rPr>
                         <a:t>18</a:t>
                       </a:r>
+                      <a:endParaRPr lang="en-US" b="0" dirty="0">
+                        <a:effectLst/>
+                      </a:endParaRPr>
                     </a:p>
                   </a:txBody>
                   <a:tcPr marL="142875" marR="142875" marT="95250" marB="95250" anchor="ctr">
@@ -19209,11 +18258,6 @@
                     </a:solidFill>
                   </a:tcPr>
                 </a:tc>
-                <a:extLst>
-                  <a:ext uri="{0D108BD9-81ED-4DB2-BD59-A6C34878D82A}">
-                    <a16:rowId xmlns:a16="http://schemas.microsoft.com/office/drawing/2014/main" val="2658767142"/>
-                  </a:ext>
-                </a:extLst>
               </a:tr>
             </a:tbl>
           </a:graphicData>
@@ -19221,23 +18265,11 @@
       </p:graphicFrame>
       <p:graphicFrame>
         <p:nvGraphicFramePr>
-          <p:cNvPr id="5" name="Tablo 4">
-            <a:extLst>
-              <a:ext uri="{FF2B5EF4-FFF2-40B4-BE49-F238E27FC236}">
-                <a16:creationId xmlns:a16="http://schemas.microsoft.com/office/drawing/2014/main" id="{740AFB63-6B03-4290-9C75-8E23CF2A08AB}"/>
-              </a:ext>
-            </a:extLst>
-          </p:cNvPr>
+          <p:cNvPr id="5" name="Tablo 4"/>
           <p:cNvGraphicFramePr>
             <a:graphicFrameLocks noGrp="1"/>
           </p:cNvGraphicFramePr>
-          <p:nvPr>
-            <p:extLst>
-              <p:ext uri="{D42A27DB-BD31-4B8C-83A1-F6EECF244321}">
-                <p14:modId xmlns:p14="http://schemas.microsoft.com/office/powerpoint/2010/main" val="3023289266"/>
-              </p:ext>
-            </p:extLst>
-          </p:nvPr>
+          <p:nvPr/>
         </p:nvGraphicFramePr>
         <p:xfrm>
           <a:off x="6106795" y="1592580"/>
@@ -19248,20 +18280,8 @@
             <a:tbl>
               <a:tblPr/>
               <a:tblGrid>
-                <a:gridCol w="2857500">
-                  <a:extLst>
-                    <a:ext uri="{9D8B030D-6E8A-4147-A177-3AD203B41FA5}">
-                      <a16:colId xmlns:a16="http://schemas.microsoft.com/office/drawing/2014/main" val="1216206556"/>
-                    </a:ext>
-                  </a:extLst>
-                </a:gridCol>
-                <a:gridCol w="2857500">
-                  <a:extLst>
-                    <a:ext uri="{9D8B030D-6E8A-4147-A177-3AD203B41FA5}">
-                      <a16:colId xmlns:a16="http://schemas.microsoft.com/office/drawing/2014/main" val="4110263553"/>
-                    </a:ext>
-                  </a:extLst>
-                </a:gridCol>
+                <a:gridCol w="2857500"/>
+                <a:gridCol w="2857500"/>
               </a:tblGrid>
               <a:tr h="0">
                 <a:tc>
@@ -19276,6 +18296,9 @@
                         </a:rPr>
                         <a:t>Select ISIM, YAS FROM UYE WHERE YAS IN(18,19)</a:t>
                       </a:r>
+                      <a:endParaRPr lang="en-US" b="0">
+                        <a:effectLst/>
+                      </a:endParaRPr>
                     </a:p>
                     <a:p>
                       <a:pPr algn="l" fontAlgn="base"/>
@@ -19332,6 +18355,9 @@
                         </a:rPr>
                         <a:t>Veli 18</a:t>
                       </a:r>
+                      <a:endParaRPr lang="fi-FI" b="0" dirty="0">
+                        <a:effectLst/>
+                      </a:endParaRPr>
                     </a:p>
                     <a:p>
                       <a:pPr algn="l" fontAlgn="base"/>
@@ -19341,6 +18367,9 @@
                         </a:rPr>
                         <a:t>Selami 19</a:t>
                       </a:r>
+                      <a:endParaRPr lang="fi-FI" b="0" dirty="0">
+                        <a:effectLst/>
+                      </a:endParaRPr>
                     </a:p>
                     <a:p>
                       <a:pPr algn="l" fontAlgn="base"/>
@@ -19350,6 +18379,9 @@
                         </a:rPr>
                         <a:t>Ahmet 18</a:t>
                       </a:r>
+                      <a:endParaRPr lang="fi-FI" b="0" dirty="0">
+                        <a:effectLst/>
+                      </a:endParaRPr>
                     </a:p>
                   </a:txBody>
                   <a:tcPr marL="142875" marR="142875" marT="95250" marB="95250" anchor="ctr">
@@ -19388,11 +18420,6 @@
                     </a:solidFill>
                   </a:tcPr>
                 </a:tc>
-                <a:extLst>
-                  <a:ext uri="{0D108BD9-81ED-4DB2-BD59-A6C34878D82A}">
-                    <a16:rowId xmlns:a16="http://schemas.microsoft.com/office/drawing/2014/main" val="2202036903"/>
-                  </a:ext>
-                </a:extLst>
               </a:tr>
               <a:tr h="0">
                 <a:tc>
@@ -19407,6 +18434,9 @@
                         </a:rPr>
                         <a:t>Select ISIM, YAS FROM UYE WHERE ISIM IN(‘Ali’,’Ahmet’)</a:t>
                       </a:r>
+                      <a:endParaRPr lang="en-US" b="0">
+                        <a:effectLst/>
+                      </a:endParaRPr>
                     </a:p>
                     <a:p>
                       <a:pPr algn="l" fontAlgn="base"/>
@@ -19469,6 +18499,9 @@
                         </a:rPr>
                         <a:t>Ali 22</a:t>
                       </a:r>
+                      <a:endParaRPr lang="en-US" b="0" dirty="0">
+                        <a:effectLst/>
+                      </a:endParaRPr>
                     </a:p>
                     <a:p>
                       <a:pPr algn="l" fontAlgn="base"/>
@@ -19478,6 +18511,9 @@
                         </a:rPr>
                         <a:t>Ahmet 18</a:t>
                       </a:r>
+                      <a:endParaRPr lang="en-US" b="0" dirty="0">
+                        <a:effectLst/>
+                      </a:endParaRPr>
                     </a:p>
                   </a:txBody>
                   <a:tcPr marL="142875" marR="142875" marT="95250" marB="95250" anchor="ctr">
@@ -19522,22 +18558,12 @@
                     </a:solidFill>
                   </a:tcPr>
                 </a:tc>
-                <a:extLst>
-                  <a:ext uri="{0D108BD9-81ED-4DB2-BD59-A6C34878D82A}">
-                    <a16:rowId xmlns:a16="http://schemas.microsoft.com/office/drawing/2014/main" val="3810250736"/>
-                  </a:ext>
-                </a:extLst>
               </a:tr>
             </a:tbl>
           </a:graphicData>
         </a:graphic>
       </p:graphicFrame>
     </p:spTree>
-    <p:extLst>
-      <p:ext uri="{BB962C8B-B14F-4D97-AF65-F5344CB8AC3E}">
-        <p14:creationId xmlns:p14="http://schemas.microsoft.com/office/powerpoint/2010/main" val="1300903462"/>
-      </p:ext>
-    </p:extLst>
   </p:cSld>
   <p:clrMapOvr>
     <a:masterClrMapping/>
@@ -19564,13 +18590,7 @@
       </p:grpSpPr>
       <p:sp>
         <p:nvSpPr>
-          <p:cNvPr id="2" name="Başlık 1">
-            <a:extLst>
-              <a:ext uri="{FF2B5EF4-FFF2-40B4-BE49-F238E27FC236}">
-                <a16:creationId xmlns:a16="http://schemas.microsoft.com/office/drawing/2014/main" id="{91E8BA8C-1336-4CFD-BD9E-2116A9C50090}"/>
-              </a:ext>
-            </a:extLst>
-          </p:cNvPr>
+          <p:cNvPr id="2" name="Başlık 1"/>
           <p:cNvSpPr>
             <a:spLocks noGrp="1"/>
           </p:cNvSpPr>
@@ -19587,18 +18607,13 @@
               <a:rPr lang="en-US" dirty="0"/>
               <a:t>Not In</a:t>
             </a:r>
+            <a:endParaRPr lang="en-US" dirty="0"/>
           </a:p>
         </p:txBody>
       </p:sp>
       <p:sp>
         <p:nvSpPr>
-          <p:cNvPr id="3" name="İçerik Yer Tutucusu 2">
-            <a:extLst>
-              <a:ext uri="{FF2B5EF4-FFF2-40B4-BE49-F238E27FC236}">
-                <a16:creationId xmlns:a16="http://schemas.microsoft.com/office/drawing/2014/main" id="{F54FA14E-568D-496A-AD47-D3D26868D84E}"/>
-              </a:ext>
-            </a:extLst>
-          </p:cNvPr>
+          <p:cNvPr id="3" name="İçerik Yer Tutucusu 2"/>
           <p:cNvSpPr>
             <a:spLocks noGrp="1"/>
           </p:cNvSpPr>
@@ -19695,11 +18710,12 @@
               <a:rPr lang="en-US" dirty="0"/>
               <a:t>.</a:t>
             </a:r>
-          </a:p>
-          <a:p>
             <a:endParaRPr lang="en-US" dirty="0"/>
           </a:p>
           <a:p>
+            <a:endParaRPr lang="en-US" dirty="0"/>
+          </a:p>
+          <a:p>
             <a:r>
               <a:rPr lang="en-US" dirty="0"/>
               <a:t>SELECT </a:t>
@@ -19734,6 +18750,7 @@
               <a:rPr lang="en-US" dirty="0"/>
               <a:t> NOT IN (değer1,değer2,…);</a:t>
             </a:r>
+            <a:endParaRPr lang="en-US" dirty="0"/>
           </a:p>
           <a:p>
             <a:endParaRPr lang="en-US" dirty="0"/>
@@ -19741,11 +18758,6 @@
         </p:txBody>
       </p:sp>
     </p:spTree>
-    <p:extLst>
-      <p:ext uri="{BB962C8B-B14F-4D97-AF65-F5344CB8AC3E}">
-        <p14:creationId xmlns:p14="http://schemas.microsoft.com/office/powerpoint/2010/main" val="1801105372"/>
-      </p:ext>
-    </p:extLst>
   </p:cSld>
   <p:clrMapOvr>
     <a:masterClrMapping/>
@@ -19795,6 +18807,7 @@
               <a:rPr lang="tr-TR" sz="4000" dirty="0"/>
               <a:t> Nedir?</a:t>
             </a:r>
+            <a:endParaRPr lang="tr-TR" sz="4000" dirty="0"/>
           </a:p>
         </p:txBody>
       </p:sp>
@@ -19843,6 +18856,7 @@
               <a:rPr lang="tr-TR" sz="1600" dirty="0"/>
               <a:t> özel yazılımlardır.</a:t>
             </a:r>
+            <a:endParaRPr lang="tr-TR" sz="1600" dirty="0"/>
           </a:p>
           <a:p>
             <a:r>
@@ -19865,6 +18879,7 @@
               <a:rPr lang="tr-TR" sz="1600" dirty="0"/>
               <a:t>nı desteklemek zorundadır.</a:t>
             </a:r>
+            <a:endParaRPr lang="tr-TR" sz="1600" dirty="0"/>
           </a:p>
           <a:p>
             <a:r>
@@ -19899,6 +18914,7 @@
               <a:rPr lang="tr-TR" sz="1600" dirty="0"/>
               <a:t>.</a:t>
             </a:r>
+            <a:endParaRPr lang="tr-TR" sz="1600" dirty="0"/>
           </a:p>
           <a:p>
             <a:r>
@@ -19937,6 +18953,7 @@
               <a:rPr lang="tr-TR" sz="1600" dirty="0"/>
               <a:t>.</a:t>
             </a:r>
+            <a:endParaRPr lang="tr-TR" sz="1600" dirty="0"/>
           </a:p>
           <a:p>
             <a:r>
@@ -19967,6 +18984,7 @@
               <a:rPr lang="tr-TR" sz="1600" dirty="0"/>
               <a:t> da sorgulanabilir.</a:t>
             </a:r>
+            <a:endParaRPr lang="tr-TR" sz="1600" dirty="0"/>
           </a:p>
           <a:p>
             <a:r>
@@ -20021,15 +19039,11 @@
               <a:rPr lang="tr-TR" sz="1600" dirty="0"/>
               <a:t> motoru üzerinde bir bağlantı açar ve tüm işlemler bu bağlantı üzerinden yönetilir.</a:t>
             </a:r>
+            <a:endParaRPr lang="tr-TR" sz="1600" dirty="0"/>
           </a:p>
         </p:txBody>
       </p:sp>
     </p:spTree>
-    <p:extLst>
-      <p:ext uri="{BB962C8B-B14F-4D97-AF65-F5344CB8AC3E}">
-        <p14:creationId xmlns:p14="http://schemas.microsoft.com/office/powerpoint/2010/main" val="988314876"/>
-      </p:ext>
-    </p:extLst>
   </p:cSld>
   <p:clrMapOvr>
     <a:masterClrMapping/>
@@ -20056,13 +19070,7 @@
       </p:grpSpPr>
       <p:sp>
         <p:nvSpPr>
-          <p:cNvPr id="2" name="Başlık 1">
-            <a:extLst>
-              <a:ext uri="{FF2B5EF4-FFF2-40B4-BE49-F238E27FC236}">
-                <a16:creationId xmlns:a16="http://schemas.microsoft.com/office/drawing/2014/main" id="{A5FA12BE-62D2-4617-BD88-8F7E509DB666}"/>
-              </a:ext>
-            </a:extLst>
-          </p:cNvPr>
+          <p:cNvPr id="2" name="Başlık 1"/>
           <p:cNvSpPr>
             <a:spLocks noGrp="1"/>
           </p:cNvSpPr>
@@ -20079,18 +19087,13 @@
               <a:rPr lang="en-US" dirty="0"/>
               <a:t>Is Null &amp; Is Not Null</a:t>
             </a:r>
+            <a:endParaRPr lang="en-US" dirty="0"/>
           </a:p>
         </p:txBody>
       </p:sp>
       <p:sp>
         <p:nvSpPr>
-          <p:cNvPr id="3" name="İçerik Yer Tutucusu 2">
-            <a:extLst>
-              <a:ext uri="{FF2B5EF4-FFF2-40B4-BE49-F238E27FC236}">
-                <a16:creationId xmlns:a16="http://schemas.microsoft.com/office/drawing/2014/main" id="{9527E033-7E0D-4B45-83B7-990D94BB6CE4}"/>
-              </a:ext>
-            </a:extLst>
-          </p:cNvPr>
+          <p:cNvPr id="3" name="İçerik Yer Tutucusu 2"/>
           <p:cNvSpPr>
             <a:spLocks noGrp="1"/>
           </p:cNvSpPr>
@@ -20549,6 +19552,7 @@
               <a:rPr lang="en-US" dirty="0"/>
               <a:t>.</a:t>
             </a:r>
+            <a:endParaRPr lang="en-US" dirty="0"/>
           </a:p>
           <a:p>
             <a:r>
@@ -20563,6 +19567,7 @@
               <a:rPr lang="en-US" dirty="0"/>
               <a:t> </a:t>
             </a:r>
+            <a:endParaRPr lang="en-US" dirty="0"/>
           </a:p>
           <a:p>
             <a:r>
@@ -20577,6 +19582,7 @@
               <a:rPr lang="en-US" dirty="0"/>
               <a:t> IS NULL</a:t>
             </a:r>
+            <a:endParaRPr lang="en-US" dirty="0"/>
           </a:p>
           <a:p>
             <a:r>
@@ -20667,11 +19673,12 @@
               <a:rPr lang="en-US" dirty="0"/>
               <a:t>.</a:t>
             </a:r>
-          </a:p>
-          <a:p>
             <a:endParaRPr lang="en-US" dirty="0"/>
           </a:p>
           <a:p>
+            <a:endParaRPr lang="en-US" dirty="0"/>
+          </a:p>
+          <a:p>
             <a:r>
               <a:rPr lang="en-US" dirty="0"/>
               <a:t>SELECT *FROM </a:t>
@@ -20684,6 +19691,7 @@
               <a:rPr lang="en-US" dirty="0"/>
               <a:t> </a:t>
             </a:r>
+            <a:endParaRPr lang="en-US" dirty="0"/>
           </a:p>
           <a:p>
             <a:r>
@@ -20698,6 +19706,7 @@
               <a:rPr lang="en-US" dirty="0"/>
               <a:t> IS NOT NULL</a:t>
             </a:r>
+            <a:endParaRPr lang="en-US" dirty="0"/>
           </a:p>
           <a:p>
             <a:r>
@@ -20788,15 +19797,11 @@
               <a:rPr lang="en-US" dirty="0"/>
               <a:t>.</a:t>
             </a:r>
+            <a:endParaRPr lang="en-US" dirty="0"/>
           </a:p>
         </p:txBody>
       </p:sp>
     </p:spTree>
-    <p:extLst>
-      <p:ext uri="{BB962C8B-B14F-4D97-AF65-F5344CB8AC3E}">
-        <p14:creationId xmlns:p14="http://schemas.microsoft.com/office/powerpoint/2010/main" val="1150424690"/>
-      </p:ext>
-    </p:extLst>
   </p:cSld>
   <p:clrMapOvr>
     <a:masterClrMapping/>
@@ -20840,6 +19845,7 @@
               <a:rPr lang="tr-TR"/>
               <a:t>BETWEEN ... AND</a:t>
             </a:r>
+            <a:endParaRPr lang="tr-TR"/>
           </a:p>
         </p:txBody>
       </p:sp>
@@ -20870,6 +19876,7 @@
               <a:rPr lang="tr-TR" sz="2800" dirty="0"/>
               <a:t> değerler arasındaki verileri seçer.</a:t>
             </a:r>
+            <a:endParaRPr lang="tr-TR" sz="2800" dirty="0"/>
           </a:p>
           <a:p>
             <a:r>
@@ -20900,6 +19907,7 @@
               <a:rPr lang="tr-TR" sz="2600" dirty="0"/>
               <a:t> arasında olan elemanları seçmek için:</a:t>
             </a:r>
+            <a:endParaRPr lang="tr-TR" sz="2600" dirty="0"/>
           </a:p>
           <a:p>
             <a:pPr lvl="1"/>
@@ -20975,12 +19983,14 @@
               <a:rPr lang="tr-TR" sz="2200" dirty="0"/>
               <a:t>”</a:t>
             </a:r>
+            <a:endParaRPr lang="tr-TR" sz="2200" dirty="0"/>
           </a:p>
           <a:p>
             <a:r>
               <a:rPr lang="tr-TR" sz="2600" dirty="0"/>
               <a:t>ya da tam tersi için;</a:t>
             </a:r>
+            <a:endParaRPr lang="tr-TR" sz="2600" dirty="0"/>
           </a:p>
           <a:p>
             <a:pPr lvl="1"/>
@@ -21056,6 +20066,7 @@
               <a:rPr lang="tr-TR" sz="2200" dirty="0"/>
               <a:t>”</a:t>
             </a:r>
+            <a:endParaRPr lang="tr-TR" sz="2200" dirty="0"/>
           </a:p>
         </p:txBody>
       </p:sp>
@@ -21103,6 +20114,7 @@
               <a:rPr lang="tr-TR"/>
               <a:t>ORDER BY</a:t>
             </a:r>
+            <a:endParaRPr lang="tr-TR"/>
           </a:p>
         </p:txBody>
       </p:sp>
@@ -21129,6 +20141,7 @@
               <a:rPr lang="tr-TR" dirty="0"/>
               <a:t>orgu sonucunun sıralanması için kullanılır.</a:t>
             </a:r>
+            <a:endParaRPr lang="tr-TR" dirty="0"/>
           </a:p>
           <a:p>
             <a:pPr lvl="1"/>
@@ -21199,6 +20212,7 @@
               <a:rPr lang="tr-TR" dirty="0"/>
               <a:t>ya da iç içe sıralama için</a:t>
             </a:r>
+            <a:endParaRPr lang="tr-TR" dirty="0"/>
           </a:p>
           <a:p>
             <a:pPr lvl="1"/>
@@ -21306,6 +20320,7 @@
               <a:rPr lang="tr-TR"/>
               <a:t>ORDER BY</a:t>
             </a:r>
+            <a:endParaRPr lang="tr-TR"/>
           </a:p>
         </p:txBody>
       </p:sp>
@@ -21332,6 +20347,7 @@
               <a:rPr lang="tr-TR" dirty="0"/>
               <a:t>ıralamayı azalan yapmak için ufak bir ekleme yapılır;</a:t>
             </a:r>
+            <a:endParaRPr lang="tr-TR" dirty="0"/>
           </a:p>
           <a:p>
             <a:pPr lvl="2"/>
@@ -21443,6 +20459,7 @@
               <a:rPr lang="tr-TR"/>
               <a:t>INSERT INTO</a:t>
             </a:r>
+            <a:endParaRPr lang="tr-TR"/>
           </a:p>
         </p:txBody>
       </p:sp>
@@ -21465,6 +20482,7 @@
               <a:rPr lang="tr-TR" dirty="0"/>
               <a:t>tabloya yeni kayıtlar ekler.</a:t>
             </a:r>
+            <a:endParaRPr lang="tr-TR" dirty="0"/>
           </a:p>
           <a:p>
             <a:pPr lvl="1"/>
@@ -21492,6 +20510,7 @@
               <a:rPr lang="tr-TR" dirty="0"/>
               <a:t> tablo</a:t>
             </a:r>
+            <a:endParaRPr lang="tr-TR" dirty="0"/>
           </a:p>
           <a:p>
             <a:pPr lvl="1"/>
@@ -21503,6 +20522,7 @@
               <a:rPr lang="tr-TR" dirty="0"/>
               <a:t> (deger1, deger2,..) </a:t>
             </a:r>
+            <a:endParaRPr lang="tr-TR" dirty="0"/>
           </a:p>
         </p:txBody>
       </p:sp>
@@ -21550,6 +20570,7 @@
               <a:rPr lang="tr-TR"/>
               <a:t>INSERT INTO</a:t>
             </a:r>
+            <a:endParaRPr lang="tr-TR"/>
           </a:p>
         </p:txBody>
       </p:sp>
@@ -21572,6 +20593,7 @@
               <a:rPr lang="tr-TR" dirty="0"/>
               <a:t>ayrıca yeni değerlerin hangi sütunlara ekleneceği belirtilebilir.</a:t>
             </a:r>
+            <a:endParaRPr lang="tr-TR" dirty="0"/>
           </a:p>
           <a:p>
             <a:pPr lvl="1"/>
@@ -21599,6 +20621,7 @@
               <a:rPr lang="tr-TR" dirty="0"/>
               <a:t> tablo (alan1, alan2,...)</a:t>
             </a:r>
+            <a:endParaRPr lang="tr-TR" dirty="0"/>
           </a:p>
           <a:p>
             <a:pPr lvl="1"/>
@@ -21610,6 +20633,7 @@
               <a:rPr lang="tr-TR" dirty="0"/>
               <a:t> (deger1, deger2,..)</a:t>
             </a:r>
+            <a:endParaRPr lang="tr-TR" dirty="0"/>
           </a:p>
         </p:txBody>
       </p:sp>
@@ -21640,13 +20664,7 @@
       </p:grpSpPr>
       <p:sp>
         <p:nvSpPr>
-          <p:cNvPr id="2" name="Başlık 1">
-            <a:extLst>
-              <a:ext uri="{FF2B5EF4-FFF2-40B4-BE49-F238E27FC236}">
-                <a16:creationId xmlns:a16="http://schemas.microsoft.com/office/drawing/2014/main" id="{69732F4B-5197-4830-AB1F-EC539D018693}"/>
-              </a:ext>
-            </a:extLst>
-          </p:cNvPr>
+          <p:cNvPr id="2" name="Başlık 1"/>
           <p:cNvSpPr>
             <a:spLocks noGrp="1"/>
           </p:cNvSpPr>
@@ -21704,13 +20722,7 @@
       </p:sp>
       <p:sp>
         <p:nvSpPr>
-          <p:cNvPr id="3" name="İçerik Yer Tutucusu 2">
-            <a:extLst>
-              <a:ext uri="{FF2B5EF4-FFF2-40B4-BE49-F238E27FC236}">
-                <a16:creationId xmlns:a16="http://schemas.microsoft.com/office/drawing/2014/main" id="{9641D618-68A9-4383-99F4-979278B33F62}"/>
-              </a:ext>
-            </a:extLst>
-          </p:cNvPr>
+          <p:cNvPr id="3" name="İçerik Yer Tutucusu 2"/>
           <p:cNvSpPr>
             <a:spLocks noGrp="1"/>
           </p:cNvSpPr>
@@ -21795,6 +20807,7 @@
               <a:rPr lang="en-US" dirty="0"/>
               <a:t>.</a:t>
             </a:r>
+            <a:endParaRPr lang="en-US" dirty="0"/>
           </a:p>
           <a:p>
             <a:r>
@@ -21865,6 +20878,7 @@
               <a:rPr lang="en-US" dirty="0"/>
               <a:t>.</a:t>
             </a:r>
+            <a:endParaRPr lang="en-US" dirty="0"/>
           </a:p>
           <a:p>
             <a:r>
@@ -21879,6 +20893,7 @@
               <a:rPr lang="en-US" dirty="0"/>
               <a:t>) values (1,’Burak’,Duman’);</a:t>
             </a:r>
+            <a:endParaRPr lang="en-US" dirty="0"/>
           </a:p>
           <a:p>
             <a:r>
@@ -21893,6 +20908,7 @@
               <a:rPr lang="en-US" dirty="0"/>
               <a:t>) values (2,’Burak’,GÜL’);</a:t>
             </a:r>
+            <a:endParaRPr lang="en-US" dirty="0"/>
           </a:p>
           <a:p>
             <a:r>
@@ -21907,6 +20923,7 @@
               <a:rPr lang="en-US" dirty="0"/>
               <a:t>) values (3,’Alp’,’Durmaz’);</a:t>
             </a:r>
+            <a:endParaRPr lang="en-US" dirty="0"/>
           </a:p>
           <a:p>
             <a:r>
@@ -21921,15 +20938,11 @@
               <a:rPr lang="en-US" dirty="0"/>
               <a:t>) values (4,’Ahmet’,’Ağılkaya’);</a:t>
             </a:r>
+            <a:endParaRPr lang="en-US" dirty="0"/>
           </a:p>
         </p:txBody>
       </p:sp>
     </p:spTree>
-    <p:extLst>
-      <p:ext uri="{BB962C8B-B14F-4D97-AF65-F5344CB8AC3E}">
-        <p14:creationId xmlns:p14="http://schemas.microsoft.com/office/powerpoint/2010/main" val="1424477155"/>
-      </p:ext>
-    </p:extLst>
   </p:cSld>
   <p:clrMapOvr>
     <a:masterClrMapping/>
@@ -21973,6 +20986,7 @@
               <a:rPr lang="tr-TR"/>
               <a:t>INSERT INTO</a:t>
             </a:r>
+            <a:endParaRPr lang="tr-TR"/>
           </a:p>
         </p:txBody>
       </p:sp>
@@ -22032,6 +21046,7 @@
               <a:rPr lang="tr-TR" dirty="0"/>
               <a:t>)</a:t>
             </a:r>
+            <a:endParaRPr lang="tr-TR" dirty="0"/>
           </a:p>
           <a:p>
             <a:pPr lvl="1"/>
@@ -22067,12 +21082,14 @@
               <a:rPr lang="tr-TR" dirty="0"/>
               <a:t>”)</a:t>
             </a:r>
+            <a:endParaRPr lang="tr-TR" dirty="0"/>
           </a:p>
           <a:p>
             <a:r>
               <a:rPr lang="tr-TR" dirty="0"/>
               <a:t>veri girilmeyen alanlar boş kalır!!!!</a:t>
             </a:r>
+            <a:endParaRPr lang="tr-TR" dirty="0"/>
           </a:p>
         </p:txBody>
       </p:sp>
@@ -22120,6 +21137,7 @@
               <a:rPr lang="tr-TR"/>
               <a:t>UPDATE</a:t>
             </a:r>
+            <a:endParaRPr lang="tr-TR"/>
           </a:p>
         </p:txBody>
       </p:sp>
@@ -22150,6 +21168,7 @@
               <a:rPr lang="tr-TR" dirty="0"/>
               <a:t> güncelleştirmeye veya değiştirmeye yarar.</a:t>
             </a:r>
+            <a:endParaRPr lang="tr-TR" dirty="0"/>
           </a:p>
           <a:p>
             <a:pPr lvl="1"/>
@@ -22169,6 +21188,7 @@
               <a:rPr lang="tr-TR" dirty="0"/>
               <a:t> set alanadı1=deger1</a:t>
             </a:r>
+            <a:endParaRPr lang="tr-TR" dirty="0"/>
           </a:p>
           <a:p>
             <a:pPr lvl="1"/>
@@ -22180,6 +21200,7 @@
               <a:rPr lang="tr-TR" dirty="0"/>
               <a:t> alanadı2=değer2</a:t>
             </a:r>
+            <a:endParaRPr lang="tr-TR" dirty="0"/>
           </a:p>
         </p:txBody>
       </p:sp>
@@ -22227,6 +21248,7 @@
               <a:rPr lang="tr-TR"/>
               <a:t>UPDATE</a:t>
             </a:r>
+            <a:endParaRPr lang="tr-TR"/>
           </a:p>
         </p:txBody>
       </p:sp>
@@ -22273,6 +21295,7 @@
               <a:rPr lang="tr-TR" dirty="0"/>
               <a:t> yapmak için;</a:t>
             </a:r>
+            <a:endParaRPr lang="tr-TR" dirty="0"/>
           </a:p>
           <a:p>
             <a:pPr lvl="1"/>
@@ -22370,6 +21393,7 @@
               <a:rPr lang="tr-TR" dirty="0"/>
               <a:t> Diğer SQL’ler Arasındaki Farklar</a:t>
             </a:r>
+            <a:endParaRPr lang="tr-TR" dirty="0"/>
           </a:p>
         </p:txBody>
       </p:sp>
@@ -22467,7 +21491,7 @@
             </a:r>
             <a:r>
               <a:rPr lang="en-US" sz="2000" dirty="0">
-                <a:hlinkClick r:id="rId2"/>
+                <a:hlinkClick r:id="rId1"/>
               </a:rPr>
               <a:t>https://www.ansi.org/search#q=sql&amp;sort=relevancy</a:t>
             </a:r>
@@ -22557,6 +21581,7 @@
               <a:rPr lang="tr-TR" dirty="0"/>
               <a:t> türleri…</a:t>
             </a:r>
+            <a:endParaRPr lang="tr-TR" dirty="0"/>
           </a:p>
           <a:p>
             <a:pPr lvl="1"/>
@@ -22580,6 +21605,7 @@
               <a:rPr lang="tr-TR" sz="1600" i="1" dirty="0"/>
               <a:t>(T-SQL)</a:t>
             </a:r>
+            <a:endParaRPr lang="tr-TR" sz="1600" i="1" dirty="0"/>
           </a:p>
           <a:p>
             <a:pPr lvl="1"/>
@@ -22607,6 +21633,7 @@
               <a:rPr lang="tr-TR" sz="1600" i="1" dirty="0"/>
               <a:t>(PL/SQL)</a:t>
             </a:r>
+            <a:endParaRPr lang="tr-TR" sz="1600" i="1" dirty="0"/>
           </a:p>
           <a:p>
             <a:pPr lvl="1"/>
@@ -22758,15 +21785,11 @@
               <a:rPr lang="en-US" sz="1600" dirty="0"/>
               <a:t>.</a:t>
             </a:r>
+            <a:endParaRPr lang="en-US" sz="1600" dirty="0"/>
           </a:p>
         </p:txBody>
       </p:sp>
     </p:spTree>
-    <p:extLst>
-      <p:ext uri="{BB962C8B-B14F-4D97-AF65-F5344CB8AC3E}">
-        <p14:creationId xmlns:p14="http://schemas.microsoft.com/office/powerpoint/2010/main" val="1156262700"/>
-      </p:ext>
-    </p:extLst>
   </p:cSld>
   <p:clrMapOvr>
     <a:masterClrMapping/>
@@ -22810,6 +21833,7 @@
               <a:rPr lang="tr-TR"/>
               <a:t>UPDATE</a:t>
             </a:r>
+            <a:endParaRPr lang="tr-TR"/>
           </a:p>
         </p:txBody>
       </p:sp>
@@ -22848,6 +21872,7 @@
               <a:rPr lang="tr-TR" dirty="0"/>
               <a:t> olan personelin adres ve şehrini değiştirmek isterseniz;</a:t>
             </a:r>
+            <a:endParaRPr lang="tr-TR" dirty="0"/>
           </a:p>
           <a:p>
             <a:pPr lvl="1"/>
@@ -22998,6 +22023,7 @@
               <a:rPr lang="tr-TR" dirty="0"/>
               <a:t> satır silmek için kullanılır.</a:t>
             </a:r>
+            <a:endParaRPr lang="tr-TR" dirty="0"/>
           </a:p>
           <a:p>
             <a:r>
@@ -23008,6 +22034,7 @@
               <a:rPr lang="tr-TR" dirty="0"/>
               <a:t> soyadlı personeli tablodan silmek için;</a:t>
             </a:r>
+            <a:endParaRPr lang="tr-TR" dirty="0"/>
           </a:p>
           <a:p>
             <a:pPr lvl="1"/>
@@ -23071,6 +22098,7 @@
               <a:rPr lang="tr-TR"/>
               <a:t>DDL İŞLEMLERİ</a:t>
             </a:r>
+            <a:endParaRPr lang="tr-TR"/>
           </a:p>
         </p:txBody>
       </p:sp>
@@ -23105,6 +22133,7 @@
               <a:rPr lang="tr-TR" dirty="0"/>
               <a:t> içinde tabloların oluşturulması ve düzenlenmesi sağlanır.</a:t>
             </a:r>
+            <a:endParaRPr lang="tr-TR" dirty="0"/>
           </a:p>
           <a:p>
             <a:r>
@@ -23119,6 +22148,7 @@
               <a:rPr lang="tr-TR" dirty="0"/>
               <a:t> silinmesi, yeni sütunların eklenmesi yada silinmesi, dizinlerin eklenmesi ve silinmesi işlemleri bu komutlarla yapılır.</a:t>
             </a:r>
+            <a:endParaRPr lang="tr-TR" dirty="0"/>
           </a:p>
         </p:txBody>
       </p:sp>
@@ -23166,6 +22196,7 @@
               <a:rPr lang="tr-TR"/>
               <a:t>CREATE TABLE</a:t>
             </a:r>
+            <a:endParaRPr lang="tr-TR"/>
           </a:p>
         </p:txBody>
       </p:sp>
@@ -23204,6 +22235,7 @@
               <a:rPr lang="tr-TR" dirty="0"/>
               <a:t>r.</a:t>
             </a:r>
+            <a:endParaRPr lang="tr-TR" dirty="0"/>
           </a:p>
           <a:p>
             <a:pPr lvl="1"/>
@@ -23239,6 +22271,7 @@
               <a:rPr lang="tr-TR" dirty="0"/>
               <a:t> ve tipi)</a:t>
             </a:r>
+            <a:endParaRPr lang="tr-TR" dirty="0"/>
           </a:p>
         </p:txBody>
       </p:sp>
@@ -23286,6 +22319,7 @@
               <a:rPr lang="tr-TR"/>
               <a:t>CREATE TABLE</a:t>
             </a:r>
+            <a:endParaRPr lang="tr-TR"/>
           </a:p>
         </p:txBody>
       </p:sp>
@@ -23325,12 +22359,14 @@
               <a:rPr lang="en-US" dirty="0"/>
               <a:t>CREATE TABLE employee (</a:t>
             </a:r>
+            <a:endParaRPr lang="en-US" dirty="0"/>
           </a:p>
           <a:p>
             <a:r>
               <a:rPr lang="en-US" dirty="0"/>
               <a:t>	id SERIAL PRIMARY KEY,</a:t>
             </a:r>
+            <a:endParaRPr lang="en-US" dirty="0"/>
           </a:p>
           <a:p>
             <a:r>
@@ -23345,6 +22381,7 @@
               <a:rPr lang="en-US" dirty="0"/>
               <a:t> (50),</a:t>
             </a:r>
+            <a:endParaRPr lang="en-US" dirty="0"/>
           </a:p>
           <a:p>
             <a:r>
@@ -23359,18 +22396,21 @@
               <a:rPr lang="en-US" dirty="0"/>
               <a:t> (50),</a:t>
             </a:r>
+            <a:endParaRPr lang="en-US" dirty="0"/>
           </a:p>
           <a:p>
             <a:r>
               <a:rPr lang="en-US" dirty="0"/>
               <a:t>	address VARCHAR (50),</a:t>
             </a:r>
+            <a:endParaRPr lang="en-US" dirty="0"/>
           </a:p>
           <a:p>
             <a:r>
               <a:rPr lang="en-US" dirty="0"/>
               <a:t>            identity VARCHAR(13) UNIQUE</a:t>
             </a:r>
+            <a:endParaRPr lang="en-US" dirty="0"/>
           </a:p>
           <a:p>
             <a:r>
@@ -23436,6 +22476,7 @@
               <a:rPr lang="tr-TR" dirty="0"/>
               <a:t> DEYİMİ</a:t>
             </a:r>
+            <a:endParaRPr lang="tr-TR" dirty="0"/>
           </a:p>
         </p:txBody>
       </p:sp>
@@ -23482,6 +22523,7 @@
               <a:rPr lang="tr-TR" sz="2600" dirty="0"/>
               <a:t>” isimli alanının tekrarlı kayıtlara izin vermeyen bir dizin alanı olarak tanımlanmasını istiyorsanız bu deyim kullanılır.</a:t>
             </a:r>
+            <a:endParaRPr lang="tr-TR" sz="2600" dirty="0"/>
           </a:p>
           <a:p>
             <a:r>
@@ -23588,6 +22630,7 @@
               <a:rPr lang="tr-TR" dirty="0"/>
               <a:t>CONSTRAIN VE UNIQUE</a:t>
             </a:r>
+            <a:endParaRPr lang="tr-TR" dirty="0"/>
           </a:p>
         </p:txBody>
       </p:sp>
@@ -23610,12 +22653,14 @@
               <a:rPr lang="en-US" dirty="0"/>
               <a:t>CREATE TABLE employee (</a:t>
             </a:r>
+            <a:endParaRPr lang="en-US" dirty="0"/>
           </a:p>
           <a:p>
             <a:r>
               <a:rPr lang="en-US" dirty="0"/>
               <a:t>	id SERIAL PRIMARY KEY,</a:t>
             </a:r>
+            <a:endParaRPr lang="en-US" dirty="0"/>
           </a:p>
           <a:p>
             <a:r>
@@ -23630,6 +22675,7 @@
               <a:rPr lang="en-US" dirty="0"/>
               <a:t> (50),</a:t>
             </a:r>
+            <a:endParaRPr lang="en-US" dirty="0"/>
           </a:p>
           <a:p>
             <a:r>
@@ -23644,18 +22690,21 @@
               <a:rPr lang="en-US" dirty="0"/>
               <a:t> (50),</a:t>
             </a:r>
+            <a:endParaRPr lang="en-US" dirty="0"/>
           </a:p>
           <a:p>
             <a:r>
               <a:rPr lang="en-US" dirty="0"/>
               <a:t>	address VARCHAR (50),</a:t>
             </a:r>
+            <a:endParaRPr lang="en-US" dirty="0"/>
           </a:p>
           <a:p>
             <a:r>
               <a:rPr lang="en-US" dirty="0"/>
               <a:t>            identity VARCHAR(13) UNIQUE</a:t>
             </a:r>
+            <a:endParaRPr lang="en-US" dirty="0"/>
           </a:p>
           <a:p>
             <a:r>
@@ -23710,6 +22759,7 @@
               <a:rPr lang="tr-TR"/>
               <a:t>DROP TABLE</a:t>
             </a:r>
+            <a:endParaRPr lang="tr-TR"/>
           </a:p>
         </p:txBody>
       </p:sp>
@@ -23732,6 +22782,7 @@
               <a:rPr lang="tr-TR" dirty="0"/>
               <a:t>tabloyu silmek için kullanılır.</a:t>
             </a:r>
+            <a:endParaRPr lang="tr-TR" dirty="0"/>
           </a:p>
           <a:p>
             <a:pPr lvl="1"/>
@@ -23803,6 +22854,7 @@
               <a:rPr lang="tr-TR"/>
               <a:t>YENİ ALAN EKLEME VEYA SİLME</a:t>
             </a:r>
+            <a:endParaRPr lang="tr-TR"/>
           </a:p>
         </p:txBody>
       </p:sp>
@@ -23825,6 +22877,7 @@
               <a:rPr lang="tr-TR" dirty="0"/>
               <a:t>bir tablo oluşturulduktan sonra bu tabloya yeni alanlar eklemek isteyebilirsiniz.</a:t>
             </a:r>
+            <a:endParaRPr lang="tr-TR" dirty="0"/>
           </a:p>
           <a:p>
             <a:r>
@@ -23839,6 +22892,7 @@
               <a:rPr lang="tr-TR" dirty="0"/>
               <a:t> olabilir.</a:t>
             </a:r>
+            <a:endParaRPr lang="tr-TR" dirty="0"/>
           </a:p>
           <a:p>
             <a:r>
@@ -23861,6 +22915,7 @@
               <a:rPr lang="tr-TR" dirty="0"/>
               <a:t>” komutu kullanılır.</a:t>
             </a:r>
+            <a:endParaRPr lang="tr-TR" dirty="0"/>
           </a:p>
         </p:txBody>
       </p:sp>
@@ -23908,6 +22963,7 @@
               <a:rPr lang="tr-TR"/>
               <a:t>ALTER TABLE</a:t>
             </a:r>
+            <a:endParaRPr lang="tr-TR"/>
           </a:p>
         </p:txBody>
       </p:sp>
@@ -24017,6 +23073,7 @@
               <a:rPr lang="tr-TR" dirty="0"/>
               <a:t>” kullanılır.</a:t>
             </a:r>
+            <a:endParaRPr lang="tr-TR" dirty="0"/>
           </a:p>
         </p:txBody>
       </p:sp>
@@ -24120,6 +23177,12 @@
               </a:rPr>
               <a:t> Ne zaman?</a:t>
             </a:r>
+            <a:endParaRPr lang="tr-TR" sz="4000" b="1" dirty="0">
+              <a:solidFill>
+                <a:schemeClr val="tx2"/>
+              </a:solidFill>
+              <a:latin typeface="+mn-lt"/>
+            </a:endParaRPr>
           </a:p>
         </p:txBody>
       </p:sp>
@@ -24151,6 +23214,7 @@
               <a:rPr lang="tr-TR" dirty="0"/>
               <a:t>SQL Server</a:t>
             </a:r>
+            <a:endParaRPr lang="tr-TR" dirty="0"/>
           </a:p>
           <a:p>
             <a:r>
@@ -24175,6 +23239,7 @@
               <a:rPr lang="tr-TR" dirty="0"/>
               <a:t> çözümleri…</a:t>
             </a:r>
+            <a:endParaRPr lang="tr-TR" dirty="0"/>
           </a:p>
           <a:p>
             <a:r>
@@ -24273,6 +23338,7 @@
               <a:rPr lang="en-US" dirty="0"/>
               <a:t> NoSQL.</a:t>
             </a:r>
+            <a:endParaRPr lang="en-US" dirty="0"/>
           </a:p>
           <a:p>
             <a:pPr marL="0" indent="0">
@@ -24283,11 +23349,6 @@
         </p:txBody>
       </p:sp>
     </p:spTree>
-    <p:extLst>
-      <p:ext uri="{BB962C8B-B14F-4D97-AF65-F5344CB8AC3E}">
-        <p14:creationId xmlns:p14="http://schemas.microsoft.com/office/powerpoint/2010/main" val="1261493639"/>
-      </p:ext>
-    </p:extLst>
   </p:cSld>
   <p:clrMapOvr>
     <a:masterClrMapping/>
@@ -24331,6 +23392,7 @@
               <a:rPr lang="tr-TR"/>
               <a:t>ALTER TABLE</a:t>
             </a:r>
+            <a:endParaRPr lang="tr-TR"/>
           </a:p>
         </p:txBody>
       </p:sp>
@@ -24361,6 +23423,7 @@
               <a:rPr lang="tr-TR" dirty="0"/>
               <a:t>” isimli bir alan eklemek için;</a:t>
             </a:r>
+            <a:endParaRPr lang="tr-TR" dirty="0"/>
           </a:p>
           <a:p>
             <a:pPr lvl="1"/>
@@ -24420,6 +23483,7 @@
               <a:rPr lang="tr-TR" dirty="0"/>
               <a:t>(40)</a:t>
             </a:r>
+            <a:endParaRPr lang="tr-TR" dirty="0"/>
           </a:p>
           <a:p>
             <a:r>
@@ -24434,6 +23498,7 @@
               <a:rPr lang="tr-TR" dirty="0"/>
               <a:t> isimli alanı silmek için;</a:t>
             </a:r>
+            <a:endParaRPr lang="tr-TR" dirty="0"/>
           </a:p>
           <a:p>
             <a:pPr lvl="1"/>
@@ -24485,6 +23550,7 @@
               <a:rPr lang="tr-TR" dirty="0"/>
               <a:t> </a:t>
             </a:r>
+            <a:endParaRPr lang="tr-TR" dirty="0"/>
           </a:p>
           <a:p>
             <a:pPr lvl="2"/>
@@ -24555,13 +23621,7 @@
       </p:grpSpPr>
       <p:sp>
         <p:nvSpPr>
-          <p:cNvPr id="2" name="Başlık 1">
-            <a:extLst>
-              <a:ext uri="{FF2B5EF4-FFF2-40B4-BE49-F238E27FC236}">
-                <a16:creationId xmlns:a16="http://schemas.microsoft.com/office/drawing/2014/main" id="{9D670B66-FD71-45A1-9523-F1FDE1AA28F2}"/>
-              </a:ext>
-            </a:extLst>
-          </p:cNvPr>
+          <p:cNvPr id="2" name="Başlık 1"/>
           <p:cNvSpPr>
             <a:spLocks noGrp="1"/>
           </p:cNvSpPr>
@@ -24578,18 +23638,13 @@
               <a:rPr lang="en-US" dirty="0"/>
               <a:t>Alter Table</a:t>
             </a:r>
+            <a:endParaRPr lang="en-US" dirty="0"/>
           </a:p>
         </p:txBody>
       </p:sp>
       <p:sp>
         <p:nvSpPr>
-          <p:cNvPr id="3" name="İçerik Yer Tutucusu 2">
-            <a:extLst>
-              <a:ext uri="{FF2B5EF4-FFF2-40B4-BE49-F238E27FC236}">
-                <a16:creationId xmlns:a16="http://schemas.microsoft.com/office/drawing/2014/main" id="{CEFE4FE6-B176-4A56-BBD2-8F3249E9B5DF}"/>
-              </a:ext>
-            </a:extLst>
-          </p:cNvPr>
+          <p:cNvPr id="3" name="İçerik Yer Tutucusu 2"/>
           <p:cNvSpPr>
             <a:spLocks noGrp="1"/>
           </p:cNvSpPr>
@@ -24739,11 +23794,6 @@
         </p:txBody>
       </p:sp>
     </p:spTree>
-    <p:extLst>
-      <p:ext uri="{BB962C8B-B14F-4D97-AF65-F5344CB8AC3E}">
-        <p14:creationId xmlns:p14="http://schemas.microsoft.com/office/powerpoint/2010/main" val="3599516058"/>
-      </p:ext>
-    </p:extLst>
   </p:cSld>
   <p:clrMapOvr>
     <a:masterClrMapping/>
@@ -24770,13 +23820,7 @@
       </p:grpSpPr>
       <p:sp>
         <p:nvSpPr>
-          <p:cNvPr id="2" name="Başlık 1">
-            <a:extLst>
-              <a:ext uri="{FF2B5EF4-FFF2-40B4-BE49-F238E27FC236}">
-                <a16:creationId xmlns:a16="http://schemas.microsoft.com/office/drawing/2014/main" id="{0BEC9660-D46C-45E5-827E-486C454059A2}"/>
-              </a:ext>
-            </a:extLst>
-          </p:cNvPr>
+          <p:cNvPr id="2" name="Başlık 1"/>
           <p:cNvSpPr>
             <a:spLocks noGrp="1"/>
           </p:cNvSpPr>
@@ -24793,18 +23837,13 @@
               <a:rPr lang="en-US" dirty="0"/>
               <a:t>Ne zaman SQL?</a:t>
             </a:r>
+            <a:endParaRPr lang="en-US" dirty="0"/>
           </a:p>
         </p:txBody>
       </p:sp>
       <p:sp>
         <p:nvSpPr>
-          <p:cNvPr id="3" name="İçerik Yer Tutucusu 2">
-            <a:extLst>
-              <a:ext uri="{FF2B5EF4-FFF2-40B4-BE49-F238E27FC236}">
-                <a16:creationId xmlns:a16="http://schemas.microsoft.com/office/drawing/2014/main" id="{940F424C-D423-411F-BED8-5B30B2FDDB48}"/>
-              </a:ext>
-            </a:extLst>
-          </p:cNvPr>
+          <p:cNvPr id="3" name="İçerik Yer Tutucusu 2"/>
           <p:cNvSpPr>
             <a:spLocks noGrp="1"/>
           </p:cNvSpPr>
@@ -24891,6 +23930,7 @@
               <a:rPr lang="en-US" dirty="0"/>
               <a:t>.</a:t>
             </a:r>
+            <a:endParaRPr lang="en-US" dirty="0"/>
           </a:p>
           <a:p>
             <a:r>
@@ -24925,6 +23965,7 @@
               <a:rPr lang="en-US" dirty="0"/>
               <a:t> mi?</a:t>
             </a:r>
+            <a:endParaRPr lang="en-US" dirty="0"/>
           </a:p>
           <a:p>
             <a:r>
@@ -24975,6 +24016,7 @@
               <a:rPr lang="en-US" dirty="0"/>
               <a:t>?</a:t>
             </a:r>
+            <a:endParaRPr lang="en-US" dirty="0"/>
           </a:p>
           <a:p>
             <a:r>
@@ -25017,6 +24059,7 @@
               <a:rPr lang="en-US" dirty="0"/>
               <a:t>?</a:t>
             </a:r>
+            <a:endParaRPr lang="en-US" dirty="0"/>
           </a:p>
           <a:p>
             <a:r>
@@ -25091,6 +24134,7 @@
               <a:rPr lang="en-US" dirty="0"/>
               <a:t> var?(multi-row ACID transactions)</a:t>
             </a:r>
+            <a:endParaRPr lang="en-US" dirty="0"/>
           </a:p>
           <a:p>
             <a:r>
@@ -25121,15 +24165,11 @@
               <a:rPr lang="en-US" dirty="0"/>
               <a:t>.</a:t>
             </a:r>
+            <a:endParaRPr lang="en-US" dirty="0"/>
           </a:p>
         </p:txBody>
       </p:sp>
     </p:spTree>
-    <p:extLst>
-      <p:ext uri="{BB962C8B-B14F-4D97-AF65-F5344CB8AC3E}">
-        <p14:creationId xmlns:p14="http://schemas.microsoft.com/office/powerpoint/2010/main" val="287854606"/>
-      </p:ext>
-    </p:extLst>
   </p:cSld>
   <p:clrMapOvr>
     <a:masterClrMapping/>
@@ -25156,13 +24196,7 @@
       </p:grpSpPr>
       <p:sp>
         <p:nvSpPr>
-          <p:cNvPr id="2" name="Başlık 1">
-            <a:extLst>
-              <a:ext uri="{FF2B5EF4-FFF2-40B4-BE49-F238E27FC236}">
-                <a16:creationId xmlns:a16="http://schemas.microsoft.com/office/drawing/2014/main" id="{A85E1BA2-EE86-492F-ACB9-1A778C121C17}"/>
-              </a:ext>
-            </a:extLst>
-          </p:cNvPr>
+          <p:cNvPr id="2" name="Başlık 1"/>
           <p:cNvSpPr>
             <a:spLocks noGrp="1"/>
           </p:cNvSpPr>
@@ -25179,18 +24213,13 @@
               <a:rPr lang="en-US" dirty="0"/>
               <a:t>Ne zaman NoSQL?</a:t>
             </a:r>
+            <a:endParaRPr lang="en-US" dirty="0"/>
           </a:p>
         </p:txBody>
       </p:sp>
       <p:sp>
         <p:nvSpPr>
-          <p:cNvPr id="3" name="İçerik Yer Tutucusu 2">
-            <a:extLst>
-              <a:ext uri="{FF2B5EF4-FFF2-40B4-BE49-F238E27FC236}">
-                <a16:creationId xmlns:a16="http://schemas.microsoft.com/office/drawing/2014/main" id="{4E1D8274-F198-4349-A235-38B6E84B4AB1}"/>
-              </a:ext>
-            </a:extLst>
-          </p:cNvPr>
+          <p:cNvPr id="3" name="İçerik Yer Tutucusu 2"/>
           <p:cNvSpPr>
             <a:spLocks noGrp="1"/>
           </p:cNvSpPr>
@@ -25251,6 +24280,7 @@
               <a:rPr lang="en-US" dirty="0"/>
               <a:t>?</a:t>
             </a:r>
+            <a:endParaRPr lang="en-US" dirty="0"/>
           </a:p>
           <a:p>
             <a:r>
@@ -25325,6 +24355,7 @@
               <a:rPr lang="en-US" dirty="0"/>
               <a:t>?(High performance and Low Latency)</a:t>
             </a:r>
+            <a:endParaRPr lang="en-US" dirty="0"/>
           </a:p>
           <a:p>
             <a:r>
@@ -25467,6 +24498,7 @@
               <a:rPr lang="en-US" dirty="0"/>
               <a:t>)</a:t>
             </a:r>
+            <a:endParaRPr lang="en-US" dirty="0"/>
           </a:p>
           <a:p>
             <a:r>
@@ -25497,15 +24529,11 @@
               <a:rPr lang="en-US" dirty="0"/>
               <a:t>.</a:t>
             </a:r>
+            <a:endParaRPr lang="en-US" dirty="0"/>
           </a:p>
         </p:txBody>
       </p:sp>
     </p:spTree>
-    <p:extLst>
-      <p:ext uri="{BB962C8B-B14F-4D97-AF65-F5344CB8AC3E}">
-        <p14:creationId xmlns:p14="http://schemas.microsoft.com/office/powerpoint/2010/main" val="228716604"/>
-      </p:ext>
-    </p:extLst>
   </p:cSld>
   <p:clrMapOvr>
     <a:masterClrMapping/>
@@ -25532,13 +24560,7 @@
       </p:grpSpPr>
       <p:sp>
         <p:nvSpPr>
-          <p:cNvPr id="2" name="Başlık 1">
-            <a:extLst>
-              <a:ext uri="{FF2B5EF4-FFF2-40B4-BE49-F238E27FC236}">
-                <a16:creationId xmlns:a16="http://schemas.microsoft.com/office/drawing/2014/main" id="{B9EBF43E-EC38-4D94-AA57-3658438EF280}"/>
-              </a:ext>
-            </a:extLst>
-          </p:cNvPr>
+          <p:cNvPr id="2" name="Başlık 1"/>
           <p:cNvSpPr>
             <a:spLocks noGrp="1"/>
           </p:cNvSpPr>
@@ -25555,18 +24577,13 @@
               <a:rPr lang="en-US" dirty="0"/>
               <a:t>SQL mi NoSQL mi?</a:t>
             </a:r>
+            <a:endParaRPr lang="en-US" dirty="0"/>
           </a:p>
         </p:txBody>
       </p:sp>
       <p:sp>
         <p:nvSpPr>
-          <p:cNvPr id="3" name="İçerik Yer Tutucusu 2">
-            <a:extLst>
-              <a:ext uri="{FF2B5EF4-FFF2-40B4-BE49-F238E27FC236}">
-                <a16:creationId xmlns:a16="http://schemas.microsoft.com/office/drawing/2014/main" id="{B25A4BB2-29A6-4DB3-BB3F-1B267B48AA8A}"/>
-              </a:ext>
-            </a:extLst>
-          </p:cNvPr>
+          <p:cNvPr id="3" name="İçerik Yer Tutucusu 2"/>
           <p:cNvSpPr>
             <a:spLocks noGrp="1"/>
           </p:cNvSpPr>
@@ -25651,6 +24668,7 @@
               <a:rPr lang="en-US" dirty="0"/>
               <a:t>.</a:t>
             </a:r>
+            <a:endParaRPr lang="en-US" dirty="0"/>
           </a:p>
           <a:p>
             <a:r>
@@ -25709,6 +24727,7 @@
               <a:rPr lang="en-US" dirty="0"/>
               <a:t> =&gt; RDS</a:t>
             </a:r>
+            <a:endParaRPr lang="en-US" dirty="0"/>
           </a:p>
           <a:p>
             <a:r>
@@ -25759,6 +24778,7 @@
               <a:rPr lang="en-US" dirty="0"/>
               <a:t> =&gt; RDS</a:t>
             </a:r>
+            <a:endParaRPr lang="en-US" dirty="0"/>
           </a:p>
           <a:p>
             <a:r>
@@ -25817,15 +24837,11 @@
               <a:rPr lang="en-US" dirty="0"/>
               <a:t> =&gt; NoSQL</a:t>
             </a:r>
+            <a:endParaRPr lang="en-US" dirty="0"/>
           </a:p>
         </p:txBody>
       </p:sp>
     </p:spTree>
-    <p:extLst>
-      <p:ext uri="{BB962C8B-B14F-4D97-AF65-F5344CB8AC3E}">
-        <p14:creationId xmlns:p14="http://schemas.microsoft.com/office/powerpoint/2010/main" val="2387218783"/>
-      </p:ext>
-    </p:extLst>
   </p:cSld>
   <p:clrMapOvr>
     <a:masterClrMapping/>
@@ -26024,11 +25040,9 @@
       </a:bgFillStyleLst>
     </a:fmtScheme>
   </a:themeElements>
-  <a:objectDefaults/>
-  <a:extraClrSchemeLst/>
   <a:extLst>
     <a:ext uri="{05A4C25C-085E-4340-85A3-A5531E510DB2}">
-      <thm15:themeFamily xmlns:thm15="http://schemas.microsoft.com/office/thememl/2012/main" name="Tema1" id="{E1CC6644-30F1-4C30-9448-FFB0FC7EA224}" vid="{A8C0AA30-1B0D-4194-A1C6-47777ECE1B2A}"/>
+      <thm15:themeFamily xmlns:thm15="http://schemas.microsoft.com/office/thememl/2012/main" name="Office Theme" id="{62F939B6-93AF-4DB8-9C6B-D6C7DFDC589F}" vid="{4A3C46E8-61CC-4603-A589-7422A47A8E4A}"/>
     </a:ext>
   </a:extLst>
 </a:theme>
